--- a/PowerPoitnProgram/PIF 28- 30.pptx
+++ b/PowerPoitnProgram/PIF 28- 30.pptx
@@ -14,10 +14,11 @@
     <p:sldId id="281" r:id="rId8"/>
     <p:sldId id="287" r:id="rId9"/>
     <p:sldId id="282" r:id="rId10"/>
-    <p:sldId id="280" r:id="rId11"/>
-    <p:sldId id="284" r:id="rId12"/>
-    <p:sldId id="288" r:id="rId13"/>
-    <p:sldId id="285" r:id="rId14"/>
+    <p:sldId id="289" r:id="rId11"/>
+    <p:sldId id="280" r:id="rId12"/>
+    <p:sldId id="284" r:id="rId13"/>
+    <p:sldId id="288" r:id="rId14"/>
+    <p:sldId id="285" r:id="rId15"/>
   </p:sldIdLst>
   <p:sldSz cx="6858000" cy="9144000" type="screen4x3"/>
   <p:notesSz cx="6858000" cy="9296400"/>
@@ -3817,6 +3818,925 @@
 </dgm:colorsDef>
 </file>
 
+<file path=ppt/diagrams/colors13.xml><?xml version="1.0" encoding="utf-8"?>
+<dgm:colorsDef xmlns:dgm="http://schemas.openxmlformats.org/drawingml/2006/diagram" xmlns:a="http://schemas.openxmlformats.org/drawingml/2006/main" uniqueId="urn:microsoft.com/office/officeart/2005/8/colors/colorful1">
+  <dgm:title val=""/>
+  <dgm:desc val=""/>
+  <dgm:catLst>
+    <dgm:cat type="colorful" pri="10100"/>
+  </dgm:catLst>
+  <dgm:styleLbl name="node0">
+    <dgm:fillClrLst meth="repeat">
+      <a:schemeClr val="accent1"/>
+    </dgm:fillClrLst>
+    <dgm:linClrLst meth="repeat">
+      <a:schemeClr val="lt1"/>
+    </dgm:linClrLst>
+    <dgm:effectClrLst/>
+    <dgm:txLinClrLst/>
+    <dgm:txFillClrLst/>
+    <dgm:txEffectClrLst/>
+  </dgm:styleLbl>
+  <dgm:styleLbl name="node1">
+    <dgm:fillClrLst meth="repeat">
+      <a:schemeClr val="accent2"/>
+      <a:schemeClr val="accent3"/>
+      <a:schemeClr val="accent4"/>
+      <a:schemeClr val="accent5"/>
+      <a:schemeClr val="accent6"/>
+    </dgm:fillClrLst>
+    <dgm:linClrLst meth="repeat">
+      <a:schemeClr val="lt1"/>
+    </dgm:linClrLst>
+    <dgm:effectClrLst/>
+    <dgm:txLinClrLst/>
+    <dgm:txFillClrLst/>
+    <dgm:txEffectClrLst/>
+  </dgm:styleLbl>
+  <dgm:styleLbl name="alignNode1">
+    <dgm:fillClrLst meth="repeat">
+      <a:schemeClr val="accent2"/>
+      <a:schemeClr val="accent3"/>
+      <a:schemeClr val="accent4"/>
+      <a:schemeClr val="accent5"/>
+      <a:schemeClr val="accent6"/>
+    </dgm:fillClrLst>
+    <dgm:linClrLst meth="repeat">
+      <a:schemeClr val="accent2"/>
+      <a:schemeClr val="accent3"/>
+      <a:schemeClr val="accent4"/>
+      <a:schemeClr val="accent5"/>
+      <a:schemeClr val="accent6"/>
+    </dgm:linClrLst>
+    <dgm:effectClrLst/>
+    <dgm:txLinClrLst/>
+    <dgm:txFillClrLst/>
+    <dgm:txEffectClrLst/>
+  </dgm:styleLbl>
+  <dgm:styleLbl name="lnNode1">
+    <dgm:fillClrLst meth="repeat">
+      <a:schemeClr val="accent2"/>
+      <a:schemeClr val="accent3"/>
+      <a:schemeClr val="accent4"/>
+      <a:schemeClr val="accent5"/>
+      <a:schemeClr val="accent6"/>
+    </dgm:fillClrLst>
+    <dgm:linClrLst meth="repeat">
+      <a:schemeClr val="lt1"/>
+    </dgm:linClrLst>
+    <dgm:effectClrLst/>
+    <dgm:txLinClrLst/>
+    <dgm:txFillClrLst/>
+    <dgm:txEffectClrLst/>
+  </dgm:styleLbl>
+  <dgm:styleLbl name="vennNode1">
+    <dgm:fillClrLst meth="repeat">
+      <a:schemeClr val="accent2">
+        <a:alpha val="50000"/>
+      </a:schemeClr>
+      <a:schemeClr val="accent3">
+        <a:alpha val="50000"/>
+      </a:schemeClr>
+      <a:schemeClr val="accent4">
+        <a:alpha val="50000"/>
+      </a:schemeClr>
+      <a:schemeClr val="accent5">
+        <a:alpha val="50000"/>
+      </a:schemeClr>
+      <a:schemeClr val="accent6">
+        <a:alpha val="50000"/>
+      </a:schemeClr>
+    </dgm:fillClrLst>
+    <dgm:linClrLst meth="repeat">
+      <a:schemeClr val="lt1"/>
+    </dgm:linClrLst>
+    <dgm:effectClrLst/>
+    <dgm:txLinClrLst/>
+    <dgm:txFillClrLst/>
+    <dgm:txEffectClrLst/>
+  </dgm:styleLbl>
+  <dgm:styleLbl name="node2">
+    <dgm:fillClrLst>
+      <a:schemeClr val="accent2"/>
+    </dgm:fillClrLst>
+    <dgm:linClrLst meth="repeat">
+      <a:schemeClr val="lt1"/>
+    </dgm:linClrLst>
+    <dgm:effectClrLst/>
+    <dgm:txLinClrLst/>
+    <dgm:txFillClrLst/>
+    <dgm:txEffectClrLst/>
+  </dgm:styleLbl>
+  <dgm:styleLbl name="node3">
+    <dgm:fillClrLst>
+      <a:schemeClr val="accent3"/>
+    </dgm:fillClrLst>
+    <dgm:linClrLst meth="repeat">
+      <a:schemeClr val="lt1"/>
+    </dgm:linClrLst>
+    <dgm:effectClrLst/>
+    <dgm:txLinClrLst/>
+    <dgm:txFillClrLst/>
+    <dgm:txEffectClrLst/>
+  </dgm:styleLbl>
+  <dgm:styleLbl name="node4">
+    <dgm:fillClrLst>
+      <a:schemeClr val="accent4"/>
+    </dgm:fillClrLst>
+    <dgm:linClrLst meth="repeat">
+      <a:schemeClr val="lt1"/>
+    </dgm:linClrLst>
+    <dgm:effectClrLst/>
+    <dgm:txLinClrLst/>
+    <dgm:txFillClrLst/>
+    <dgm:txEffectClrLst/>
+  </dgm:styleLbl>
+  <dgm:styleLbl name="fgImgPlace1">
+    <dgm:fillClrLst meth="repeat">
+      <a:schemeClr val="accent2">
+        <a:tint val="50000"/>
+      </a:schemeClr>
+      <a:schemeClr val="accent3">
+        <a:tint val="50000"/>
+      </a:schemeClr>
+      <a:schemeClr val="accent4">
+        <a:tint val="50000"/>
+      </a:schemeClr>
+      <a:schemeClr val="accent5">
+        <a:tint val="50000"/>
+      </a:schemeClr>
+      <a:schemeClr val="accent6">
+        <a:tint val="50000"/>
+      </a:schemeClr>
+    </dgm:fillClrLst>
+    <dgm:linClrLst meth="repeat">
+      <a:schemeClr val="lt1"/>
+    </dgm:linClrLst>
+    <dgm:effectClrLst/>
+    <dgm:txLinClrLst/>
+    <dgm:txFillClrLst meth="repeat">
+      <a:schemeClr val="lt1"/>
+    </dgm:txFillClrLst>
+    <dgm:txEffectClrLst/>
+  </dgm:styleLbl>
+  <dgm:styleLbl name="alignImgPlace1">
+    <dgm:fillClrLst>
+      <a:schemeClr val="accent1">
+        <a:tint val="50000"/>
+      </a:schemeClr>
+      <a:schemeClr val="accent2">
+        <a:tint val="20000"/>
+      </a:schemeClr>
+    </dgm:fillClrLst>
+    <dgm:linClrLst meth="repeat">
+      <a:schemeClr val="lt1"/>
+    </dgm:linClrLst>
+    <dgm:effectClrLst/>
+    <dgm:txLinClrLst/>
+    <dgm:txFillClrLst meth="repeat">
+      <a:schemeClr val="lt1"/>
+    </dgm:txFillClrLst>
+    <dgm:txEffectClrLst/>
+  </dgm:styleLbl>
+  <dgm:styleLbl name="bgImgPlace1">
+    <dgm:fillClrLst>
+      <a:schemeClr val="accent1">
+        <a:tint val="50000"/>
+      </a:schemeClr>
+      <a:schemeClr val="accent2">
+        <a:tint val="20000"/>
+      </a:schemeClr>
+    </dgm:fillClrLst>
+    <dgm:linClrLst meth="repeat">
+      <a:schemeClr val="lt1"/>
+    </dgm:linClrLst>
+    <dgm:effectClrLst/>
+    <dgm:txLinClrLst/>
+    <dgm:txFillClrLst meth="repeat">
+      <a:schemeClr val="lt1"/>
+    </dgm:txFillClrLst>
+    <dgm:txEffectClrLst/>
+  </dgm:styleLbl>
+  <dgm:styleLbl name="sibTrans2D1">
+    <dgm:fillClrLst meth="repeat">
+      <a:schemeClr val="accent2"/>
+      <a:schemeClr val="accent3"/>
+      <a:schemeClr val="accent4"/>
+      <a:schemeClr val="accent5"/>
+      <a:schemeClr val="accent6"/>
+    </dgm:fillClrLst>
+    <dgm:linClrLst meth="cycle">
+      <a:schemeClr val="lt1"/>
+    </dgm:linClrLst>
+    <dgm:effectClrLst/>
+    <dgm:txLinClrLst/>
+    <dgm:txFillClrLst/>
+    <dgm:txEffectClrLst/>
+  </dgm:styleLbl>
+  <dgm:styleLbl name="fgSibTrans2D1">
+    <dgm:fillClrLst meth="repeat">
+      <a:schemeClr val="accent2"/>
+      <a:schemeClr val="accent3"/>
+      <a:schemeClr val="accent4"/>
+      <a:schemeClr val="accent5"/>
+      <a:schemeClr val="accent6"/>
+    </dgm:fillClrLst>
+    <dgm:linClrLst meth="cycle">
+      <a:schemeClr val="lt1"/>
+    </dgm:linClrLst>
+    <dgm:effectClrLst/>
+    <dgm:txLinClrLst/>
+    <dgm:txFillClrLst meth="repeat">
+      <a:schemeClr val="lt1"/>
+    </dgm:txFillClrLst>
+    <dgm:txEffectClrLst/>
+  </dgm:styleLbl>
+  <dgm:styleLbl name="bgSibTrans2D1">
+    <dgm:fillClrLst meth="repeat">
+      <a:schemeClr val="accent2"/>
+      <a:schemeClr val="accent3"/>
+      <a:schemeClr val="accent4"/>
+      <a:schemeClr val="accent5"/>
+      <a:schemeClr val="accent6"/>
+    </dgm:fillClrLst>
+    <dgm:linClrLst meth="cycle">
+      <a:schemeClr val="lt1"/>
+    </dgm:linClrLst>
+    <dgm:effectClrLst/>
+    <dgm:txLinClrLst/>
+    <dgm:txFillClrLst meth="repeat">
+      <a:schemeClr val="lt1"/>
+    </dgm:txFillClrLst>
+    <dgm:txEffectClrLst/>
+  </dgm:styleLbl>
+  <dgm:styleLbl name="sibTrans1D1">
+    <dgm:fillClrLst meth="repeat">
+      <a:schemeClr val="accent2"/>
+      <a:schemeClr val="accent3"/>
+      <a:schemeClr val="accent4"/>
+      <a:schemeClr val="accent5"/>
+      <a:schemeClr val="accent6"/>
+    </dgm:fillClrLst>
+    <dgm:linClrLst meth="repeat">
+      <a:schemeClr val="accent2"/>
+      <a:schemeClr val="accent3"/>
+      <a:schemeClr val="accent4"/>
+      <a:schemeClr val="accent5"/>
+      <a:schemeClr val="accent6"/>
+    </dgm:linClrLst>
+    <dgm:effectClrLst/>
+    <dgm:txLinClrLst/>
+    <dgm:txFillClrLst meth="repeat">
+      <a:schemeClr val="tx1"/>
+    </dgm:txFillClrLst>
+    <dgm:txEffectClrLst/>
+  </dgm:styleLbl>
+  <dgm:styleLbl name="callout">
+    <dgm:fillClrLst meth="repeat">
+      <a:schemeClr val="accent2"/>
+    </dgm:fillClrLst>
+    <dgm:linClrLst meth="repeat">
+      <a:schemeClr val="accent2">
+        <a:tint val="50000"/>
+      </a:schemeClr>
+    </dgm:linClrLst>
+    <dgm:effectClrLst/>
+    <dgm:txLinClrLst/>
+    <dgm:txFillClrLst meth="repeat">
+      <a:schemeClr val="tx1"/>
+    </dgm:txFillClrLst>
+    <dgm:txEffectClrLst/>
+  </dgm:styleLbl>
+  <dgm:styleLbl name="asst0">
+    <dgm:fillClrLst meth="repeat">
+      <a:schemeClr val="accent1"/>
+    </dgm:fillClrLst>
+    <dgm:linClrLst meth="repeat">
+      <a:schemeClr val="lt1"/>
+    </dgm:linClrLst>
+    <dgm:effectClrLst/>
+    <dgm:txLinClrLst/>
+    <dgm:txFillClrLst/>
+    <dgm:txEffectClrLst/>
+  </dgm:styleLbl>
+  <dgm:styleLbl name="asst1">
+    <dgm:fillClrLst meth="repeat">
+      <a:schemeClr val="accent2"/>
+    </dgm:fillClrLst>
+    <dgm:linClrLst meth="repeat">
+      <a:schemeClr val="lt1"/>
+    </dgm:linClrLst>
+    <dgm:effectClrLst/>
+    <dgm:txLinClrLst/>
+    <dgm:txFillClrLst/>
+    <dgm:txEffectClrLst/>
+  </dgm:styleLbl>
+  <dgm:styleLbl name="asst2">
+    <dgm:fillClrLst>
+      <a:schemeClr val="accent3"/>
+    </dgm:fillClrLst>
+    <dgm:linClrLst meth="repeat">
+      <a:schemeClr val="lt1"/>
+    </dgm:linClrLst>
+    <dgm:effectClrLst/>
+    <dgm:txLinClrLst/>
+    <dgm:txFillClrLst/>
+    <dgm:txEffectClrLst/>
+  </dgm:styleLbl>
+  <dgm:styleLbl name="asst3">
+    <dgm:fillClrLst>
+      <a:schemeClr val="accent4"/>
+    </dgm:fillClrLst>
+    <dgm:linClrLst meth="repeat">
+      <a:schemeClr val="lt1"/>
+    </dgm:linClrLst>
+    <dgm:effectClrLst/>
+    <dgm:txLinClrLst/>
+    <dgm:txFillClrLst/>
+    <dgm:txEffectClrLst/>
+  </dgm:styleLbl>
+  <dgm:styleLbl name="asst4">
+    <dgm:fillClrLst>
+      <a:schemeClr val="accent5"/>
+    </dgm:fillClrLst>
+    <dgm:linClrLst meth="repeat">
+      <a:schemeClr val="lt1"/>
+    </dgm:linClrLst>
+    <dgm:effectClrLst/>
+    <dgm:txLinClrLst/>
+    <dgm:txFillClrLst/>
+    <dgm:txEffectClrLst/>
+  </dgm:styleLbl>
+  <dgm:styleLbl name="parChTrans2D1">
+    <dgm:fillClrLst meth="repeat">
+      <a:schemeClr val="accent2"/>
+    </dgm:fillClrLst>
+    <dgm:linClrLst meth="repeat">
+      <a:schemeClr val="lt1"/>
+    </dgm:linClrLst>
+    <dgm:effectClrLst/>
+    <dgm:txLinClrLst/>
+    <dgm:txFillClrLst meth="repeat">
+      <a:schemeClr val="lt1"/>
+    </dgm:txFillClrLst>
+    <dgm:txEffectClrLst/>
+  </dgm:styleLbl>
+  <dgm:styleLbl name="parChTrans2D2">
+    <dgm:fillClrLst meth="repeat">
+      <a:schemeClr val="accent3"/>
+    </dgm:fillClrLst>
+    <dgm:linClrLst meth="repeat">
+      <a:schemeClr val="lt1"/>
+    </dgm:linClrLst>
+    <dgm:effectClrLst/>
+    <dgm:txLinClrLst/>
+    <dgm:txFillClrLst/>
+    <dgm:txEffectClrLst/>
+  </dgm:styleLbl>
+  <dgm:styleLbl name="parChTrans2D3">
+    <dgm:fillClrLst meth="repeat">
+      <a:schemeClr val="accent4"/>
+    </dgm:fillClrLst>
+    <dgm:linClrLst meth="repeat">
+      <a:schemeClr val="lt1"/>
+    </dgm:linClrLst>
+    <dgm:effectClrLst/>
+    <dgm:txLinClrLst/>
+    <dgm:txFillClrLst/>
+    <dgm:txEffectClrLst/>
+  </dgm:styleLbl>
+  <dgm:styleLbl name="parChTrans2D4">
+    <dgm:fillClrLst meth="repeat">
+      <a:schemeClr val="accent5"/>
+    </dgm:fillClrLst>
+    <dgm:linClrLst meth="repeat">
+      <a:schemeClr val="lt1"/>
+    </dgm:linClrLst>
+    <dgm:effectClrLst/>
+    <dgm:txLinClrLst/>
+    <dgm:txFillClrLst meth="repeat">
+      <a:schemeClr val="lt1"/>
+    </dgm:txFillClrLst>
+    <dgm:txEffectClrLst/>
+  </dgm:styleLbl>
+  <dgm:styleLbl name="parChTrans1D1">
+    <dgm:fillClrLst meth="repeat">
+      <a:schemeClr val="accent2"/>
+    </dgm:fillClrLst>
+    <dgm:linClrLst meth="repeat">
+      <a:schemeClr val="accent1"/>
+    </dgm:linClrLst>
+    <dgm:effectClrLst/>
+    <dgm:txLinClrLst/>
+    <dgm:txFillClrLst meth="repeat">
+      <a:schemeClr val="tx1"/>
+    </dgm:txFillClrLst>
+    <dgm:txEffectClrLst/>
+  </dgm:styleLbl>
+  <dgm:styleLbl name="parChTrans1D2">
+    <dgm:fillClrLst meth="repeat">
+      <a:schemeClr val="accent3">
+        <a:tint val="90000"/>
+      </a:schemeClr>
+    </dgm:fillClrLst>
+    <dgm:linClrLst meth="repeat">
+      <a:schemeClr val="accent2"/>
+    </dgm:linClrLst>
+    <dgm:effectClrLst/>
+    <dgm:txLinClrLst/>
+    <dgm:txFillClrLst meth="repeat">
+      <a:schemeClr val="tx1"/>
+    </dgm:txFillClrLst>
+    <dgm:txEffectClrLst/>
+  </dgm:styleLbl>
+  <dgm:styleLbl name="parChTrans1D3">
+    <dgm:fillClrLst meth="repeat">
+      <a:schemeClr val="accent4">
+        <a:tint val="70000"/>
+      </a:schemeClr>
+    </dgm:fillClrLst>
+    <dgm:linClrLst meth="repeat">
+      <a:schemeClr val="accent3"/>
+    </dgm:linClrLst>
+    <dgm:effectClrLst/>
+    <dgm:txLinClrLst/>
+    <dgm:txFillClrLst meth="repeat">
+      <a:schemeClr val="tx1"/>
+    </dgm:txFillClrLst>
+    <dgm:txEffectClrLst/>
+  </dgm:styleLbl>
+  <dgm:styleLbl name="parChTrans1D4">
+    <dgm:fillClrLst meth="repeat">
+      <a:schemeClr val="accent5">
+        <a:tint val="50000"/>
+      </a:schemeClr>
+    </dgm:fillClrLst>
+    <dgm:linClrLst meth="repeat">
+      <a:schemeClr val="accent4"/>
+    </dgm:linClrLst>
+    <dgm:effectClrLst/>
+    <dgm:txLinClrLst/>
+    <dgm:txFillClrLst meth="repeat">
+      <a:schemeClr val="tx1"/>
+    </dgm:txFillClrLst>
+    <dgm:txEffectClrLst/>
+  </dgm:styleLbl>
+  <dgm:styleLbl name="fgAcc1">
+    <dgm:fillClrLst meth="repeat">
+      <a:schemeClr val="lt1">
+        <a:alpha val="90000"/>
+      </a:schemeClr>
+    </dgm:fillClrLst>
+    <dgm:linClrLst meth="repeat">
+      <a:schemeClr val="accent2"/>
+      <a:schemeClr val="accent3"/>
+      <a:schemeClr val="accent4"/>
+      <a:schemeClr val="accent5"/>
+      <a:schemeClr val="accent6"/>
+    </dgm:linClrLst>
+    <dgm:effectClrLst/>
+    <dgm:txLinClrLst/>
+    <dgm:txFillClrLst meth="repeat">
+      <a:schemeClr val="dk1"/>
+    </dgm:txFillClrLst>
+    <dgm:txEffectClrLst/>
+  </dgm:styleLbl>
+  <dgm:styleLbl name="conFgAcc1">
+    <dgm:fillClrLst meth="repeat">
+      <a:schemeClr val="lt1">
+        <a:alpha val="90000"/>
+      </a:schemeClr>
+    </dgm:fillClrLst>
+    <dgm:linClrLst meth="repeat">
+      <a:schemeClr val="accent2"/>
+      <a:schemeClr val="accent3"/>
+      <a:schemeClr val="accent4"/>
+      <a:schemeClr val="accent5"/>
+      <a:schemeClr val="accent6"/>
+    </dgm:linClrLst>
+    <dgm:effectClrLst/>
+    <dgm:txLinClrLst/>
+    <dgm:txFillClrLst meth="repeat">
+      <a:schemeClr val="dk1"/>
+    </dgm:txFillClrLst>
+    <dgm:txEffectClrLst/>
+  </dgm:styleLbl>
+  <dgm:styleLbl name="alignAcc1">
+    <dgm:fillClrLst meth="repeat">
+      <a:schemeClr val="lt1">
+        <a:alpha val="90000"/>
+      </a:schemeClr>
+    </dgm:fillClrLst>
+    <dgm:linClrLst meth="repeat">
+      <a:schemeClr val="accent2"/>
+      <a:schemeClr val="accent3"/>
+      <a:schemeClr val="accent4"/>
+      <a:schemeClr val="accent5"/>
+      <a:schemeClr val="accent6"/>
+    </dgm:linClrLst>
+    <dgm:effectClrLst/>
+    <dgm:txLinClrLst/>
+    <dgm:txFillClrLst meth="repeat">
+      <a:schemeClr val="dk1"/>
+    </dgm:txFillClrLst>
+    <dgm:txEffectClrLst/>
+  </dgm:styleLbl>
+  <dgm:styleLbl name="trAlignAcc1">
+    <dgm:fillClrLst meth="repeat">
+      <a:schemeClr val="lt1">
+        <a:alpha val="40000"/>
+      </a:schemeClr>
+    </dgm:fillClrLst>
+    <dgm:linClrLst meth="repeat">
+      <a:schemeClr val="accent1"/>
+    </dgm:linClrLst>
+    <dgm:effectClrLst/>
+    <dgm:txLinClrLst/>
+    <dgm:txFillClrLst meth="repeat">
+      <a:schemeClr val="dk1"/>
+    </dgm:txFillClrLst>
+    <dgm:txEffectClrLst/>
+  </dgm:styleLbl>
+  <dgm:styleLbl name="bgAcc1">
+    <dgm:fillClrLst meth="repeat">
+      <a:schemeClr val="lt1">
+        <a:alpha val="90000"/>
+      </a:schemeClr>
+    </dgm:fillClrLst>
+    <dgm:linClrLst meth="repeat">
+      <a:schemeClr val="accent2"/>
+      <a:schemeClr val="accent3"/>
+      <a:schemeClr val="accent4"/>
+      <a:schemeClr val="accent5"/>
+      <a:schemeClr val="accent6"/>
+    </dgm:linClrLst>
+    <dgm:effectClrLst/>
+    <dgm:txLinClrLst/>
+    <dgm:txFillClrLst meth="repeat">
+      <a:schemeClr val="dk1"/>
+    </dgm:txFillClrLst>
+    <dgm:txEffectClrLst/>
+  </dgm:styleLbl>
+  <dgm:styleLbl name="solidFgAcc1">
+    <dgm:fillClrLst meth="repeat">
+      <a:schemeClr val="lt1"/>
+    </dgm:fillClrLst>
+    <dgm:linClrLst meth="repeat">
+      <a:schemeClr val="accent2"/>
+      <a:schemeClr val="accent3"/>
+      <a:schemeClr val="accent4"/>
+      <a:schemeClr val="accent5"/>
+      <a:schemeClr val="accent6"/>
+    </dgm:linClrLst>
+    <dgm:effectClrLst/>
+    <dgm:txLinClrLst/>
+    <dgm:txFillClrLst meth="repeat">
+      <a:schemeClr val="dk1"/>
+    </dgm:txFillClrLst>
+    <dgm:txEffectClrLst/>
+  </dgm:styleLbl>
+  <dgm:styleLbl name="solidAlignAcc1">
+    <dgm:fillClrLst meth="repeat">
+      <a:schemeClr val="lt1"/>
+    </dgm:fillClrLst>
+    <dgm:linClrLst meth="repeat">
+      <a:schemeClr val="accent2"/>
+      <a:schemeClr val="accent3"/>
+      <a:schemeClr val="accent4"/>
+      <a:schemeClr val="accent5"/>
+      <a:schemeClr val="accent6"/>
+    </dgm:linClrLst>
+    <dgm:effectClrLst/>
+    <dgm:txLinClrLst/>
+    <dgm:txFillClrLst meth="repeat">
+      <a:schemeClr val="dk1"/>
+    </dgm:txFillClrLst>
+    <dgm:txEffectClrLst/>
+  </dgm:styleLbl>
+  <dgm:styleLbl name="solidBgAcc1">
+    <dgm:fillClrLst meth="repeat">
+      <a:schemeClr val="lt1"/>
+    </dgm:fillClrLst>
+    <dgm:linClrLst meth="repeat">
+      <a:schemeClr val="accent2"/>
+      <a:schemeClr val="accent3"/>
+      <a:schemeClr val="accent4"/>
+      <a:schemeClr val="accent5"/>
+      <a:schemeClr val="accent6"/>
+    </dgm:linClrLst>
+    <dgm:effectClrLst/>
+    <dgm:txLinClrLst/>
+    <dgm:txFillClrLst meth="repeat">
+      <a:schemeClr val="dk1"/>
+    </dgm:txFillClrLst>
+    <dgm:txEffectClrLst/>
+  </dgm:styleLbl>
+  <dgm:styleLbl name="fgAccFollowNode1">
+    <dgm:fillClrLst meth="repeat">
+      <a:schemeClr val="accent2">
+        <a:tint val="40000"/>
+        <a:alpha val="90000"/>
+      </a:schemeClr>
+      <a:schemeClr val="accent3">
+        <a:tint val="40000"/>
+        <a:alpha val="90000"/>
+      </a:schemeClr>
+      <a:schemeClr val="accent4">
+        <a:tint val="40000"/>
+        <a:alpha val="90000"/>
+      </a:schemeClr>
+      <a:schemeClr val="accent5">
+        <a:tint val="40000"/>
+        <a:alpha val="90000"/>
+      </a:schemeClr>
+      <a:schemeClr val="accent6">
+        <a:tint val="40000"/>
+        <a:alpha val="90000"/>
+      </a:schemeClr>
+    </dgm:fillClrLst>
+    <dgm:linClrLst meth="repeat">
+      <a:schemeClr val="accent2">
+        <a:tint val="40000"/>
+        <a:alpha val="90000"/>
+      </a:schemeClr>
+      <a:schemeClr val="accent3">
+        <a:tint val="40000"/>
+        <a:alpha val="90000"/>
+      </a:schemeClr>
+      <a:schemeClr val="accent4">
+        <a:tint val="40000"/>
+        <a:alpha val="90000"/>
+      </a:schemeClr>
+      <a:schemeClr val="accent5">
+        <a:tint val="40000"/>
+        <a:alpha val="90000"/>
+      </a:schemeClr>
+      <a:schemeClr val="accent6">
+        <a:tint val="40000"/>
+        <a:alpha val="90000"/>
+      </a:schemeClr>
+    </dgm:linClrLst>
+    <dgm:effectClrLst/>
+    <dgm:txLinClrLst/>
+    <dgm:txFillClrLst meth="repeat">
+      <a:schemeClr val="dk1"/>
+    </dgm:txFillClrLst>
+    <dgm:txEffectClrLst/>
+  </dgm:styleLbl>
+  <dgm:styleLbl name="alignAccFollowNode1">
+    <dgm:fillClrLst meth="repeat">
+      <a:schemeClr val="accent2">
+        <a:tint val="40000"/>
+        <a:alpha val="90000"/>
+      </a:schemeClr>
+      <a:schemeClr val="accent3">
+        <a:tint val="40000"/>
+        <a:alpha val="90000"/>
+      </a:schemeClr>
+      <a:schemeClr val="accent4">
+        <a:tint val="40000"/>
+        <a:alpha val="90000"/>
+      </a:schemeClr>
+      <a:schemeClr val="accent5">
+        <a:tint val="40000"/>
+        <a:alpha val="90000"/>
+      </a:schemeClr>
+      <a:schemeClr val="accent6">
+        <a:tint val="40000"/>
+        <a:alpha val="90000"/>
+      </a:schemeClr>
+    </dgm:fillClrLst>
+    <dgm:linClrLst meth="repeat">
+      <a:schemeClr val="accent2">
+        <a:tint val="40000"/>
+        <a:alpha val="90000"/>
+      </a:schemeClr>
+      <a:schemeClr val="accent3">
+        <a:tint val="40000"/>
+        <a:alpha val="90000"/>
+      </a:schemeClr>
+      <a:schemeClr val="accent4">
+        <a:tint val="40000"/>
+        <a:alpha val="90000"/>
+      </a:schemeClr>
+      <a:schemeClr val="accent5">
+        <a:tint val="40000"/>
+        <a:alpha val="90000"/>
+      </a:schemeClr>
+      <a:schemeClr val="accent6">
+        <a:tint val="40000"/>
+        <a:alpha val="90000"/>
+      </a:schemeClr>
+    </dgm:linClrLst>
+    <dgm:effectClrLst/>
+    <dgm:txLinClrLst/>
+    <dgm:txFillClrLst meth="repeat">
+      <a:schemeClr val="dk1"/>
+    </dgm:txFillClrLst>
+    <dgm:txEffectClrLst/>
+  </dgm:styleLbl>
+  <dgm:styleLbl name="bgAccFollowNode1">
+    <dgm:fillClrLst meth="repeat">
+      <a:schemeClr val="accent2">
+        <a:tint val="40000"/>
+        <a:alpha val="90000"/>
+      </a:schemeClr>
+      <a:schemeClr val="accent3">
+        <a:tint val="40000"/>
+        <a:alpha val="90000"/>
+      </a:schemeClr>
+      <a:schemeClr val="accent4">
+        <a:tint val="40000"/>
+        <a:alpha val="90000"/>
+      </a:schemeClr>
+      <a:schemeClr val="accent5">
+        <a:tint val="40000"/>
+        <a:alpha val="90000"/>
+      </a:schemeClr>
+      <a:schemeClr val="accent6">
+        <a:tint val="40000"/>
+        <a:alpha val="90000"/>
+      </a:schemeClr>
+    </dgm:fillClrLst>
+    <dgm:linClrLst meth="repeat">
+      <a:schemeClr val="accent2">
+        <a:tint val="40000"/>
+        <a:alpha val="90000"/>
+      </a:schemeClr>
+      <a:schemeClr val="accent3">
+        <a:tint val="40000"/>
+        <a:alpha val="90000"/>
+      </a:schemeClr>
+      <a:schemeClr val="accent4">
+        <a:tint val="40000"/>
+        <a:alpha val="90000"/>
+      </a:schemeClr>
+      <a:schemeClr val="accent5">
+        <a:tint val="40000"/>
+        <a:alpha val="90000"/>
+      </a:schemeClr>
+      <a:schemeClr val="accent6">
+        <a:tint val="40000"/>
+        <a:alpha val="90000"/>
+      </a:schemeClr>
+    </dgm:linClrLst>
+    <dgm:effectClrLst/>
+    <dgm:txLinClrLst/>
+    <dgm:txFillClrLst meth="repeat">
+      <a:schemeClr val="dk1"/>
+    </dgm:txFillClrLst>
+    <dgm:txEffectClrLst/>
+  </dgm:styleLbl>
+  <dgm:styleLbl name="fgAcc0">
+    <dgm:fillClrLst meth="repeat">
+      <a:schemeClr val="lt1">
+        <a:alpha val="90000"/>
+      </a:schemeClr>
+    </dgm:fillClrLst>
+    <dgm:linClrLst>
+      <a:schemeClr val="accent1"/>
+    </dgm:linClrLst>
+    <dgm:effectClrLst/>
+    <dgm:txLinClrLst/>
+    <dgm:txFillClrLst meth="repeat">
+      <a:schemeClr val="dk1"/>
+    </dgm:txFillClrLst>
+    <dgm:txEffectClrLst/>
+  </dgm:styleLbl>
+  <dgm:styleLbl name="fgAcc2">
+    <dgm:fillClrLst meth="repeat">
+      <a:schemeClr val="lt1">
+        <a:alpha val="90000"/>
+      </a:schemeClr>
+    </dgm:fillClrLst>
+    <dgm:linClrLst>
+      <a:schemeClr val="accent2"/>
+    </dgm:linClrLst>
+    <dgm:effectClrLst/>
+    <dgm:txLinClrLst/>
+    <dgm:txFillClrLst meth="repeat">
+      <a:schemeClr val="dk1"/>
+    </dgm:txFillClrLst>
+    <dgm:txEffectClrLst/>
+  </dgm:styleLbl>
+  <dgm:styleLbl name="fgAcc3">
+    <dgm:fillClrLst meth="repeat">
+      <a:schemeClr val="lt1">
+        <a:alpha val="90000"/>
+      </a:schemeClr>
+    </dgm:fillClrLst>
+    <dgm:linClrLst>
+      <a:schemeClr val="accent3"/>
+    </dgm:linClrLst>
+    <dgm:effectClrLst/>
+    <dgm:txLinClrLst/>
+    <dgm:txFillClrLst meth="repeat">
+      <a:schemeClr val="dk1"/>
+    </dgm:txFillClrLst>
+    <dgm:txEffectClrLst/>
+  </dgm:styleLbl>
+  <dgm:styleLbl name="fgAcc4">
+    <dgm:fillClrLst meth="repeat">
+      <a:schemeClr val="lt1">
+        <a:alpha val="90000"/>
+      </a:schemeClr>
+    </dgm:fillClrLst>
+    <dgm:linClrLst>
+      <a:schemeClr val="accent4"/>
+    </dgm:linClrLst>
+    <dgm:effectClrLst/>
+    <dgm:txLinClrLst/>
+    <dgm:txFillClrLst meth="repeat">
+      <a:schemeClr val="dk1"/>
+    </dgm:txFillClrLst>
+    <dgm:txEffectClrLst/>
+  </dgm:styleLbl>
+  <dgm:styleLbl name="bgShp">
+    <dgm:fillClrLst meth="repeat">
+      <a:schemeClr val="accent2">
+        <a:tint val="40000"/>
+      </a:schemeClr>
+    </dgm:fillClrLst>
+    <dgm:linClrLst meth="repeat">
+      <a:schemeClr val="dk1"/>
+    </dgm:linClrLst>
+    <dgm:effectClrLst/>
+    <dgm:txLinClrLst/>
+    <dgm:txFillClrLst meth="repeat">
+      <a:schemeClr val="dk1"/>
+    </dgm:txFillClrLst>
+    <dgm:txEffectClrLst/>
+  </dgm:styleLbl>
+  <dgm:styleLbl name="dkBgShp">
+    <dgm:fillClrLst meth="repeat">
+      <a:schemeClr val="accent2">
+        <a:shade val="90000"/>
+      </a:schemeClr>
+    </dgm:fillClrLst>
+    <dgm:linClrLst meth="repeat">
+      <a:schemeClr val="dk1"/>
+    </dgm:linClrLst>
+    <dgm:effectClrLst/>
+    <dgm:txLinClrLst/>
+    <dgm:txFillClrLst meth="repeat">
+      <a:schemeClr val="lt1"/>
+    </dgm:txFillClrLst>
+    <dgm:txEffectClrLst/>
+  </dgm:styleLbl>
+  <dgm:styleLbl name="trBgShp">
+    <dgm:fillClrLst meth="repeat">
+      <a:schemeClr val="accent1">
+        <a:tint val="50000"/>
+        <a:alpha val="40000"/>
+      </a:schemeClr>
+    </dgm:fillClrLst>
+    <dgm:linClrLst meth="repeat">
+      <a:schemeClr val="accent2"/>
+    </dgm:linClrLst>
+    <dgm:effectClrLst/>
+    <dgm:txLinClrLst/>
+    <dgm:txFillClrLst meth="repeat">
+      <a:schemeClr val="lt1"/>
+    </dgm:txFillClrLst>
+    <dgm:txEffectClrLst/>
+  </dgm:styleLbl>
+  <dgm:styleLbl name="fgShp">
+    <dgm:fillClrLst meth="repeat">
+      <a:schemeClr val="accent2">
+        <a:tint val="40000"/>
+      </a:schemeClr>
+    </dgm:fillClrLst>
+    <dgm:linClrLst meth="repeat">
+      <a:schemeClr val="lt1"/>
+    </dgm:linClrLst>
+    <dgm:effectClrLst/>
+    <dgm:txLinClrLst/>
+    <dgm:txFillClrLst meth="repeat">
+      <a:schemeClr val="dk1"/>
+    </dgm:txFillClrLst>
+    <dgm:txEffectClrLst/>
+  </dgm:styleLbl>
+  <dgm:styleLbl name="revTx">
+    <dgm:fillClrLst meth="repeat">
+      <a:schemeClr val="lt1">
+        <a:alpha val="0"/>
+      </a:schemeClr>
+    </dgm:fillClrLst>
+    <dgm:linClrLst meth="repeat">
+      <a:schemeClr val="dk1">
+        <a:alpha val="0"/>
+      </a:schemeClr>
+    </dgm:linClrLst>
+    <dgm:effectClrLst/>
+    <dgm:txLinClrLst/>
+    <dgm:txFillClrLst meth="repeat">
+      <a:schemeClr val="tx1"/>
+    </dgm:txFillClrLst>
+    <dgm:txEffectClrLst/>
+  </dgm:styleLbl>
+</dgm:colorsDef>
+</file>
+
 <file path=ppt/diagrams/colors2.xml><?xml version="1.0" encoding="utf-8"?>
 <dgm:colorsDef xmlns:dgm="http://schemas.openxmlformats.org/drawingml/2006/diagram" xmlns:a="http://schemas.openxmlformats.org/drawingml/2006/main" uniqueId="urn:microsoft.com/office/officeart/2005/8/colors/colorful1">
   <dgm:title val=""/>
@@ -11239,7 +12159,7 @@
     </dgm:pt>
   </dgm:ptLst>
   <dgm:cxnLst>
-    <dgm:cxn modelId="{6D9596BA-33D7-4420-AA27-DF22AE14E134}" type="presOf" srcId="{18A66166-AE58-4430-963F-B7CF1D41D45E}" destId="{7BA9120E-AFA8-482C-94E5-B956C4AC6749}" srcOrd="0" destOrd="0" presId="urn:microsoft.com/office/officeart/2008/layout/PictureAccentList"/>
+    <dgm:cxn modelId="{5E8AF63C-45F0-41EE-AF30-1D7FBFDFF2EB}" type="presOf" srcId="{18A66166-AE58-4430-963F-B7CF1D41D45E}" destId="{7BA9120E-AFA8-482C-94E5-B956C4AC6749}" srcOrd="0" destOrd="0" presId="urn:microsoft.com/office/officeart/2008/layout/PictureAccentList"/>
   </dgm:cxnLst>
   <dgm:bg/>
   <dgm:whole/>
@@ -11293,6 +12213,47 @@
 </file>
 
 <file path=ppt/diagrams/data12.xml><?xml version="1.0" encoding="utf-8"?>
+<dgm:dataModel xmlns:dgm="http://schemas.openxmlformats.org/drawingml/2006/diagram" xmlns:a="http://schemas.openxmlformats.org/drawingml/2006/main">
+  <dgm:ptLst>
+    <dgm:pt modelId="{18A66166-AE58-4430-963F-B7CF1D41D45E}" type="doc">
+      <dgm:prSet loTypeId="urn:microsoft.com/office/officeart/2008/layout/PictureAccentList" loCatId="list" qsTypeId="urn:microsoft.com/office/officeart/2005/8/quickstyle/3d1" qsCatId="3D" csTypeId="urn:microsoft.com/office/officeart/2005/8/colors/colorful1" csCatId="colorful" phldr="1"/>
+      <dgm:spPr/>
+      <dgm:t>
+        <a:bodyPr/>
+        <a:lstStyle/>
+        <a:p>
+          <a:endParaRPr lang="es-MX"/>
+        </a:p>
+      </dgm:t>
+    </dgm:pt>
+    <dgm:pt modelId="{7BA9120E-AFA8-482C-94E5-B956C4AC6749}" type="pres">
+      <dgm:prSet presAssocID="{18A66166-AE58-4430-963F-B7CF1D41D45E}" presName="layout" presStyleCnt="0">
+        <dgm:presLayoutVars>
+          <dgm:chMax/>
+          <dgm:chPref/>
+          <dgm:dir/>
+          <dgm:animOne val="branch"/>
+          <dgm:animLvl val="lvl"/>
+          <dgm:resizeHandles/>
+        </dgm:presLayoutVars>
+      </dgm:prSet>
+      <dgm:spPr/>
+    </dgm:pt>
+  </dgm:ptLst>
+  <dgm:cxnLst>
+    <dgm:cxn modelId="{6D9596BA-33D7-4420-AA27-DF22AE14E134}" type="presOf" srcId="{18A66166-AE58-4430-963F-B7CF1D41D45E}" destId="{7BA9120E-AFA8-482C-94E5-B956C4AC6749}" srcOrd="0" destOrd="0" presId="urn:microsoft.com/office/officeart/2008/layout/PictureAccentList"/>
+  </dgm:cxnLst>
+  <dgm:bg/>
+  <dgm:whole/>
+  <dgm:extLst>
+    <a:ext uri="http://schemas.microsoft.com/office/drawing/2008/diagram">
+      <dsp:dataModelExt xmlns:dsp="http://schemas.microsoft.com/office/drawing/2008/diagram" relId="rId6" minVer="http://schemas.openxmlformats.org/drawingml/2006/diagram"/>
+    </a:ext>
+  </dgm:extLst>
+</dgm:dataModel>
+</file>
+
+<file path=ppt/diagrams/data13.xml><?xml version="1.0" encoding="utf-8"?>
 <dgm:dataModel xmlns:dgm="http://schemas.openxmlformats.org/drawingml/2006/diagram" xmlns:a="http://schemas.openxmlformats.org/drawingml/2006/main">
   <dgm:ptLst>
     <dgm:pt modelId="{18A66166-AE58-4430-963F-B7CF1D41D45E}" type="doc">
@@ -11698,6 +12659,18 @@
 </file>
 
 <file path=ppt/diagrams/drawing12.xml><?xml version="1.0" encoding="utf-8"?>
+<dsp:drawing xmlns:dgm="http://schemas.openxmlformats.org/drawingml/2006/diagram" xmlns:dsp="http://schemas.microsoft.com/office/drawing/2008/diagram" xmlns:a="http://schemas.openxmlformats.org/drawingml/2006/main">
+  <dsp:spTree>
+    <dsp:nvGrpSpPr>
+      <dsp:cNvPr id="0" name=""/>
+      <dsp:cNvGrpSpPr/>
+    </dsp:nvGrpSpPr>
+    <dsp:grpSpPr/>
+  </dsp:spTree>
+</dsp:drawing>
+</file>
+
+<file path=ppt/diagrams/drawing13.xml><?xml version="1.0" encoding="utf-8"?>
 <dsp:drawing xmlns:dgm="http://schemas.openxmlformats.org/drawingml/2006/diagram" xmlns:dsp="http://schemas.microsoft.com/office/drawing/2008/diagram" xmlns:a="http://schemas.openxmlformats.org/drawingml/2006/main">
   <dsp:spTree>
     <dsp:nvGrpSpPr>
@@ -12553,6 +13526,255 @@
 </file>
 
 <file path=ppt/diagrams/layout12.xml><?xml version="1.0" encoding="utf-8"?>
+<dgm:layoutDef xmlns:dgm="http://schemas.openxmlformats.org/drawingml/2006/diagram" xmlns:a="http://schemas.openxmlformats.org/drawingml/2006/main" uniqueId="urn:microsoft.com/office/officeart/2008/layout/PictureAccentList">
+  <dgm:title val=""/>
+  <dgm:desc val=""/>
+  <dgm:catLst>
+    <dgm:cat type="picture" pri="14000"/>
+    <dgm:cat type="list" pri="14500"/>
+  </dgm:catLst>
+  <dgm:sampData>
+    <dgm:dataModel>
+      <dgm:ptLst>
+        <dgm:pt modelId="0" type="doc"/>
+        <dgm:pt modelId="1">
+          <dgm:prSet phldr="1"/>
+        </dgm:pt>
+        <dgm:pt modelId="11">
+          <dgm:prSet phldr="1"/>
+        </dgm:pt>
+        <dgm:pt modelId="12">
+          <dgm:prSet phldr="1"/>
+        </dgm:pt>
+      </dgm:ptLst>
+      <dgm:cxnLst>
+        <dgm:cxn modelId="4" srcId="0" destId="1" srcOrd="0" destOrd="0"/>
+        <dgm:cxn modelId="5" srcId="1" destId="11" srcOrd="0" destOrd="0"/>
+        <dgm:cxn modelId="6" srcId="1" destId="12" srcOrd="1" destOrd="0"/>
+      </dgm:cxnLst>
+      <dgm:bg/>
+      <dgm:whole/>
+    </dgm:dataModel>
+  </dgm:sampData>
+  <dgm:styleData>
+    <dgm:dataModel>
+      <dgm:ptLst>
+        <dgm:pt modelId="0" type="doc"/>
+        <dgm:pt modelId="1"/>
+        <dgm:pt modelId="11"/>
+        <dgm:pt modelId="12"/>
+        <dgm:pt modelId="13"/>
+      </dgm:ptLst>
+      <dgm:cxnLst>
+        <dgm:cxn modelId="4" srcId="0" destId="1" srcOrd="0" destOrd="0"/>
+        <dgm:cxn modelId="5" srcId="1" destId="11" srcOrd="0" destOrd="0"/>
+        <dgm:cxn modelId="6" srcId="1" destId="12" srcOrd="0" destOrd="0"/>
+        <dgm:cxn modelId="14" srcId="1" destId="13" srcOrd="0" destOrd="0"/>
+      </dgm:cxnLst>
+      <dgm:bg/>
+      <dgm:whole/>
+    </dgm:dataModel>
+  </dgm:styleData>
+  <dgm:clrData>
+    <dgm:dataModel>
+      <dgm:ptLst>
+        <dgm:pt modelId="0" type="doc"/>
+        <dgm:pt modelId="1"/>
+        <dgm:pt modelId="11"/>
+        <dgm:pt modelId="12"/>
+        <dgm:pt modelId="13"/>
+      </dgm:ptLst>
+      <dgm:cxnLst>
+        <dgm:cxn modelId="4" srcId="0" destId="1" srcOrd="0" destOrd="0"/>
+        <dgm:cxn modelId="5" srcId="1" destId="11" srcOrd="0" destOrd="0"/>
+        <dgm:cxn modelId="6" srcId="1" destId="12" srcOrd="0" destOrd="0"/>
+        <dgm:cxn modelId="14" srcId="1" destId="13" srcOrd="0" destOrd="0"/>
+      </dgm:cxnLst>
+      <dgm:bg/>
+      <dgm:whole/>
+    </dgm:dataModel>
+  </dgm:clrData>
+  <dgm:layoutNode name="layout">
+    <dgm:varLst>
+      <dgm:chMax/>
+      <dgm:chPref/>
+      <dgm:dir/>
+      <dgm:animOne val="branch"/>
+      <dgm:animLvl val="lvl"/>
+      <dgm:resizeHandles/>
+    </dgm:varLst>
+    <dgm:choose name="Name0">
+      <dgm:if name="Name1" func="var" arg="dir" op="equ" val="norm">
+        <dgm:alg type="hierChild">
+          <dgm:param type="linDir" val="fromL"/>
+        </dgm:alg>
+      </dgm:if>
+      <dgm:else name="Name2">
+        <dgm:alg type="hierChild">
+          <dgm:param type="linDir" val="fromL"/>
+        </dgm:alg>
+      </dgm:else>
+    </dgm:choose>
+    <dgm:shape xmlns:r="http://schemas.openxmlformats.org/officeDocument/2006/relationships" r:blip="">
+      <dgm:adjLst/>
+    </dgm:shape>
+    <dgm:presOf/>
+    <dgm:constrLst>
+      <dgm:constr type="primFontSz" for="des" forName="rootText" op="equ" val="65"/>
+      <dgm:constr type="primFontSz" for="des" forName="childText" op="equ" val="65"/>
+      <dgm:constr type="primFontSz" for="des" forName="childText" refType="primFontSz" refFor="des" refForName="rootText" op="lte"/>
+      <dgm:constr type="w" for="des" forName="rootComposite" refType="w" fact="4"/>
+      <dgm:constr type="h" for="des" forName="rootComposite" refType="h"/>
+      <dgm:constr type="w" for="des" forName="childComposite" refType="w" refFor="des" refForName="rootComposite"/>
+      <dgm:constr type="h" for="des" forName="childComposite" refType="h" refFor="des" refForName="rootComposite"/>
+      <dgm:constr type="sibSp" refType="w" refFor="des" refForName="rootComposite" fact="0.1"/>
+      <dgm:constr type="sibSp" for="des" forName="childShape" refType="h" refFor="des" refForName="rootComposite" fact="0.12"/>
+      <dgm:constr type="sp" for="des" forName="root" refType="h" refFor="des" refForName="rootComposite" fact="0.18"/>
+    </dgm:constrLst>
+    <dgm:ruleLst/>
+    <dgm:forEach name="Name3" axis="ch">
+      <dgm:forEach name="Name4" axis="self" ptType="node" cnt="1">
+        <dgm:layoutNode name="root">
+          <dgm:varLst>
+            <dgm:chMax/>
+            <dgm:chPref val="4"/>
+          </dgm:varLst>
+          <dgm:alg type="hierRoot"/>
+          <dgm:shape xmlns:r="http://schemas.openxmlformats.org/officeDocument/2006/relationships" r:blip="">
+            <dgm:adjLst/>
+          </dgm:shape>
+          <dgm:presOf/>
+          <dgm:constrLst/>
+          <dgm:ruleLst/>
+          <dgm:layoutNode name="rootComposite">
+            <dgm:varLst/>
+            <dgm:alg type="composite"/>
+            <dgm:shape xmlns:r="http://schemas.openxmlformats.org/officeDocument/2006/relationships" r:blip="">
+              <dgm:adjLst/>
+            </dgm:shape>
+            <dgm:presOf axis="self" ptType="node" cnt="1"/>
+            <dgm:constrLst>
+              <dgm:constr type="l" for="ch" forName="rootText"/>
+              <dgm:constr type="t" for="ch" forName="rootText"/>
+              <dgm:constr type="w" for="ch" forName="rootText" refType="w"/>
+              <dgm:constr type="h" for="ch" forName="rootText" refType="h"/>
+            </dgm:constrLst>
+            <dgm:ruleLst/>
+            <dgm:layoutNode name="rootText" styleLbl="node0">
+              <dgm:varLst>
+                <dgm:chMax/>
+                <dgm:chPref val="4"/>
+              </dgm:varLst>
+              <dgm:alg type="tx"/>
+              <dgm:shape xmlns:r="http://schemas.openxmlformats.org/officeDocument/2006/relationships" type="roundRect" r:blip="">
+                <dgm:adjLst>
+                  <dgm:adj idx="1" val="0.1"/>
+                </dgm:adjLst>
+              </dgm:shape>
+              <dgm:presOf axis="self" ptType="node" cnt="1"/>
+              <dgm:constrLst>
+                <dgm:constr type="tMarg" refType="primFontSz" fact="0.1"/>
+                <dgm:constr type="bMarg" refType="primFontSz" fact="0.1"/>
+                <dgm:constr type="lMarg" refType="primFontSz" fact="0.15"/>
+                <dgm:constr type="rMarg" refType="primFontSz" fact="0.15"/>
+              </dgm:constrLst>
+              <dgm:ruleLst>
+                <dgm:rule type="primFontSz" val="5" fact="NaN" max="NaN"/>
+                <dgm:rule type="primFontSz" val="65" fact="NaN" max="NaN"/>
+              </dgm:ruleLst>
+            </dgm:layoutNode>
+          </dgm:layoutNode>
+          <dgm:layoutNode name="childShape">
+            <dgm:varLst>
+              <dgm:chMax val="0"/>
+              <dgm:chPref val="0"/>
+            </dgm:varLst>
+            <dgm:alg type="hierChild">
+              <dgm:param type="chAlign" val="r"/>
+              <dgm:param type="linDir" val="fromT"/>
+              <dgm:param type="fallback" val="2D"/>
+            </dgm:alg>
+            <dgm:shape xmlns:r="http://schemas.openxmlformats.org/officeDocument/2006/relationships" r:blip="">
+              <dgm:adjLst/>
+            </dgm:shape>
+            <dgm:presOf/>
+            <dgm:constrLst/>
+            <dgm:ruleLst/>
+            <dgm:forEach name="Name5" axis="ch">
+              <dgm:forEach name="Name6" axis="self" ptType="node">
+                <dgm:layoutNode name="childComposite">
+                  <dgm:varLst>
+                    <dgm:chMax val="0"/>
+                    <dgm:chPref val="0"/>
+                  </dgm:varLst>
+                  <dgm:alg type="composite"/>
+                  <dgm:shape xmlns:r="http://schemas.openxmlformats.org/officeDocument/2006/relationships" r:blip="">
+                    <dgm:adjLst/>
+                  </dgm:shape>
+                  <dgm:presOf/>
+                  <dgm:choose name="Name7">
+                    <dgm:if name="Name8" func="var" arg="dir" op="equ" val="norm">
+                      <dgm:constrLst>
+                        <dgm:constr type="w" for="ch" forName="Image" refType="h"/>
+                        <dgm:constr type="h" for="ch" forName="Image" refType="h"/>
+                        <dgm:constr type="l" for="ch" forName="Image"/>
+                        <dgm:constr type="t" for="ch" forName="Image"/>
+                        <dgm:constr type="h" for="ch" forName="childText" refType="h"/>
+                        <dgm:constr type="l" for="ch" forName="childText" refType="w" refFor="ch" refForName="Image" fact="1.06"/>
+                        <dgm:constr type="t" for="ch" forName="childText"/>
+                      </dgm:constrLst>
+                    </dgm:if>
+                    <dgm:else name="Name9">
+                      <dgm:constrLst>
+                        <dgm:constr type="w" for="ch" forName="Image" refType="h"/>
+                        <dgm:constr type="h" for="ch" forName="Image" refType="h"/>
+                        <dgm:constr type="r" for="ch" forName="Image" refType="w"/>
+                        <dgm:constr type="t" for="ch" forName="Image"/>
+                        <dgm:constr type="h" for="ch" forName="childText" refType="h"/>
+                        <dgm:constr type="t" for="ch" forName="childText"/>
+                        <dgm:constr type="wOff" for="ch" forName="childText" refType="w" refFor="ch" refForName="Image" fact="-1.06"/>
+                      </dgm:constrLst>
+                    </dgm:else>
+                  </dgm:choose>
+                  <dgm:ruleLst/>
+                  <dgm:layoutNode name="Image" styleLbl="node1">
+                    <dgm:alg type="sp"/>
+                    <dgm:shape xmlns:r="http://schemas.openxmlformats.org/officeDocument/2006/relationships" type="roundRect" r:blip="" blipPhldr="1">
+                      <dgm:adjLst>
+                        <dgm:adj idx="1" val="0.1667"/>
+                      </dgm:adjLst>
+                    </dgm:shape>
+                    <dgm:presOf/>
+                  </dgm:layoutNode>
+                  <dgm:layoutNode name="childText" styleLbl="lnNode1">
+                    <dgm:varLst>
+                      <dgm:chMax val="0"/>
+                      <dgm:chPref val="0"/>
+                      <dgm:bulletEnabled val="1"/>
+                    </dgm:varLst>
+                    <dgm:alg type="tx"/>
+                    <dgm:shape xmlns:r="http://schemas.openxmlformats.org/officeDocument/2006/relationships" type="roundRect" r:blip="">
+                      <dgm:adjLst>
+                        <dgm:adj idx="1" val="0.1667"/>
+                      </dgm:adjLst>
+                    </dgm:shape>
+                    <dgm:presOf axis="self desOrSelf" ptType="node node" st="1 1" cnt="1 0"/>
+                    <dgm:ruleLst>
+                      <dgm:rule type="primFontSz" val="5" fact="NaN" max="NaN"/>
+                    </dgm:ruleLst>
+                  </dgm:layoutNode>
+                </dgm:layoutNode>
+              </dgm:forEach>
+            </dgm:forEach>
+          </dgm:layoutNode>
+        </dgm:layoutNode>
+      </dgm:forEach>
+    </dgm:forEach>
+  </dgm:layoutNode>
+</dgm:layoutDef>
+</file>
+
+<file path=ppt/diagrams/layout13.xml><?xml version="1.0" encoding="utf-8"?>
 <dgm:layoutDef xmlns:dgm="http://schemas.openxmlformats.org/drawingml/2006/diagram" xmlns:a="http://schemas.openxmlformats.org/drawingml/2006/main" uniqueId="urn:microsoft.com/office/officeart/2008/layout/PictureAccentList">
   <dgm:title val=""/>
   <dgm:desc val=""/>
@@ -19261,6 +20483,1123 @@
 </dgm:styleDef>
 </file>
 
+<file path=ppt/diagrams/quickStyle13.xml><?xml version="1.0" encoding="utf-8"?>
+<dgm:styleDef xmlns:dgm="http://schemas.openxmlformats.org/drawingml/2006/diagram" xmlns:a="http://schemas.openxmlformats.org/drawingml/2006/main" uniqueId="urn:microsoft.com/office/officeart/2005/8/quickstyle/3d1">
+  <dgm:title val=""/>
+  <dgm:desc val=""/>
+  <dgm:catLst>
+    <dgm:cat type="3D" pri="11100"/>
+  </dgm:catLst>
+  <dgm:scene3d>
+    <a:camera prst="orthographicFront"/>
+    <a:lightRig rig="threePt" dir="t"/>
+  </dgm:scene3d>
+  <dgm:styleLbl name="node0">
+    <dgm:scene3d>
+      <a:camera prst="orthographicFront"/>
+      <a:lightRig rig="flat" dir="t"/>
+    </dgm:scene3d>
+    <dgm:sp3d prstMaterial="plastic">
+      <a:bevelT w="120900" h="88900"/>
+      <a:bevelB w="88900" h="31750" prst="angle"/>
+    </dgm:sp3d>
+    <dgm:txPr/>
+    <dgm:style>
+      <a:lnRef idx="0">
+        <a:scrgbClr r="0" g="0" b="0"/>
+      </a:lnRef>
+      <a:fillRef idx="3">
+        <a:scrgbClr r="0" g="0" b="0"/>
+      </a:fillRef>
+      <a:effectRef idx="2">
+        <a:scrgbClr r="0" g="0" b="0"/>
+      </a:effectRef>
+      <a:fontRef idx="minor">
+        <a:schemeClr val="lt1"/>
+      </a:fontRef>
+    </dgm:style>
+  </dgm:styleLbl>
+  <dgm:styleLbl name="lnNode1">
+    <dgm:scene3d>
+      <a:camera prst="orthographicFront"/>
+      <a:lightRig rig="flat" dir="t"/>
+    </dgm:scene3d>
+    <dgm:sp3d prstMaterial="plastic">
+      <a:bevelT w="120900" h="88900"/>
+      <a:bevelB w="88900" h="31750" prst="angle"/>
+    </dgm:sp3d>
+    <dgm:txPr/>
+    <dgm:style>
+      <a:lnRef idx="0">
+        <a:scrgbClr r="0" g="0" b="0"/>
+      </a:lnRef>
+      <a:fillRef idx="3">
+        <a:scrgbClr r="0" g="0" b="0"/>
+      </a:fillRef>
+      <a:effectRef idx="1">
+        <a:scrgbClr r="0" g="0" b="0"/>
+      </a:effectRef>
+      <a:fontRef idx="minor">
+        <a:schemeClr val="lt1"/>
+      </a:fontRef>
+    </dgm:style>
+  </dgm:styleLbl>
+  <dgm:styleLbl name="vennNode1">
+    <dgm:scene3d>
+      <a:camera prst="orthographicFront"/>
+      <a:lightRig rig="flat" dir="t"/>
+    </dgm:scene3d>
+    <dgm:sp3d prstMaterial="plastic">
+      <a:bevelT w="120900" h="88900"/>
+      <a:bevelB w="88900" h="31750" prst="angle"/>
+    </dgm:sp3d>
+    <dgm:txPr/>
+    <dgm:style>
+      <a:lnRef idx="0">
+        <a:scrgbClr r="0" g="0" b="0"/>
+      </a:lnRef>
+      <a:fillRef idx="1">
+        <a:scrgbClr r="0" g="0" b="0"/>
+      </a:fillRef>
+      <a:effectRef idx="1">
+        <a:scrgbClr r="0" g="0" b="0"/>
+      </a:effectRef>
+      <a:fontRef idx="minor">
+        <a:schemeClr val="tx1"/>
+      </a:fontRef>
+    </dgm:style>
+  </dgm:styleLbl>
+  <dgm:styleLbl name="alignNode1">
+    <dgm:scene3d>
+      <a:camera prst="orthographicFront"/>
+      <a:lightRig rig="flat" dir="t"/>
+    </dgm:scene3d>
+    <dgm:sp3d prstMaterial="plastic">
+      <a:bevelT w="120900" h="88900"/>
+      <a:bevelB w="88900" h="31750" prst="angle"/>
+    </dgm:sp3d>
+    <dgm:txPr/>
+    <dgm:style>
+      <a:lnRef idx="1">
+        <a:scrgbClr r="0" g="0" b="0"/>
+      </a:lnRef>
+      <a:fillRef idx="3">
+        <a:scrgbClr r="0" g="0" b="0"/>
+      </a:fillRef>
+      <a:effectRef idx="2">
+        <a:scrgbClr r="0" g="0" b="0"/>
+      </a:effectRef>
+      <a:fontRef idx="minor">
+        <a:schemeClr val="lt1"/>
+      </a:fontRef>
+    </dgm:style>
+  </dgm:styleLbl>
+  <dgm:styleLbl name="node1">
+    <dgm:scene3d>
+      <a:camera prst="orthographicFront"/>
+      <a:lightRig rig="flat" dir="t"/>
+    </dgm:scene3d>
+    <dgm:sp3d prstMaterial="plastic">
+      <a:bevelT w="120900" h="88900"/>
+      <a:bevelB w="88900" h="31750" prst="angle"/>
+    </dgm:sp3d>
+    <dgm:txPr/>
+    <dgm:style>
+      <a:lnRef idx="0">
+        <a:scrgbClr r="0" g="0" b="0"/>
+      </a:lnRef>
+      <a:fillRef idx="3">
+        <a:scrgbClr r="0" g="0" b="0"/>
+      </a:fillRef>
+      <a:effectRef idx="2">
+        <a:scrgbClr r="0" g="0" b="0"/>
+      </a:effectRef>
+      <a:fontRef idx="minor">
+        <a:schemeClr val="lt1"/>
+      </a:fontRef>
+    </dgm:style>
+  </dgm:styleLbl>
+  <dgm:styleLbl name="node2">
+    <dgm:scene3d>
+      <a:camera prst="orthographicFront"/>
+      <a:lightRig rig="flat" dir="t"/>
+    </dgm:scene3d>
+    <dgm:sp3d prstMaterial="plastic">
+      <a:bevelT w="120900" h="88900"/>
+      <a:bevelB w="88900" h="31750" prst="angle"/>
+    </dgm:sp3d>
+    <dgm:txPr/>
+    <dgm:style>
+      <a:lnRef idx="0">
+        <a:scrgbClr r="0" g="0" b="0"/>
+      </a:lnRef>
+      <a:fillRef idx="3">
+        <a:scrgbClr r="0" g="0" b="0"/>
+      </a:fillRef>
+      <a:effectRef idx="1">
+        <a:scrgbClr r="0" g="0" b="0"/>
+      </a:effectRef>
+      <a:fontRef idx="minor">
+        <a:schemeClr val="lt1"/>
+      </a:fontRef>
+    </dgm:style>
+  </dgm:styleLbl>
+  <dgm:styleLbl name="node3">
+    <dgm:scene3d>
+      <a:camera prst="orthographicFront"/>
+      <a:lightRig rig="flat" dir="t"/>
+    </dgm:scene3d>
+    <dgm:sp3d prstMaterial="plastic">
+      <a:bevelT w="120900" h="88900"/>
+      <a:bevelB w="88900" h="31750" prst="angle"/>
+    </dgm:sp3d>
+    <dgm:txPr/>
+    <dgm:style>
+      <a:lnRef idx="0">
+        <a:scrgbClr r="0" g="0" b="0"/>
+      </a:lnRef>
+      <a:fillRef idx="3">
+        <a:scrgbClr r="0" g="0" b="0"/>
+      </a:fillRef>
+      <a:effectRef idx="1">
+        <a:scrgbClr r="0" g="0" b="0"/>
+      </a:effectRef>
+      <a:fontRef idx="minor">
+        <a:schemeClr val="lt1"/>
+      </a:fontRef>
+    </dgm:style>
+  </dgm:styleLbl>
+  <dgm:styleLbl name="node4">
+    <dgm:scene3d>
+      <a:camera prst="orthographicFront"/>
+      <a:lightRig rig="flat" dir="t"/>
+    </dgm:scene3d>
+    <dgm:sp3d prstMaterial="plastic">
+      <a:bevelT w="120900" h="88900"/>
+      <a:bevelB w="88900" h="31750" prst="angle"/>
+    </dgm:sp3d>
+    <dgm:txPr/>
+    <dgm:style>
+      <a:lnRef idx="0">
+        <a:scrgbClr r="0" g="0" b="0"/>
+      </a:lnRef>
+      <a:fillRef idx="3">
+        <a:scrgbClr r="0" g="0" b="0"/>
+      </a:fillRef>
+      <a:effectRef idx="1">
+        <a:scrgbClr r="0" g="0" b="0"/>
+      </a:effectRef>
+      <a:fontRef idx="minor">
+        <a:schemeClr val="lt1"/>
+      </a:fontRef>
+    </dgm:style>
+  </dgm:styleLbl>
+  <dgm:styleLbl name="fgImgPlace1">
+    <dgm:scene3d>
+      <a:camera prst="orthographicFront"/>
+      <a:lightRig rig="flat" dir="t"/>
+    </dgm:scene3d>
+    <dgm:sp3d z="127000" prstMaterial="plastic">
+      <a:bevelT w="88900" h="88900"/>
+      <a:bevelB w="88900" h="31750" prst="angle"/>
+    </dgm:sp3d>
+    <dgm:txPr/>
+    <dgm:style>
+      <a:lnRef idx="0">
+        <a:scrgbClr r="0" g="0" b="0"/>
+      </a:lnRef>
+      <a:fillRef idx="3">
+        <a:scrgbClr r="0" g="0" b="0"/>
+      </a:fillRef>
+      <a:effectRef idx="2">
+        <a:scrgbClr r="0" g="0" b="0"/>
+      </a:effectRef>
+      <a:fontRef idx="minor"/>
+    </dgm:style>
+  </dgm:styleLbl>
+  <dgm:styleLbl name="alignImgPlace1">
+    <dgm:scene3d>
+      <a:camera prst="orthographicFront"/>
+      <a:lightRig rig="flat" dir="t"/>
+    </dgm:scene3d>
+    <dgm:sp3d prstMaterial="plastic">
+      <a:bevelT w="88900" h="88900"/>
+      <a:bevelB w="88900" h="31750" prst="angle"/>
+    </dgm:sp3d>
+    <dgm:txPr/>
+    <dgm:style>
+      <a:lnRef idx="0">
+        <a:scrgbClr r="0" g="0" b="0"/>
+      </a:lnRef>
+      <a:fillRef idx="3">
+        <a:scrgbClr r="0" g="0" b="0"/>
+      </a:fillRef>
+      <a:effectRef idx="2">
+        <a:scrgbClr r="0" g="0" b="0"/>
+      </a:effectRef>
+      <a:fontRef idx="minor"/>
+    </dgm:style>
+  </dgm:styleLbl>
+  <dgm:styleLbl name="bgImgPlace1">
+    <dgm:scene3d>
+      <a:camera prst="orthographicFront"/>
+      <a:lightRig rig="flat" dir="t"/>
+    </dgm:scene3d>
+    <dgm:sp3d z="-190500" prstMaterial="plastic">
+      <a:bevelT w="88900" h="88900"/>
+      <a:bevelB w="88900" h="31750" prst="angle"/>
+    </dgm:sp3d>
+    <dgm:txPr/>
+    <dgm:style>
+      <a:lnRef idx="0">
+        <a:scrgbClr r="0" g="0" b="0"/>
+      </a:lnRef>
+      <a:fillRef idx="3">
+        <a:scrgbClr r="0" g="0" b="0"/>
+      </a:fillRef>
+      <a:effectRef idx="2">
+        <a:scrgbClr r="0" g="0" b="0"/>
+      </a:effectRef>
+      <a:fontRef idx="minor"/>
+    </dgm:style>
+  </dgm:styleLbl>
+  <dgm:styleLbl name="sibTrans2D1">
+    <dgm:scene3d>
+      <a:camera prst="orthographicFront"/>
+      <a:lightRig rig="flat" dir="t"/>
+    </dgm:scene3d>
+    <dgm:sp3d z="-80000" prstMaterial="plastic">
+      <a:bevelT w="50800" h="50800"/>
+      <a:bevelB w="25400" h="25400" prst="angle"/>
+    </dgm:sp3d>
+    <dgm:txPr/>
+    <dgm:style>
+      <a:lnRef idx="0">
+        <a:scrgbClr r="0" g="0" b="0"/>
+      </a:lnRef>
+      <a:fillRef idx="3">
+        <a:scrgbClr r="0" g="0" b="0"/>
+      </a:fillRef>
+      <a:effectRef idx="2">
+        <a:scrgbClr r="0" g="0" b="0"/>
+      </a:effectRef>
+      <a:fontRef idx="minor">
+        <a:schemeClr val="lt1"/>
+      </a:fontRef>
+    </dgm:style>
+  </dgm:styleLbl>
+  <dgm:styleLbl name="fgSibTrans2D1">
+    <dgm:scene3d>
+      <a:camera prst="orthographicFront"/>
+      <a:lightRig rig="flat" dir="t"/>
+    </dgm:scene3d>
+    <dgm:sp3d z="127000" prstMaterial="plastic">
+      <a:bevelT w="50800" h="50800"/>
+      <a:bevelB w="25400" h="25400" prst="angle"/>
+    </dgm:sp3d>
+    <dgm:txPr/>
+    <dgm:style>
+      <a:lnRef idx="0">
+        <a:scrgbClr r="0" g="0" b="0"/>
+      </a:lnRef>
+      <a:fillRef idx="3">
+        <a:scrgbClr r="0" g="0" b="0"/>
+      </a:fillRef>
+      <a:effectRef idx="2">
+        <a:scrgbClr r="0" g="0" b="0"/>
+      </a:effectRef>
+      <a:fontRef idx="minor">
+        <a:schemeClr val="lt1"/>
+      </a:fontRef>
+    </dgm:style>
+  </dgm:styleLbl>
+  <dgm:styleLbl name="bgSibTrans2D1">
+    <dgm:scene3d>
+      <a:camera prst="orthographicFront"/>
+      <a:lightRig rig="flat" dir="t"/>
+    </dgm:scene3d>
+    <dgm:sp3d z="-190500" prstMaterial="plastic">
+      <a:bevelT w="50800" h="50800"/>
+      <a:bevelB w="25400" h="25400" prst="angle"/>
+    </dgm:sp3d>
+    <dgm:txPr/>
+    <dgm:style>
+      <a:lnRef idx="0">
+        <a:scrgbClr r="0" g="0" b="0"/>
+      </a:lnRef>
+      <a:fillRef idx="3">
+        <a:scrgbClr r="0" g="0" b="0"/>
+      </a:fillRef>
+      <a:effectRef idx="2">
+        <a:scrgbClr r="0" g="0" b="0"/>
+      </a:effectRef>
+      <a:fontRef idx="minor">
+        <a:schemeClr val="lt1"/>
+      </a:fontRef>
+    </dgm:style>
+  </dgm:styleLbl>
+  <dgm:styleLbl name="sibTrans1D1">
+    <dgm:scene3d>
+      <a:camera prst="orthographicFront"/>
+      <a:lightRig rig="flat" dir="t"/>
+    </dgm:scene3d>
+    <dgm:sp3d z="-40000" prstMaterial="matte"/>
+    <dgm:txPr/>
+    <dgm:style>
+      <a:lnRef idx="1">
+        <a:scrgbClr r="0" g="0" b="0"/>
+      </a:lnRef>
+      <a:fillRef idx="0">
+        <a:scrgbClr r="0" g="0" b="0"/>
+      </a:fillRef>
+      <a:effectRef idx="0">
+        <a:scrgbClr r="0" g="0" b="0"/>
+      </a:effectRef>
+      <a:fontRef idx="minor"/>
+    </dgm:style>
+  </dgm:styleLbl>
+  <dgm:styleLbl name="callout">
+    <dgm:scene3d>
+      <a:camera prst="orthographicFront"/>
+      <a:lightRig rig="threePt" dir="t"/>
+    </dgm:scene3d>
+    <dgm:sp3d z="127000" prstMaterial="matte"/>
+    <dgm:txPr/>
+    <dgm:style>
+      <a:lnRef idx="2">
+        <a:scrgbClr r="0" g="0" b="0"/>
+      </a:lnRef>
+      <a:fillRef idx="1">
+        <a:scrgbClr r="0" g="0" b="0"/>
+      </a:fillRef>
+      <a:effectRef idx="0">
+        <a:scrgbClr r="0" g="0" b="0"/>
+      </a:effectRef>
+      <a:fontRef idx="minor"/>
+    </dgm:style>
+  </dgm:styleLbl>
+  <dgm:styleLbl name="asst0">
+    <dgm:scene3d>
+      <a:camera prst="orthographicFront"/>
+      <a:lightRig rig="flat" dir="t"/>
+    </dgm:scene3d>
+    <dgm:sp3d prstMaterial="plastic">
+      <a:bevelT w="120900" h="88900"/>
+      <a:bevelB w="88900" h="31750" prst="angle"/>
+    </dgm:sp3d>
+    <dgm:txPr/>
+    <dgm:style>
+      <a:lnRef idx="0">
+        <a:scrgbClr r="0" g="0" b="0"/>
+      </a:lnRef>
+      <a:fillRef idx="3">
+        <a:scrgbClr r="0" g="0" b="0"/>
+      </a:fillRef>
+      <a:effectRef idx="1">
+        <a:scrgbClr r="0" g="0" b="0"/>
+      </a:effectRef>
+      <a:fontRef idx="minor">
+        <a:schemeClr val="lt1"/>
+      </a:fontRef>
+    </dgm:style>
+  </dgm:styleLbl>
+  <dgm:styleLbl name="asst1">
+    <dgm:scene3d>
+      <a:camera prst="orthographicFront"/>
+      <a:lightRig rig="flat" dir="t"/>
+    </dgm:scene3d>
+    <dgm:sp3d prstMaterial="plastic">
+      <a:bevelT w="120900" h="88900"/>
+      <a:bevelB w="88900" h="31750" prst="angle"/>
+    </dgm:sp3d>
+    <dgm:txPr/>
+    <dgm:style>
+      <a:lnRef idx="0">
+        <a:scrgbClr r="0" g="0" b="0"/>
+      </a:lnRef>
+      <a:fillRef idx="3">
+        <a:scrgbClr r="0" g="0" b="0"/>
+      </a:fillRef>
+      <a:effectRef idx="1">
+        <a:scrgbClr r="0" g="0" b="0"/>
+      </a:effectRef>
+      <a:fontRef idx="minor">
+        <a:schemeClr val="lt1"/>
+      </a:fontRef>
+    </dgm:style>
+  </dgm:styleLbl>
+  <dgm:styleLbl name="asst2">
+    <dgm:scene3d>
+      <a:camera prst="orthographicFront"/>
+      <a:lightRig rig="flat" dir="t"/>
+    </dgm:scene3d>
+    <dgm:sp3d prstMaterial="plastic">
+      <a:bevelT w="120900" h="88900"/>
+      <a:bevelB w="88900" h="31750" prst="angle"/>
+    </dgm:sp3d>
+    <dgm:txPr/>
+    <dgm:style>
+      <a:lnRef idx="0">
+        <a:scrgbClr r="0" g="0" b="0"/>
+      </a:lnRef>
+      <a:fillRef idx="3">
+        <a:scrgbClr r="0" g="0" b="0"/>
+      </a:fillRef>
+      <a:effectRef idx="1">
+        <a:scrgbClr r="0" g="0" b="0"/>
+      </a:effectRef>
+      <a:fontRef idx="minor">
+        <a:schemeClr val="lt1"/>
+      </a:fontRef>
+    </dgm:style>
+  </dgm:styleLbl>
+  <dgm:styleLbl name="asst3">
+    <dgm:scene3d>
+      <a:camera prst="orthographicFront"/>
+      <a:lightRig rig="flat" dir="t"/>
+    </dgm:scene3d>
+    <dgm:sp3d prstMaterial="plastic">
+      <a:bevelT w="120900" h="88900"/>
+      <a:bevelB w="88900" h="31750" prst="angle"/>
+    </dgm:sp3d>
+    <dgm:txPr/>
+    <dgm:style>
+      <a:lnRef idx="0">
+        <a:scrgbClr r="0" g="0" b="0"/>
+      </a:lnRef>
+      <a:fillRef idx="3">
+        <a:scrgbClr r="0" g="0" b="0"/>
+      </a:fillRef>
+      <a:effectRef idx="1">
+        <a:scrgbClr r="0" g="0" b="0"/>
+      </a:effectRef>
+      <a:fontRef idx="minor">
+        <a:schemeClr val="lt1"/>
+      </a:fontRef>
+    </dgm:style>
+  </dgm:styleLbl>
+  <dgm:styleLbl name="parChTrans2D1">
+    <dgm:scene3d>
+      <a:camera prst="orthographicFront"/>
+      <a:lightRig rig="flat" dir="t"/>
+    </dgm:scene3d>
+    <dgm:sp3d z="-100000" prstMaterial="plastic">
+      <a:bevelT w="120900" h="88900"/>
+      <a:bevelB w="88900" h="31750" prst="angle"/>
+    </dgm:sp3d>
+    <dgm:txPr/>
+    <dgm:style>
+      <a:lnRef idx="0">
+        <a:scrgbClr r="0" g="0" b="0"/>
+      </a:lnRef>
+      <a:fillRef idx="3">
+        <a:scrgbClr r="0" g="0" b="0"/>
+      </a:fillRef>
+      <a:effectRef idx="1">
+        <a:scrgbClr r="0" g="0" b="0"/>
+      </a:effectRef>
+      <a:fontRef idx="minor">
+        <a:schemeClr val="lt1"/>
+      </a:fontRef>
+    </dgm:style>
+  </dgm:styleLbl>
+  <dgm:styleLbl name="parChTrans2D2">
+    <dgm:scene3d>
+      <a:camera prst="orthographicFront"/>
+      <a:lightRig rig="flat" dir="t"/>
+    </dgm:scene3d>
+    <dgm:sp3d z="-60000" prstMaterial="plastic">
+      <a:bevelT w="120900" h="88900"/>
+      <a:bevelB w="88900" h="31750" prst="angle"/>
+    </dgm:sp3d>
+    <dgm:txPr/>
+    <dgm:style>
+      <a:lnRef idx="0">
+        <a:scrgbClr r="0" g="0" b="0"/>
+      </a:lnRef>
+      <a:fillRef idx="3">
+        <a:scrgbClr r="0" g="0" b="0"/>
+      </a:fillRef>
+      <a:effectRef idx="1">
+        <a:scrgbClr r="0" g="0" b="0"/>
+      </a:effectRef>
+      <a:fontRef idx="minor">
+        <a:schemeClr val="lt1"/>
+      </a:fontRef>
+    </dgm:style>
+  </dgm:styleLbl>
+  <dgm:styleLbl name="parChTrans2D3">
+    <dgm:scene3d>
+      <a:camera prst="orthographicFront"/>
+      <a:lightRig rig="flat" dir="t"/>
+    </dgm:scene3d>
+    <dgm:sp3d z="-60000" prstMaterial="plastic">
+      <a:bevelT w="120900" h="88900"/>
+      <a:bevelB w="88900" h="31750" prst="angle"/>
+    </dgm:sp3d>
+    <dgm:txPr/>
+    <dgm:style>
+      <a:lnRef idx="0">
+        <a:scrgbClr r="0" g="0" b="0"/>
+      </a:lnRef>
+      <a:fillRef idx="3">
+        <a:scrgbClr r="0" g="0" b="0"/>
+      </a:fillRef>
+      <a:effectRef idx="1">
+        <a:scrgbClr r="0" g="0" b="0"/>
+      </a:effectRef>
+      <a:fontRef idx="minor">
+        <a:schemeClr val="lt1"/>
+      </a:fontRef>
+    </dgm:style>
+  </dgm:styleLbl>
+  <dgm:styleLbl name="parChTrans2D4">
+    <dgm:scene3d>
+      <a:camera prst="orthographicFront"/>
+      <a:lightRig rig="flat" dir="t"/>
+    </dgm:scene3d>
+    <dgm:sp3d z="-60000" prstMaterial="plastic">
+      <a:bevelT w="120900" h="88900"/>
+      <a:bevelB w="88900" h="31750" prst="angle"/>
+    </dgm:sp3d>
+    <dgm:txPr/>
+    <dgm:style>
+      <a:lnRef idx="0">
+        <a:scrgbClr r="0" g="0" b="0"/>
+      </a:lnRef>
+      <a:fillRef idx="3">
+        <a:scrgbClr r="0" g="0" b="0"/>
+      </a:fillRef>
+      <a:effectRef idx="1">
+        <a:scrgbClr r="0" g="0" b="0"/>
+      </a:effectRef>
+      <a:fontRef idx="minor">
+        <a:schemeClr val="lt1"/>
+      </a:fontRef>
+    </dgm:style>
+  </dgm:styleLbl>
+  <dgm:styleLbl name="parChTrans1D1">
+    <dgm:scene3d>
+      <a:camera prst="orthographicFront"/>
+      <a:lightRig rig="flat" dir="t"/>
+    </dgm:scene3d>
+    <dgm:sp3d prstMaterial="matte"/>
+    <dgm:txPr/>
+    <dgm:style>
+      <a:lnRef idx="2">
+        <a:scrgbClr r="0" g="0" b="0"/>
+      </a:lnRef>
+      <a:fillRef idx="0">
+        <a:scrgbClr r="0" g="0" b="0"/>
+      </a:fillRef>
+      <a:effectRef idx="0">
+        <a:scrgbClr r="0" g="0" b="0"/>
+      </a:effectRef>
+      <a:fontRef idx="minor"/>
+    </dgm:style>
+  </dgm:styleLbl>
+  <dgm:styleLbl name="parChTrans1D2">
+    <dgm:scene3d>
+      <a:camera prst="orthographicFront"/>
+      <a:lightRig rig="flat" dir="t"/>
+    </dgm:scene3d>
+    <dgm:sp3d prstMaterial="matte"/>
+    <dgm:txPr/>
+    <dgm:style>
+      <a:lnRef idx="2">
+        <a:scrgbClr r="0" g="0" b="0"/>
+      </a:lnRef>
+      <a:fillRef idx="0">
+        <a:scrgbClr r="0" g="0" b="0"/>
+      </a:fillRef>
+      <a:effectRef idx="0">
+        <a:scrgbClr r="0" g="0" b="0"/>
+      </a:effectRef>
+      <a:fontRef idx="minor"/>
+    </dgm:style>
+  </dgm:styleLbl>
+  <dgm:styleLbl name="parChTrans1D3">
+    <dgm:scene3d>
+      <a:camera prst="orthographicFront"/>
+      <a:lightRig rig="flat" dir="t"/>
+    </dgm:scene3d>
+    <dgm:sp3d prstMaterial="matte"/>
+    <dgm:txPr/>
+    <dgm:style>
+      <a:lnRef idx="2">
+        <a:scrgbClr r="0" g="0" b="0"/>
+      </a:lnRef>
+      <a:fillRef idx="0">
+        <a:scrgbClr r="0" g="0" b="0"/>
+      </a:fillRef>
+      <a:effectRef idx="0">
+        <a:scrgbClr r="0" g="0" b="0"/>
+      </a:effectRef>
+      <a:fontRef idx="minor"/>
+    </dgm:style>
+  </dgm:styleLbl>
+  <dgm:styleLbl name="parChTrans1D4">
+    <dgm:scene3d>
+      <a:camera prst="orthographicFront"/>
+      <a:lightRig rig="flat" dir="t"/>
+    </dgm:scene3d>
+    <dgm:sp3d prstMaterial="matte"/>
+    <dgm:txPr/>
+    <dgm:style>
+      <a:lnRef idx="2">
+        <a:scrgbClr r="0" g="0" b="0"/>
+      </a:lnRef>
+      <a:fillRef idx="0">
+        <a:scrgbClr r="0" g="0" b="0"/>
+      </a:fillRef>
+      <a:effectRef idx="0">
+        <a:scrgbClr r="0" g="0" b="0"/>
+      </a:effectRef>
+      <a:fontRef idx="minor"/>
+    </dgm:style>
+  </dgm:styleLbl>
+  <dgm:styleLbl name="fgAcc1">
+    <dgm:scene3d>
+      <a:camera prst="orthographicFront"/>
+      <a:lightRig rig="flat" dir="t"/>
+    </dgm:scene3d>
+    <dgm:sp3d z="190500" extrusionH="12700" prstMaterial="plastic">
+      <a:bevelT w="50800" h="50800"/>
+    </dgm:sp3d>
+    <dgm:txPr/>
+    <dgm:style>
+      <a:lnRef idx="1">
+        <a:scrgbClr r="0" g="0" b="0"/>
+      </a:lnRef>
+      <a:fillRef idx="1">
+        <a:scrgbClr r="0" g="0" b="0"/>
+      </a:fillRef>
+      <a:effectRef idx="2">
+        <a:scrgbClr r="0" g="0" b="0"/>
+      </a:effectRef>
+      <a:fontRef idx="minor"/>
+    </dgm:style>
+  </dgm:styleLbl>
+  <dgm:styleLbl name="conFgAcc1">
+    <dgm:scene3d>
+      <a:camera prst="orthographicFront"/>
+      <a:lightRig rig="flat" dir="t"/>
+    </dgm:scene3d>
+    <dgm:sp3d z="190500" extrusionH="12700" prstMaterial="plastic">
+      <a:bevelT w="50800" h="50800"/>
+    </dgm:sp3d>
+    <dgm:txPr/>
+    <dgm:style>
+      <a:lnRef idx="1">
+        <a:scrgbClr r="0" g="0" b="0"/>
+      </a:lnRef>
+      <a:fillRef idx="1">
+        <a:scrgbClr r="0" g="0" b="0"/>
+      </a:fillRef>
+      <a:effectRef idx="2">
+        <a:scrgbClr r="0" g="0" b="0"/>
+      </a:effectRef>
+      <a:fontRef idx="minor"/>
+    </dgm:style>
+  </dgm:styleLbl>
+  <dgm:styleLbl name="alignAcc1">
+    <dgm:scene3d>
+      <a:camera prst="orthographicFront"/>
+      <a:lightRig rig="flat" dir="t"/>
+    </dgm:scene3d>
+    <dgm:sp3d extrusionH="12700" prstMaterial="plastic">
+      <a:bevelT w="50800" h="50800"/>
+    </dgm:sp3d>
+    <dgm:txPr/>
+    <dgm:style>
+      <a:lnRef idx="1">
+        <a:scrgbClr r="0" g="0" b="0"/>
+      </a:lnRef>
+      <a:fillRef idx="1">
+        <a:scrgbClr r="0" g="0" b="0"/>
+      </a:fillRef>
+      <a:effectRef idx="2">
+        <a:scrgbClr r="0" g="0" b="0"/>
+      </a:effectRef>
+      <a:fontRef idx="minor"/>
+    </dgm:style>
+  </dgm:styleLbl>
+  <dgm:styleLbl name="trAlignAcc1">
+    <dgm:scene3d>
+      <a:camera prst="orthographicFront"/>
+      <a:lightRig rig="flat" dir="t"/>
+    </dgm:scene3d>
+    <dgm:sp3d extrusionH="12700" prstMaterial="plastic">
+      <a:bevelT w="50800" h="50800"/>
+    </dgm:sp3d>
+    <dgm:txPr/>
+    <dgm:style>
+      <a:lnRef idx="1">
+        <a:scrgbClr r="0" g="0" b="0"/>
+      </a:lnRef>
+      <a:fillRef idx="1">
+        <a:scrgbClr r="0" g="0" b="0"/>
+      </a:fillRef>
+      <a:effectRef idx="2">
+        <a:scrgbClr r="0" g="0" b="0"/>
+      </a:effectRef>
+      <a:fontRef idx="minor"/>
+    </dgm:style>
+  </dgm:styleLbl>
+  <dgm:styleLbl name="bgAcc1">
+    <dgm:scene3d>
+      <a:camera prst="orthographicFront"/>
+      <a:lightRig rig="flat" dir="t"/>
+    </dgm:scene3d>
+    <dgm:sp3d z="-190500" extrusionH="12700" prstMaterial="plastic">
+      <a:bevelT w="50800" h="50800"/>
+    </dgm:sp3d>
+    <dgm:txPr/>
+    <dgm:style>
+      <a:lnRef idx="1">
+        <a:scrgbClr r="0" g="0" b="0"/>
+      </a:lnRef>
+      <a:fillRef idx="1">
+        <a:scrgbClr r="0" g="0" b="0"/>
+      </a:fillRef>
+      <a:effectRef idx="2">
+        <a:scrgbClr r="0" g="0" b="0"/>
+      </a:effectRef>
+      <a:fontRef idx="minor"/>
+    </dgm:style>
+  </dgm:styleLbl>
+  <dgm:styleLbl name="solidFgAcc1">
+    <dgm:scene3d>
+      <a:camera prst="orthographicFront"/>
+      <a:lightRig rig="flat" dir="t"/>
+    </dgm:scene3d>
+    <dgm:sp3d z="190500" extrusionH="12700" prstMaterial="plastic">
+      <a:bevelT w="50800" h="50800"/>
+    </dgm:sp3d>
+    <dgm:txPr/>
+    <dgm:style>
+      <a:lnRef idx="1">
+        <a:scrgbClr r="0" g="0" b="0"/>
+      </a:lnRef>
+      <a:fillRef idx="1">
+        <a:scrgbClr r="0" g="0" b="0"/>
+      </a:fillRef>
+      <a:effectRef idx="2">
+        <a:scrgbClr r="0" g="0" b="0"/>
+      </a:effectRef>
+      <a:fontRef idx="minor"/>
+    </dgm:style>
+  </dgm:styleLbl>
+  <dgm:styleLbl name="solidAlignAcc1">
+    <dgm:scene3d>
+      <a:camera prst="orthographicFront"/>
+      <a:lightRig rig="flat" dir="t"/>
+    </dgm:scene3d>
+    <dgm:sp3d extrusionH="12700" prstMaterial="plastic">
+      <a:bevelT w="50800" h="50800"/>
+    </dgm:sp3d>
+    <dgm:txPr/>
+    <dgm:style>
+      <a:lnRef idx="1">
+        <a:scrgbClr r="0" g="0" b="0"/>
+      </a:lnRef>
+      <a:fillRef idx="1">
+        <a:scrgbClr r="0" g="0" b="0"/>
+      </a:fillRef>
+      <a:effectRef idx="2">
+        <a:scrgbClr r="0" g="0" b="0"/>
+      </a:effectRef>
+      <a:fontRef idx="minor"/>
+    </dgm:style>
+  </dgm:styleLbl>
+  <dgm:styleLbl name="solidBgAcc1">
+    <dgm:scene3d>
+      <a:camera prst="orthographicFront"/>
+      <a:lightRig rig="flat" dir="t"/>
+    </dgm:scene3d>
+    <dgm:sp3d z="-190500" extrusionH="12700" prstMaterial="plastic">
+      <a:bevelT w="50800" h="50800"/>
+    </dgm:sp3d>
+    <dgm:txPr/>
+    <dgm:style>
+      <a:lnRef idx="1">
+        <a:scrgbClr r="0" g="0" b="0"/>
+      </a:lnRef>
+      <a:fillRef idx="1">
+        <a:scrgbClr r="0" g="0" b="0"/>
+      </a:fillRef>
+      <a:effectRef idx="2">
+        <a:scrgbClr r="0" g="0" b="0"/>
+      </a:effectRef>
+      <a:fontRef idx="minor"/>
+    </dgm:style>
+  </dgm:styleLbl>
+  <dgm:styleLbl name="fgAccFollowNode1">
+    <dgm:scene3d>
+      <a:camera prst="orthographicFront"/>
+      <a:lightRig rig="flat" dir="t"/>
+    </dgm:scene3d>
+    <dgm:sp3d z="190500" extrusionH="12700" prstMaterial="plastic">
+      <a:bevelT w="50800" h="50800"/>
+    </dgm:sp3d>
+    <dgm:txPr/>
+    <dgm:style>
+      <a:lnRef idx="1">
+        <a:scrgbClr r="0" g="0" b="0"/>
+      </a:lnRef>
+      <a:fillRef idx="1">
+        <a:scrgbClr r="0" g="0" b="0"/>
+      </a:fillRef>
+      <a:effectRef idx="2">
+        <a:scrgbClr r="0" g="0" b="0"/>
+      </a:effectRef>
+      <a:fontRef idx="minor"/>
+    </dgm:style>
+  </dgm:styleLbl>
+  <dgm:styleLbl name="alignAccFollowNode1">
+    <dgm:scene3d>
+      <a:camera prst="orthographicFront"/>
+      <a:lightRig rig="flat" dir="t"/>
+    </dgm:scene3d>
+    <dgm:sp3d extrusionH="12700" prstMaterial="plastic">
+      <a:bevelT w="50800" h="50800"/>
+    </dgm:sp3d>
+    <dgm:txPr/>
+    <dgm:style>
+      <a:lnRef idx="1">
+        <a:scrgbClr r="0" g="0" b="0"/>
+      </a:lnRef>
+      <a:fillRef idx="1">
+        <a:scrgbClr r="0" g="0" b="0"/>
+      </a:fillRef>
+      <a:effectRef idx="2">
+        <a:scrgbClr r="0" g="0" b="0"/>
+      </a:effectRef>
+      <a:fontRef idx="minor"/>
+    </dgm:style>
+  </dgm:styleLbl>
+  <dgm:styleLbl name="bgAccFollowNode1">
+    <dgm:scene3d>
+      <a:camera prst="orthographicFront"/>
+      <a:lightRig rig="flat" dir="t"/>
+    </dgm:scene3d>
+    <dgm:sp3d z="-190500" extrusionH="12700" prstMaterial="plastic">
+      <a:bevelT w="50800" h="50800"/>
+    </dgm:sp3d>
+    <dgm:txPr/>
+    <dgm:style>
+      <a:lnRef idx="1">
+        <a:scrgbClr r="0" g="0" b="0"/>
+      </a:lnRef>
+      <a:fillRef idx="1">
+        <a:scrgbClr r="0" g="0" b="0"/>
+      </a:fillRef>
+      <a:effectRef idx="2">
+        <a:scrgbClr r="0" g="0" b="0"/>
+      </a:effectRef>
+      <a:fontRef idx="minor"/>
+    </dgm:style>
+  </dgm:styleLbl>
+  <dgm:styleLbl name="fgAcc0">
+    <dgm:scene3d>
+      <a:camera prst="orthographicFront"/>
+      <a:lightRig rig="flat" dir="t"/>
+    </dgm:scene3d>
+    <dgm:sp3d z="190500" extrusionH="12700" prstMaterial="plastic">
+      <a:bevelT w="50800" h="50800"/>
+    </dgm:sp3d>
+    <dgm:txPr/>
+    <dgm:style>
+      <a:lnRef idx="1">
+        <a:scrgbClr r="0" g="0" b="0"/>
+      </a:lnRef>
+      <a:fillRef idx="1">
+        <a:scrgbClr r="0" g="0" b="0"/>
+      </a:fillRef>
+      <a:effectRef idx="2">
+        <a:scrgbClr r="0" g="0" b="0"/>
+      </a:effectRef>
+      <a:fontRef idx="minor"/>
+    </dgm:style>
+  </dgm:styleLbl>
+  <dgm:styleLbl name="fgAcc2">
+    <dgm:scene3d>
+      <a:camera prst="orthographicFront"/>
+      <a:lightRig rig="flat" dir="t"/>
+    </dgm:scene3d>
+    <dgm:sp3d z="190500" extrusionH="12700" prstMaterial="plastic">
+      <a:bevelT w="50800" h="50800"/>
+    </dgm:sp3d>
+    <dgm:txPr/>
+    <dgm:style>
+      <a:lnRef idx="1">
+        <a:scrgbClr r="0" g="0" b="0"/>
+      </a:lnRef>
+      <a:fillRef idx="1">
+        <a:scrgbClr r="0" g="0" b="0"/>
+      </a:fillRef>
+      <a:effectRef idx="2">
+        <a:scrgbClr r="0" g="0" b="0"/>
+      </a:effectRef>
+      <a:fontRef idx="minor"/>
+    </dgm:style>
+  </dgm:styleLbl>
+  <dgm:styleLbl name="fgAcc3">
+    <dgm:scene3d>
+      <a:camera prst="orthographicFront"/>
+      <a:lightRig rig="flat" dir="t"/>
+    </dgm:scene3d>
+    <dgm:sp3d z="190500" extrusionH="12700" prstMaterial="plastic">
+      <a:bevelT w="50800" h="50800"/>
+    </dgm:sp3d>
+    <dgm:txPr/>
+    <dgm:style>
+      <a:lnRef idx="1">
+        <a:scrgbClr r="0" g="0" b="0"/>
+      </a:lnRef>
+      <a:fillRef idx="1">
+        <a:scrgbClr r="0" g="0" b="0"/>
+      </a:fillRef>
+      <a:effectRef idx="2">
+        <a:scrgbClr r="0" g="0" b="0"/>
+      </a:effectRef>
+      <a:fontRef idx="minor"/>
+    </dgm:style>
+  </dgm:styleLbl>
+  <dgm:styleLbl name="fgAcc4">
+    <dgm:scene3d>
+      <a:camera prst="orthographicFront"/>
+      <a:lightRig rig="flat" dir="t"/>
+    </dgm:scene3d>
+    <dgm:sp3d z="190500" extrusionH="12700" prstMaterial="plastic">
+      <a:bevelT w="50800" h="50800"/>
+    </dgm:sp3d>
+    <dgm:txPr/>
+    <dgm:style>
+      <a:lnRef idx="1">
+        <a:scrgbClr r="0" g="0" b="0"/>
+      </a:lnRef>
+      <a:fillRef idx="1">
+        <a:scrgbClr r="0" g="0" b="0"/>
+      </a:fillRef>
+      <a:effectRef idx="2">
+        <a:scrgbClr r="0" g="0" b="0"/>
+      </a:effectRef>
+      <a:fontRef idx="minor"/>
+    </dgm:style>
+  </dgm:styleLbl>
+  <dgm:styleLbl name="bgShp">
+    <dgm:scene3d>
+      <a:camera prst="orthographicFront"/>
+      <a:lightRig rig="flat" dir="t"/>
+    </dgm:scene3d>
+    <dgm:sp3d z="-190500" extrusionH="12700" prstMaterial="plastic">
+      <a:bevelT w="50800" h="50800"/>
+    </dgm:sp3d>
+    <dgm:txPr/>
+    <dgm:style>
+      <a:lnRef idx="0">
+        <a:scrgbClr r="0" g="0" b="0"/>
+      </a:lnRef>
+      <a:fillRef idx="3">
+        <a:scrgbClr r="0" g="0" b="0"/>
+      </a:fillRef>
+      <a:effectRef idx="0">
+        <a:scrgbClr r="0" g="0" b="0"/>
+      </a:effectRef>
+      <a:fontRef idx="minor"/>
+    </dgm:style>
+  </dgm:styleLbl>
+  <dgm:styleLbl name="dkBgShp">
+    <dgm:scene3d>
+      <a:camera prst="orthographicFront"/>
+      <a:lightRig rig="flat" dir="t"/>
+    </dgm:scene3d>
+    <dgm:sp3d z="-190500" extrusionH="12700" prstMaterial="plastic">
+      <a:bevelT w="50800" h="50800"/>
+    </dgm:sp3d>
+    <dgm:txPr/>
+    <dgm:style>
+      <a:lnRef idx="0">
+        <a:scrgbClr r="0" g="0" b="0"/>
+      </a:lnRef>
+      <a:fillRef idx="2">
+        <a:scrgbClr r="0" g="0" b="0"/>
+      </a:fillRef>
+      <a:effectRef idx="0">
+        <a:scrgbClr r="0" g="0" b="0"/>
+      </a:effectRef>
+      <a:fontRef idx="minor"/>
+    </dgm:style>
+  </dgm:styleLbl>
+  <dgm:styleLbl name="trBgShp">
+    <dgm:scene3d>
+      <a:camera prst="orthographicFront"/>
+      <a:lightRig rig="flat" dir="t"/>
+    </dgm:scene3d>
+    <dgm:sp3d z="-190500" extrusionH="12700" prstMaterial="matte"/>
+    <dgm:txPr/>
+    <dgm:style>
+      <a:lnRef idx="0">
+        <a:scrgbClr r="0" g="0" b="0"/>
+      </a:lnRef>
+      <a:fillRef idx="1">
+        <a:scrgbClr r="0" g="0" b="0"/>
+      </a:fillRef>
+      <a:effectRef idx="0">
+        <a:scrgbClr r="0" g="0" b="0"/>
+      </a:effectRef>
+      <a:fontRef idx="minor"/>
+    </dgm:style>
+  </dgm:styleLbl>
+  <dgm:styleLbl name="fgShp">
+    <dgm:scene3d>
+      <a:camera prst="orthographicFront"/>
+      <a:lightRig rig="flat" dir="t"/>
+    </dgm:scene3d>
+    <dgm:sp3d z="190500" prstMaterial="plastic">
+      <a:bevelT w="120900" h="88900"/>
+      <a:bevelB w="88900" h="31750" prst="angle"/>
+    </dgm:sp3d>
+    <dgm:txPr/>
+    <dgm:style>
+      <a:lnRef idx="0">
+        <a:scrgbClr r="0" g="0" b="0"/>
+      </a:lnRef>
+      <a:fillRef idx="1">
+        <a:scrgbClr r="0" g="0" b="0"/>
+      </a:fillRef>
+      <a:effectRef idx="3">
+        <a:scrgbClr r="0" g="0" b="0"/>
+      </a:effectRef>
+      <a:fontRef idx="minor">
+        <a:schemeClr val="lt1"/>
+      </a:fontRef>
+    </dgm:style>
+  </dgm:styleLbl>
+  <dgm:styleLbl name="revTx">
+    <dgm:scene3d>
+      <a:camera prst="orthographicFront"/>
+      <a:lightRig rig="threePt" dir="t"/>
+    </dgm:scene3d>
+    <dgm:sp3d/>
+    <dgm:txPr/>
+    <dgm:style>
+      <a:lnRef idx="0">
+        <a:scrgbClr r="0" g="0" b="0"/>
+      </a:lnRef>
+      <a:fillRef idx="0">
+        <a:scrgbClr r="0" g="0" b="0"/>
+      </a:fillRef>
+      <a:effectRef idx="0">
+        <a:scrgbClr r="0" g="0" b="0"/>
+      </a:effectRef>
+      <a:fontRef idx="minor"/>
+    </dgm:style>
+  </dgm:styleLbl>
+</dgm:styleDef>
+</file>
+
 <file path=ppt/diagrams/quickStyle2.xml><?xml version="1.0" encoding="utf-8"?>
 <dgm:styleDef xmlns:dgm="http://schemas.openxmlformats.org/drawingml/2006/diagram" xmlns:a="http://schemas.openxmlformats.org/drawingml/2006/main" uniqueId="urn:microsoft.com/office/officeart/2005/8/quickstyle/3d1">
   <dgm:title val=""/>
@@ -28379,7 +30718,7 @@
             <a:fld id="{35CD4824-21C5-40F0-ACC2-517FBE4637A7}" type="datetimeFigureOut">
               <a:rPr lang="es-MX" smtClean="0"/>
               <a:pPr/>
-              <a:t>06/03/2024</a:t>
+              <a:t>08/03/2024</a:t>
             </a:fld>
             <a:endParaRPr lang="es-MX"/>
           </a:p>
@@ -28422,7 +30761,7 @@
             <a:fld id="{3109AF80-D803-4371-B9F1-B9ABBE55B9B4}" type="slidenum">
               <a:rPr lang="es-MX" smtClean="0"/>
               <a:pPr/>
-              <a:t>‹Nº›</a:t>
+              <a:t>‹#›</a:t>
             </a:fld>
             <a:endParaRPr lang="es-MX"/>
           </a:p>
@@ -28551,7 +30890,7 @@
             <a:fld id="{35CD4824-21C5-40F0-ACC2-517FBE4637A7}" type="datetimeFigureOut">
               <a:rPr lang="es-MX" smtClean="0"/>
               <a:pPr/>
-              <a:t>06/03/2024</a:t>
+              <a:t>08/03/2024</a:t>
             </a:fld>
             <a:endParaRPr lang="es-MX"/>
           </a:p>
@@ -28594,7 +30933,7 @@
             <a:fld id="{3109AF80-D803-4371-B9F1-B9ABBE55B9B4}" type="slidenum">
               <a:rPr lang="es-MX" smtClean="0"/>
               <a:pPr/>
-              <a:t>‹Nº›</a:t>
+              <a:t>‹#›</a:t>
             </a:fld>
             <a:endParaRPr lang="es-MX"/>
           </a:p>
@@ -28733,7 +31072,7 @@
             <a:fld id="{35CD4824-21C5-40F0-ACC2-517FBE4637A7}" type="datetimeFigureOut">
               <a:rPr lang="es-MX" smtClean="0"/>
               <a:pPr/>
-              <a:t>06/03/2024</a:t>
+              <a:t>08/03/2024</a:t>
             </a:fld>
             <a:endParaRPr lang="es-MX"/>
           </a:p>
@@ -28776,7 +31115,7 @@
             <a:fld id="{3109AF80-D803-4371-B9F1-B9ABBE55B9B4}" type="slidenum">
               <a:rPr lang="es-MX" smtClean="0"/>
               <a:pPr/>
-              <a:t>‹Nº›</a:t>
+              <a:t>‹#›</a:t>
             </a:fld>
             <a:endParaRPr lang="es-MX"/>
           </a:p>
@@ -28905,7 +31244,7 @@
             <a:fld id="{35CD4824-21C5-40F0-ACC2-517FBE4637A7}" type="datetimeFigureOut">
               <a:rPr lang="es-MX" smtClean="0"/>
               <a:pPr/>
-              <a:t>06/03/2024</a:t>
+              <a:t>08/03/2024</a:t>
             </a:fld>
             <a:endParaRPr lang="es-MX"/>
           </a:p>
@@ -28948,7 +31287,7 @@
             <a:fld id="{3109AF80-D803-4371-B9F1-B9ABBE55B9B4}" type="slidenum">
               <a:rPr lang="es-MX" smtClean="0"/>
               <a:pPr/>
-              <a:t>‹Nº›</a:t>
+              <a:t>‹#›</a:t>
             </a:fld>
             <a:endParaRPr lang="es-MX"/>
           </a:p>
@@ -29153,7 +31492,7 @@
             <a:fld id="{35CD4824-21C5-40F0-ACC2-517FBE4637A7}" type="datetimeFigureOut">
               <a:rPr lang="es-MX" smtClean="0"/>
               <a:pPr/>
-              <a:t>06/03/2024</a:t>
+              <a:t>08/03/2024</a:t>
             </a:fld>
             <a:endParaRPr lang="es-MX"/>
           </a:p>
@@ -29196,7 +31535,7 @@
             <a:fld id="{3109AF80-D803-4371-B9F1-B9ABBE55B9B4}" type="slidenum">
               <a:rPr lang="es-MX" smtClean="0"/>
               <a:pPr/>
-              <a:t>‹Nº›</a:t>
+              <a:t>‹#›</a:t>
             </a:fld>
             <a:endParaRPr lang="es-MX"/>
           </a:p>
@@ -29443,7 +31782,7 @@
             <a:fld id="{35CD4824-21C5-40F0-ACC2-517FBE4637A7}" type="datetimeFigureOut">
               <a:rPr lang="es-MX" smtClean="0"/>
               <a:pPr/>
-              <a:t>06/03/2024</a:t>
+              <a:t>08/03/2024</a:t>
             </a:fld>
             <a:endParaRPr lang="es-MX"/>
           </a:p>
@@ -29486,7 +31825,7 @@
             <a:fld id="{3109AF80-D803-4371-B9F1-B9ABBE55B9B4}" type="slidenum">
               <a:rPr lang="es-MX" smtClean="0"/>
               <a:pPr/>
-              <a:t>‹Nº›</a:t>
+              <a:t>‹#›</a:t>
             </a:fld>
             <a:endParaRPr lang="es-MX"/>
           </a:p>
@@ -29867,7 +32206,7 @@
             <a:fld id="{35CD4824-21C5-40F0-ACC2-517FBE4637A7}" type="datetimeFigureOut">
               <a:rPr lang="es-MX" smtClean="0"/>
               <a:pPr/>
-              <a:t>06/03/2024</a:t>
+              <a:t>08/03/2024</a:t>
             </a:fld>
             <a:endParaRPr lang="es-MX"/>
           </a:p>
@@ -29910,7 +32249,7 @@
             <a:fld id="{3109AF80-D803-4371-B9F1-B9ABBE55B9B4}" type="slidenum">
               <a:rPr lang="es-MX" smtClean="0"/>
               <a:pPr/>
-              <a:t>‹Nº›</a:t>
+              <a:t>‹#›</a:t>
             </a:fld>
             <a:endParaRPr lang="es-MX"/>
           </a:p>
@@ -29987,7 +32326,7 @@
             <a:fld id="{35CD4824-21C5-40F0-ACC2-517FBE4637A7}" type="datetimeFigureOut">
               <a:rPr lang="es-MX" smtClean="0"/>
               <a:pPr/>
-              <a:t>06/03/2024</a:t>
+              <a:t>08/03/2024</a:t>
             </a:fld>
             <a:endParaRPr lang="es-MX"/>
           </a:p>
@@ -30030,7 +32369,7 @@
             <a:fld id="{3109AF80-D803-4371-B9F1-B9ABBE55B9B4}" type="slidenum">
               <a:rPr lang="es-MX" smtClean="0"/>
               <a:pPr/>
-              <a:t>‹Nº›</a:t>
+              <a:t>‹#›</a:t>
             </a:fld>
             <a:endParaRPr lang="es-MX"/>
           </a:p>
@@ -30084,7 +32423,7 @@
             <a:fld id="{35CD4824-21C5-40F0-ACC2-517FBE4637A7}" type="datetimeFigureOut">
               <a:rPr lang="es-MX" smtClean="0"/>
               <a:pPr/>
-              <a:t>06/03/2024</a:t>
+              <a:t>08/03/2024</a:t>
             </a:fld>
             <a:endParaRPr lang="es-MX"/>
           </a:p>
@@ -30127,7 +32466,7 @@
             <a:fld id="{3109AF80-D803-4371-B9F1-B9ABBE55B9B4}" type="slidenum">
               <a:rPr lang="es-MX" smtClean="0"/>
               <a:pPr/>
-              <a:t>‹Nº›</a:t>
+              <a:t>‹#›</a:t>
             </a:fld>
             <a:endParaRPr lang="es-MX"/>
           </a:p>
@@ -30363,7 +32702,7 @@
             <a:fld id="{35CD4824-21C5-40F0-ACC2-517FBE4637A7}" type="datetimeFigureOut">
               <a:rPr lang="es-MX" smtClean="0"/>
               <a:pPr/>
-              <a:t>06/03/2024</a:t>
+              <a:t>08/03/2024</a:t>
             </a:fld>
             <a:endParaRPr lang="es-MX"/>
           </a:p>
@@ -30406,7 +32745,7 @@
             <a:fld id="{3109AF80-D803-4371-B9F1-B9ABBE55B9B4}" type="slidenum">
               <a:rPr lang="es-MX" smtClean="0"/>
               <a:pPr/>
-              <a:t>‹Nº›</a:t>
+              <a:t>‹#›</a:t>
             </a:fld>
             <a:endParaRPr lang="es-MX"/>
           </a:p>
@@ -30618,7 +32957,7 @@
             <a:fld id="{35CD4824-21C5-40F0-ACC2-517FBE4637A7}" type="datetimeFigureOut">
               <a:rPr lang="es-MX" smtClean="0"/>
               <a:pPr/>
-              <a:t>06/03/2024</a:t>
+              <a:t>08/03/2024</a:t>
             </a:fld>
             <a:endParaRPr lang="es-MX"/>
           </a:p>
@@ -30661,7 +33000,7 @@
             <a:fld id="{3109AF80-D803-4371-B9F1-B9ABBE55B9B4}" type="slidenum">
               <a:rPr lang="es-MX" smtClean="0"/>
               <a:pPr/>
-              <a:t>‹Nº›</a:t>
+              <a:t>‹#›</a:t>
             </a:fld>
             <a:endParaRPr lang="es-MX"/>
           </a:p>
@@ -30842,7 +33181,7 @@
             <a:fld id="{35CD4824-21C5-40F0-ACC2-517FBE4637A7}" type="datetimeFigureOut">
               <a:rPr lang="es-MX" smtClean="0"/>
               <a:pPr/>
-              <a:t>06/03/2024</a:t>
+              <a:t>08/03/2024</a:t>
             </a:fld>
             <a:endParaRPr lang="es-MX"/>
           </a:p>
@@ -30921,7 +33260,7 @@
             <a:fld id="{3109AF80-D803-4371-B9F1-B9ABBE55B9B4}" type="slidenum">
               <a:rPr lang="es-MX" smtClean="0"/>
               <a:pPr/>
-              <a:t>‹Nº›</a:t>
+              <a:t>‹#›</a:t>
             </a:fld>
             <a:endParaRPr lang="es-MX"/>
           </a:p>
@@ -31726,6 +34065,741 @@
   <p:cSld>
     <p:spTree>
       <p:nvGrpSpPr>
+        <p:cNvPr id="1" name="">
+          <a:extLst>
+            <a:ext uri="{FF2B5EF4-FFF2-40B4-BE49-F238E27FC236}">
+              <a16:creationId xmlns:a16="http://schemas.microsoft.com/office/drawing/2014/main" id="{79F574CA-9283-72FF-F2EC-94D6DB32A18E}"/>
+            </a:ext>
+          </a:extLst>
+        </p:cNvPr>
+        <p:cNvGrpSpPr/>
+        <p:nvPr/>
+      </p:nvGrpSpPr>
+      <p:grpSpPr>
+        <a:xfrm>
+          <a:off x="0" y="0"/>
+          <a:ext cx="0" cy="0"/>
+          <a:chOff x="0" y="0"/>
+          <a:chExt cx="0" cy="0"/>
+        </a:xfrm>
+      </p:grpSpPr>
+      <p:graphicFrame>
+        <p:nvGraphicFramePr>
+          <p:cNvPr id="2" name="1 Marcador de contenido">
+            <a:extLst>
+              <a:ext uri="{FF2B5EF4-FFF2-40B4-BE49-F238E27FC236}">
+                <a16:creationId xmlns:a16="http://schemas.microsoft.com/office/drawing/2014/main" id="{E9359EB3-E838-3A62-6C23-59735F03A7FE}"/>
+              </a:ext>
+            </a:extLst>
+          </p:cNvPr>
+          <p:cNvGraphicFramePr>
+            <a:graphicFrameLocks noGrp="1"/>
+          </p:cNvGraphicFramePr>
+          <p:nvPr>
+            <p:ph idx="1"/>
+          </p:nvPr>
+        </p:nvGraphicFramePr>
+        <p:xfrm>
+          <a:off x="351235" y="1788584"/>
+          <a:ext cx="6172200" cy="6034616"/>
+        </p:xfrm>
+        <a:graphic>
+          <a:graphicData uri="http://schemas.openxmlformats.org/drawingml/2006/diagram">
+            <dgm:relIds xmlns:dgm="http://schemas.openxmlformats.org/drawingml/2006/diagram" xmlns:r="http://schemas.openxmlformats.org/officeDocument/2006/relationships" r:dm="rId2" r:lo="rId3" r:qs="rId4" r:cs="rId5"/>
+          </a:graphicData>
+        </a:graphic>
+      </p:graphicFrame>
+      <p:sp>
+        <p:nvSpPr>
+          <p:cNvPr id="7" name="6 Título">
+            <a:extLst>
+              <a:ext uri="{FF2B5EF4-FFF2-40B4-BE49-F238E27FC236}">
+                <a16:creationId xmlns:a16="http://schemas.microsoft.com/office/drawing/2014/main" id="{76DCD728-6775-F774-32FB-9956CE6EDEA6}"/>
+              </a:ext>
+            </a:extLst>
+          </p:cNvPr>
+          <p:cNvSpPr>
+            <a:spLocks noGrp="1"/>
+          </p:cNvSpPr>
+          <p:nvPr>
+            <p:ph type="title"/>
+          </p:nvPr>
+        </p:nvSpPr>
+        <p:spPr>
+          <a:xfrm>
+            <a:off x="1322766" y="59499"/>
+            <a:ext cx="5535234" cy="864096"/>
+          </a:xfrm>
+        </p:spPr>
+        <p:txBody>
+          <a:bodyPr>
+            <a:normAutofit/>
+          </a:bodyPr>
+          <a:lstStyle/>
+          <a:p>
+            <a:r>
+              <a:rPr lang="es-MX" sz="2200" b="1" dirty="0">
+                <a:solidFill>
+                  <a:schemeClr val="bg1"/>
+                </a:solidFill>
+                <a:effectLst>
+                  <a:outerShdw blurRad="38100" dist="38100" dir="2700000" algn="tl">
+                    <a:srgbClr val="000000">
+                      <a:alpha val="43137"/>
+                    </a:srgbClr>
+                  </a:outerShdw>
+                </a:effectLst>
+              </a:rPr>
+              <a:t>Análisis del Problema</a:t>
+            </a:r>
+          </a:p>
+        </p:txBody>
+      </p:sp>
+      <p:sp>
+        <p:nvSpPr>
+          <p:cNvPr id="4" name="3 Rectángulo redondeado">
+            <a:extLst>
+              <a:ext uri="{FF2B5EF4-FFF2-40B4-BE49-F238E27FC236}">
+                <a16:creationId xmlns:a16="http://schemas.microsoft.com/office/drawing/2014/main" id="{D96FEF14-083D-B86F-A854-5CCB075C73E3}"/>
+              </a:ext>
+            </a:extLst>
+          </p:cNvPr>
+          <p:cNvSpPr/>
+          <p:nvPr/>
+        </p:nvSpPr>
+        <p:spPr>
+          <a:xfrm>
+            <a:off x="404664" y="1259632"/>
+            <a:ext cx="6048672" cy="2160241"/>
+          </a:xfrm>
+          <a:prstGeom prst="roundRect">
+            <a:avLst/>
+          </a:prstGeom>
+        </p:spPr>
+        <p:style>
+          <a:lnRef idx="0">
+            <a:schemeClr val="accent1"/>
+          </a:lnRef>
+          <a:fillRef idx="3">
+            <a:schemeClr val="accent1"/>
+          </a:fillRef>
+          <a:effectRef idx="3">
+            <a:schemeClr val="accent1"/>
+          </a:effectRef>
+          <a:fontRef idx="minor">
+            <a:schemeClr val="lt1"/>
+          </a:fontRef>
+        </p:style>
+        <p:txBody>
+          <a:bodyPr lIns="91435" tIns="45718" rIns="91435" bIns="45718" rtlCol="0" anchor="ctr"/>
+          <a:lstStyle/>
+          <a:p>
+            <a:pPr algn="just"/>
+            <a:r>
+              <a:rPr lang="es-ES_tradnl" b="1" dirty="0">
+                <a:effectLst>
+                  <a:outerShdw blurRad="38100" dist="38100" dir="2700000" algn="tl">
+                    <a:srgbClr val="000000">
+                      <a:alpha val="43137"/>
+                    </a:srgbClr>
+                  </a:outerShdw>
+                </a:effectLst>
+              </a:rPr>
+              <a:t>Una empresa le solicita a sus empleados su horario de salida en formato de 24 horas. Desafortunadamente cometen un error en el tipo de formato. Para una mayor facilidad se realiza un programa que lea la hora de un día en notación de 24 horas y dé la respuesta en formato de 12 horas. </a:t>
+            </a:r>
+            <a:endParaRPr lang="es-MX" b="1" dirty="0"/>
+          </a:p>
+        </p:txBody>
+      </p:sp>
+      <p:sp>
+        <p:nvSpPr>
+          <p:cNvPr id="10" name="9 Rectángulo redondeado">
+            <a:extLst>
+              <a:ext uri="{FF2B5EF4-FFF2-40B4-BE49-F238E27FC236}">
+                <a16:creationId xmlns:a16="http://schemas.microsoft.com/office/drawing/2014/main" id="{E4D19738-E5BD-91EF-3573-6C2AAC58F5E9}"/>
+              </a:ext>
+            </a:extLst>
+          </p:cNvPr>
+          <p:cNvSpPr/>
+          <p:nvPr/>
+        </p:nvSpPr>
+        <p:spPr>
+          <a:xfrm>
+            <a:off x="430472" y="4966076"/>
+            <a:ext cx="1296144" cy="1344149"/>
+          </a:xfrm>
+          <a:prstGeom prst="roundRect">
+            <a:avLst/>
+          </a:prstGeom>
+        </p:spPr>
+        <p:style>
+          <a:lnRef idx="0">
+            <a:schemeClr val="accent2"/>
+          </a:lnRef>
+          <a:fillRef idx="3">
+            <a:schemeClr val="accent2"/>
+          </a:fillRef>
+          <a:effectRef idx="3">
+            <a:schemeClr val="accent2"/>
+          </a:effectRef>
+          <a:fontRef idx="minor">
+            <a:schemeClr val="lt1"/>
+          </a:fontRef>
+        </p:style>
+        <p:txBody>
+          <a:bodyPr lIns="91435" tIns="45718" rIns="91435" bIns="45718" rtlCol="0" anchor="ctr"/>
+          <a:lstStyle/>
+          <a:p>
+            <a:pPr algn="ctr"/>
+            <a:r>
+              <a:rPr lang="es-MX" dirty="0">
+                <a:effectLst>
+                  <a:outerShdw blurRad="38100" dist="38100" dir="2700000" algn="tl">
+                    <a:srgbClr val="000000">
+                      <a:alpha val="43137"/>
+                    </a:srgbClr>
+                  </a:outerShdw>
+                </a:effectLst>
+              </a:rPr>
+              <a:t>Salidas</a:t>
+            </a:r>
+          </a:p>
+        </p:txBody>
+      </p:sp>
+      <p:sp>
+        <p:nvSpPr>
+          <p:cNvPr id="11" name="10 Rectángulo redondeado">
+            <a:extLst>
+              <a:ext uri="{FF2B5EF4-FFF2-40B4-BE49-F238E27FC236}">
+                <a16:creationId xmlns:a16="http://schemas.microsoft.com/office/drawing/2014/main" id="{944C306A-90A3-56B9-CE03-D5CF35094757}"/>
+              </a:ext>
+            </a:extLst>
+          </p:cNvPr>
+          <p:cNvSpPr/>
+          <p:nvPr/>
+        </p:nvSpPr>
+        <p:spPr>
+          <a:xfrm>
+            <a:off x="1960029" y="4084010"/>
+            <a:ext cx="4490305" cy="4160398"/>
+          </a:xfrm>
+          <a:prstGeom prst="roundRect">
+            <a:avLst/>
+          </a:prstGeom>
+        </p:spPr>
+        <p:style>
+          <a:lnRef idx="0">
+            <a:schemeClr val="accent5"/>
+          </a:lnRef>
+          <a:fillRef idx="3">
+            <a:schemeClr val="accent5"/>
+          </a:fillRef>
+          <a:effectRef idx="3">
+            <a:schemeClr val="accent5"/>
+          </a:effectRef>
+          <a:fontRef idx="minor">
+            <a:schemeClr val="lt1"/>
+          </a:fontRef>
+        </p:style>
+        <p:txBody>
+          <a:bodyPr lIns="91435" tIns="45718" rIns="91435" bIns="45718" rtlCol="0" anchor="ctr"/>
+          <a:lstStyle/>
+          <a:p>
+            <a:r>
+              <a:rPr lang="es-ES" dirty="0">
+                <a:solidFill>
+                  <a:schemeClr val="tx1"/>
+                </a:solidFill>
+              </a:rPr>
+              <a:t>"Trabajaste hasta la 1 pm: pm"</a:t>
+            </a:r>
+          </a:p>
+          <a:p>
+            <a:r>
+              <a:rPr lang="es-ES" dirty="0">
+                <a:solidFill>
+                  <a:schemeClr val="tx1"/>
+                </a:solidFill>
+              </a:rPr>
+              <a:t>"Trabajaste hasta la 2 pm: pm"</a:t>
+            </a:r>
+          </a:p>
+          <a:p>
+            <a:r>
+              <a:rPr lang="es-ES" dirty="0">
+                <a:solidFill>
+                  <a:schemeClr val="tx1"/>
+                </a:solidFill>
+              </a:rPr>
+              <a:t>"Trabajaste hasta la 3 pm: pm"</a:t>
+            </a:r>
+          </a:p>
+          <a:p>
+            <a:r>
+              <a:rPr lang="es-ES" dirty="0">
+                <a:solidFill>
+                  <a:schemeClr val="tx1"/>
+                </a:solidFill>
+              </a:rPr>
+              <a:t>"Trabajaste hasta la 4 pm: pm"</a:t>
+            </a:r>
+          </a:p>
+          <a:p>
+            <a:r>
+              <a:rPr lang="es-ES" dirty="0">
+                <a:solidFill>
+                  <a:schemeClr val="tx1"/>
+                </a:solidFill>
+              </a:rPr>
+              <a:t>"Trabajaste hasta la 5 pm: pm"</a:t>
+            </a:r>
+          </a:p>
+          <a:p>
+            <a:r>
+              <a:rPr lang="es-ES" dirty="0">
+                <a:solidFill>
+                  <a:schemeClr val="tx1"/>
+                </a:solidFill>
+              </a:rPr>
+              <a:t>"Trabajaste hasta la 6 pm: pm"</a:t>
+            </a:r>
+          </a:p>
+          <a:p>
+            <a:r>
+              <a:rPr lang="es-ES" dirty="0">
+                <a:solidFill>
+                  <a:schemeClr val="tx1"/>
+                </a:solidFill>
+              </a:rPr>
+              <a:t>"Trabajaste hasta la 7 pm: pm"</a:t>
+            </a:r>
+          </a:p>
+          <a:p>
+            <a:r>
+              <a:rPr lang="es-ES" dirty="0">
+                <a:solidFill>
+                  <a:schemeClr val="tx1"/>
+                </a:solidFill>
+              </a:rPr>
+              <a:t>"Trabajaste hasta la 8 pm: pm"</a:t>
+            </a:r>
+          </a:p>
+          <a:p>
+            <a:r>
+              <a:rPr lang="es-ES" dirty="0">
+                <a:solidFill>
+                  <a:schemeClr val="tx1"/>
+                </a:solidFill>
+              </a:rPr>
+              <a:t>"Trabajaste hasta la 9 pm: pm"</a:t>
+            </a:r>
+          </a:p>
+          <a:p>
+            <a:r>
+              <a:rPr lang="es-ES" dirty="0">
+                <a:solidFill>
+                  <a:schemeClr val="tx1"/>
+                </a:solidFill>
+              </a:rPr>
+              <a:t>"Trabajaste hasta la 10 pm: pm"</a:t>
+            </a:r>
+          </a:p>
+          <a:p>
+            <a:r>
+              <a:rPr lang="es-ES" dirty="0">
+                <a:solidFill>
+                  <a:schemeClr val="tx1"/>
+                </a:solidFill>
+              </a:rPr>
+              <a:t>"Trabajaste hasta la 11 pm: pm"</a:t>
+            </a:r>
+          </a:p>
+          <a:p>
+            <a:r>
+              <a:rPr lang="es-ES" dirty="0">
+                <a:solidFill>
+                  <a:schemeClr val="tx1"/>
+                </a:solidFill>
+              </a:rPr>
+              <a:t>"Trabajaste hasta la 12 pm: pm“</a:t>
+            </a:r>
+          </a:p>
+          <a:p>
+            <a:r>
+              <a:rPr lang="es-ES" sz="1800" dirty="0">
+                <a:solidFill>
+                  <a:schemeClr val="tx1"/>
+                </a:solidFill>
+              </a:rPr>
+              <a:t>“Introduzca horario correctamente".</a:t>
+            </a:r>
+          </a:p>
+          <a:p>
+            <a:endParaRPr lang="es-MX" dirty="0">
+              <a:solidFill>
+                <a:schemeClr val="tx1"/>
+              </a:solidFill>
+            </a:endParaRPr>
+          </a:p>
+        </p:txBody>
+      </p:sp>
+      <p:sp>
+        <p:nvSpPr>
+          <p:cNvPr id="12" name="2 Marcador de texto">
+            <a:extLst>
+              <a:ext uri="{FF2B5EF4-FFF2-40B4-BE49-F238E27FC236}">
+                <a16:creationId xmlns:a16="http://schemas.microsoft.com/office/drawing/2014/main" id="{92C5FCCA-03F9-75D5-AFE1-FF422B363691}"/>
+              </a:ext>
+            </a:extLst>
+          </p:cNvPr>
+          <p:cNvSpPr txBox="1">
+            <a:spLocks/>
+          </p:cNvSpPr>
+          <p:nvPr/>
+        </p:nvSpPr>
+        <p:spPr>
+          <a:xfrm>
+            <a:off x="-2975" y="107504"/>
+            <a:ext cx="1065639" cy="1016944"/>
+          </a:xfrm>
+          <a:prstGeom prst="rect">
+            <a:avLst/>
+          </a:prstGeom>
+        </p:spPr>
+        <p:txBody>
+          <a:bodyPr vert="horz" lIns="91435" tIns="45718" rIns="91435" bIns="45718" rtlCol="0">
+            <a:noAutofit/>
+          </a:bodyPr>
+          <a:lstStyle>
+            <a:lvl1pPr marL="342900" indent="-342900" algn="l" defTabSz="914400" rtl="0" eaLnBrk="1" latinLnBrk="0" hangingPunct="1">
+              <a:spcBef>
+                <a:spcPct val="20000"/>
+              </a:spcBef>
+              <a:buFont typeface="Arial" pitchFamily="34" charset="0"/>
+              <a:buChar char="•"/>
+              <a:defRPr sz="3200" kern="1200">
+                <a:solidFill>
+                  <a:schemeClr val="tx1"/>
+                </a:solidFill>
+                <a:latin typeface="+mn-lt"/>
+                <a:ea typeface="+mn-ea"/>
+                <a:cs typeface="+mn-cs"/>
+              </a:defRPr>
+            </a:lvl1pPr>
+            <a:lvl2pPr marL="742950" indent="-285750" algn="l" defTabSz="914400" rtl="0" eaLnBrk="1" latinLnBrk="0" hangingPunct="1">
+              <a:spcBef>
+                <a:spcPct val="20000"/>
+              </a:spcBef>
+              <a:buFont typeface="Arial" pitchFamily="34" charset="0"/>
+              <a:buChar char="–"/>
+              <a:defRPr sz="2800" kern="1200">
+                <a:solidFill>
+                  <a:schemeClr val="tx1"/>
+                </a:solidFill>
+                <a:latin typeface="+mn-lt"/>
+                <a:ea typeface="+mn-ea"/>
+                <a:cs typeface="+mn-cs"/>
+              </a:defRPr>
+            </a:lvl2pPr>
+            <a:lvl3pPr marL="1143000" indent="-228600" algn="l" defTabSz="914400" rtl="0" eaLnBrk="1" latinLnBrk="0" hangingPunct="1">
+              <a:spcBef>
+                <a:spcPct val="20000"/>
+              </a:spcBef>
+              <a:buFont typeface="Arial" pitchFamily="34" charset="0"/>
+              <a:buChar char="•"/>
+              <a:defRPr sz="2400" kern="1200">
+                <a:solidFill>
+                  <a:schemeClr val="tx1"/>
+                </a:solidFill>
+                <a:latin typeface="+mn-lt"/>
+                <a:ea typeface="+mn-ea"/>
+                <a:cs typeface="+mn-cs"/>
+              </a:defRPr>
+            </a:lvl3pPr>
+            <a:lvl4pPr marL="1600200" indent="-228600" algn="l" defTabSz="914400" rtl="0" eaLnBrk="1" latinLnBrk="0" hangingPunct="1">
+              <a:spcBef>
+                <a:spcPct val="20000"/>
+              </a:spcBef>
+              <a:buFont typeface="Arial" pitchFamily="34" charset="0"/>
+              <a:buChar char="–"/>
+              <a:defRPr sz="2000" kern="1200">
+                <a:solidFill>
+                  <a:schemeClr val="tx1"/>
+                </a:solidFill>
+                <a:latin typeface="+mn-lt"/>
+                <a:ea typeface="+mn-ea"/>
+                <a:cs typeface="+mn-cs"/>
+              </a:defRPr>
+            </a:lvl4pPr>
+            <a:lvl5pPr marL="2057400" indent="-228600" algn="l" defTabSz="914400" rtl="0" eaLnBrk="1" latinLnBrk="0" hangingPunct="1">
+              <a:spcBef>
+                <a:spcPct val="20000"/>
+              </a:spcBef>
+              <a:buFont typeface="Arial" pitchFamily="34" charset="0"/>
+              <a:buChar char="»"/>
+              <a:defRPr sz="2000" kern="1200">
+                <a:solidFill>
+                  <a:schemeClr val="tx1"/>
+                </a:solidFill>
+                <a:latin typeface="+mn-lt"/>
+                <a:ea typeface="+mn-ea"/>
+                <a:cs typeface="+mn-cs"/>
+              </a:defRPr>
+            </a:lvl5pPr>
+            <a:lvl6pPr marL="2514600" indent="-228600" algn="l" defTabSz="914400" rtl="0" eaLnBrk="1" latinLnBrk="0" hangingPunct="1">
+              <a:spcBef>
+                <a:spcPct val="20000"/>
+              </a:spcBef>
+              <a:buFont typeface="Arial" pitchFamily="34" charset="0"/>
+              <a:buChar char="•"/>
+              <a:defRPr sz="2000" kern="1200">
+                <a:solidFill>
+                  <a:schemeClr val="tx1"/>
+                </a:solidFill>
+                <a:latin typeface="+mn-lt"/>
+                <a:ea typeface="+mn-ea"/>
+                <a:cs typeface="+mn-cs"/>
+              </a:defRPr>
+            </a:lvl6pPr>
+            <a:lvl7pPr marL="2971800" indent="-228600" algn="l" defTabSz="914400" rtl="0" eaLnBrk="1" latinLnBrk="0" hangingPunct="1">
+              <a:spcBef>
+                <a:spcPct val="20000"/>
+              </a:spcBef>
+              <a:buFont typeface="Arial" pitchFamily="34" charset="0"/>
+              <a:buChar char="•"/>
+              <a:defRPr sz="2000" kern="1200">
+                <a:solidFill>
+                  <a:schemeClr val="tx1"/>
+                </a:solidFill>
+                <a:latin typeface="+mn-lt"/>
+                <a:ea typeface="+mn-ea"/>
+                <a:cs typeface="+mn-cs"/>
+              </a:defRPr>
+            </a:lvl7pPr>
+            <a:lvl8pPr marL="3429000" indent="-228600" algn="l" defTabSz="914400" rtl="0" eaLnBrk="1" latinLnBrk="0" hangingPunct="1">
+              <a:spcBef>
+                <a:spcPct val="20000"/>
+              </a:spcBef>
+              <a:buFont typeface="Arial" pitchFamily="34" charset="0"/>
+              <a:buChar char="•"/>
+              <a:defRPr sz="2000" kern="1200">
+                <a:solidFill>
+                  <a:schemeClr val="tx1"/>
+                </a:solidFill>
+                <a:latin typeface="+mn-lt"/>
+                <a:ea typeface="+mn-ea"/>
+                <a:cs typeface="+mn-cs"/>
+              </a:defRPr>
+            </a:lvl8pPr>
+            <a:lvl9pPr marL="3886200" indent="-228600" algn="l" defTabSz="914400" rtl="0" eaLnBrk="1" latinLnBrk="0" hangingPunct="1">
+              <a:spcBef>
+                <a:spcPct val="20000"/>
+              </a:spcBef>
+              <a:buFont typeface="Arial" pitchFamily="34" charset="0"/>
+              <a:buChar char="•"/>
+              <a:defRPr sz="2000" kern="1200">
+                <a:solidFill>
+                  <a:schemeClr val="tx1"/>
+                </a:solidFill>
+                <a:latin typeface="+mn-lt"/>
+                <a:ea typeface="+mn-ea"/>
+                <a:cs typeface="+mn-cs"/>
+              </a:defRPr>
+            </a:lvl9pPr>
+          </a:lstStyle>
+          <a:p>
+            <a:pPr marL="0" indent="0" algn="ctr">
+              <a:buNone/>
+            </a:pPr>
+            <a:r>
+              <a:rPr lang="es-MX" sz="1400" b="1" dirty="0">
+                <a:solidFill>
+                  <a:schemeClr val="bg1">
+                    <a:lumMod val="75000"/>
+                  </a:schemeClr>
+                </a:solidFill>
+                <a:effectLst>
+                  <a:outerShdw blurRad="38100" dist="38100" dir="2700000" algn="tl">
+                    <a:srgbClr val="000000">
+                      <a:alpha val="43137"/>
+                    </a:srgbClr>
+                  </a:outerShdw>
+                </a:effectLst>
+              </a:rPr>
+              <a:t>Número del programa:</a:t>
+            </a:r>
+          </a:p>
+        </p:txBody>
+      </p:sp>
+      <p:sp>
+        <p:nvSpPr>
+          <p:cNvPr id="13" name="12 Elipse">
+            <a:extLst>
+              <a:ext uri="{FF2B5EF4-FFF2-40B4-BE49-F238E27FC236}">
+                <a16:creationId xmlns:a16="http://schemas.microsoft.com/office/drawing/2014/main" id="{3B6A8E6C-0C00-CEFF-821B-795FA99D9957}"/>
+              </a:ext>
+            </a:extLst>
+          </p:cNvPr>
+          <p:cNvSpPr/>
+          <p:nvPr/>
+        </p:nvSpPr>
+        <p:spPr>
+          <a:xfrm>
+            <a:off x="988532" y="0"/>
+            <a:ext cx="1000306" cy="1019605"/>
+          </a:xfrm>
+          <a:prstGeom prst="ellipse">
+            <a:avLst/>
+          </a:prstGeom>
+        </p:spPr>
+        <p:style>
+          <a:lnRef idx="2">
+            <a:schemeClr val="accent2"/>
+          </a:lnRef>
+          <a:fillRef idx="1">
+            <a:schemeClr val="lt1"/>
+          </a:fillRef>
+          <a:effectRef idx="0">
+            <a:schemeClr val="accent2"/>
+          </a:effectRef>
+          <a:fontRef idx="minor">
+            <a:schemeClr val="dk1"/>
+          </a:fontRef>
+        </p:style>
+        <p:txBody>
+          <a:bodyPr lIns="91435" tIns="45718" rIns="91435" bIns="45718" rtlCol="0" anchor="ctr"/>
+          <a:lstStyle/>
+          <a:p>
+            <a:pPr algn="ctr"/>
+            <a:r>
+              <a:rPr lang="es-MX" sz="1600" b="1" dirty="0">
+                <a:solidFill>
+                  <a:srgbClr val="FF0000"/>
+                </a:solidFill>
+                <a:effectLst>
+                  <a:outerShdw blurRad="38100" dist="38100" dir="2700000" algn="tl">
+                    <a:srgbClr val="000000">
+                      <a:alpha val="43137"/>
+                    </a:srgbClr>
+                  </a:outerShdw>
+                </a:effectLst>
+              </a:rPr>
+              <a:t>P30</a:t>
+            </a:r>
+          </a:p>
+        </p:txBody>
+      </p:sp>
+      <p:sp>
+        <p:nvSpPr>
+          <p:cNvPr id="3" name="5 Rectángulo redondeado"/>
+          <p:cNvSpPr/>
+          <p:nvPr/>
+        </p:nvSpPr>
+        <p:spPr>
+          <a:xfrm>
+            <a:off x="1988839" y="3611896"/>
+            <a:ext cx="4464497" cy="336930"/>
+          </a:xfrm>
+          <a:prstGeom prst="roundRect">
+            <a:avLst/>
+          </a:prstGeom>
+        </p:spPr>
+        <p:style>
+          <a:lnRef idx="0">
+            <a:schemeClr val="accent5"/>
+          </a:lnRef>
+          <a:fillRef idx="3">
+            <a:schemeClr val="accent5"/>
+          </a:fillRef>
+          <a:effectRef idx="3">
+            <a:schemeClr val="accent5"/>
+          </a:effectRef>
+          <a:fontRef idx="minor">
+            <a:schemeClr val="lt1"/>
+          </a:fontRef>
+        </p:style>
+        <p:txBody>
+          <a:bodyPr lIns="91435" tIns="45718" rIns="91435" bIns="45718" rtlCol="0" anchor="ctr"/>
+          <a:lstStyle/>
+          <a:p>
+            <a:r>
+              <a:rPr lang="es-MX" dirty="0">
+                <a:solidFill>
+                  <a:schemeClr val="tx1"/>
+                </a:solidFill>
+              </a:rPr>
+              <a:t>hora24,min</a:t>
+            </a:r>
+          </a:p>
+        </p:txBody>
+      </p:sp>
+      <p:sp>
+        <p:nvSpPr>
+          <p:cNvPr id="14" name="4 Rectángulo redondeado"/>
+          <p:cNvSpPr/>
+          <p:nvPr/>
+        </p:nvSpPr>
+        <p:spPr>
+          <a:xfrm>
+            <a:off x="404664" y="3611895"/>
+            <a:ext cx="1321952" cy="372861"/>
+          </a:xfrm>
+          <a:prstGeom prst="roundRect">
+            <a:avLst/>
+          </a:prstGeom>
+        </p:spPr>
+        <p:style>
+          <a:lnRef idx="0">
+            <a:schemeClr val="accent2"/>
+          </a:lnRef>
+          <a:fillRef idx="3">
+            <a:schemeClr val="accent2"/>
+          </a:fillRef>
+          <a:effectRef idx="3">
+            <a:schemeClr val="accent2"/>
+          </a:effectRef>
+          <a:fontRef idx="minor">
+            <a:schemeClr val="lt1"/>
+          </a:fontRef>
+        </p:style>
+        <p:txBody>
+          <a:bodyPr lIns="91435" tIns="45718" rIns="91435" bIns="45718" rtlCol="0" anchor="ctr"/>
+          <a:lstStyle/>
+          <a:p>
+            <a:pPr algn="ctr"/>
+            <a:r>
+              <a:rPr lang="es-MX" dirty="0">
+                <a:effectLst>
+                  <a:outerShdw blurRad="38100" dist="38100" dir="2700000" algn="tl">
+                    <a:srgbClr val="000000">
+                      <a:alpha val="43137"/>
+                    </a:srgbClr>
+                  </a:outerShdw>
+                </a:effectLst>
+              </a:rPr>
+              <a:t>Entradas</a:t>
+            </a:r>
+          </a:p>
+        </p:txBody>
+      </p:sp>
+    </p:spTree>
+    <p:extLst>
+      <p:ext uri="{BB962C8B-B14F-4D97-AF65-F5344CB8AC3E}">
+        <p14:creationId xmlns:p14="http://schemas.microsoft.com/office/powerpoint/2010/main" val="2458781060"/>
+      </p:ext>
+    </p:extLst>
+  </p:cSld>
+  <p:clrMapOvr>
+    <a:masterClrMapping/>
+  </p:clrMapOvr>
+</p:sld>
+</file>
+
+<file path=ppt/slides/slide11.xml><?xml version="1.0" encoding="utf-8"?>
+<p:sld xmlns:a="http://schemas.openxmlformats.org/drawingml/2006/main" xmlns:r="http://schemas.openxmlformats.org/officeDocument/2006/relationships" xmlns:p="http://schemas.openxmlformats.org/presentationml/2006/main">
+  <p:cSld>
+    <p:spTree>
+      <p:nvGrpSpPr>
         <p:cNvPr id="1" name=""/>
         <p:cNvGrpSpPr/>
         <p:nvPr/>
@@ -31805,64 +34879,14 @@
       </p:sp>
       <p:sp>
         <p:nvSpPr>
-          <p:cNvPr id="4" name="3 Rectángulo redondeado"/>
+          <p:cNvPr id="8" name="7 Rectángulo redondeado"/>
           <p:cNvSpPr/>
           <p:nvPr/>
         </p:nvSpPr>
         <p:spPr>
           <a:xfrm>
-            <a:off x="404664" y="1259632"/>
-            <a:ext cx="6048672" cy="2160241"/>
-          </a:xfrm>
-          <a:prstGeom prst="roundRect">
-            <a:avLst/>
-          </a:prstGeom>
-        </p:spPr>
-        <p:style>
-          <a:lnRef idx="0">
-            <a:schemeClr val="accent1"/>
-          </a:lnRef>
-          <a:fillRef idx="3">
-            <a:schemeClr val="accent1"/>
-          </a:fillRef>
-          <a:effectRef idx="3">
-            <a:schemeClr val="accent1"/>
-          </a:effectRef>
-          <a:fontRef idx="minor">
-            <a:schemeClr val="lt1"/>
-          </a:fontRef>
-        </p:style>
-        <p:txBody>
-          <a:bodyPr lIns="91435" tIns="45718" rIns="91435" bIns="45718" rtlCol="0" anchor="ctr"/>
-          <a:lstStyle/>
-          <a:p>
-            <a:pPr algn="just"/>
-            <a:r>
-              <a:rPr lang="es-ES_tradnl" b="1" dirty="0">
-                <a:effectLst>
-                  <a:outerShdw blurRad="38100" dist="38100" dir="2700000" algn="tl">
-                    <a:srgbClr val="000000">
-                      <a:alpha val="43137"/>
-                    </a:srgbClr>
-                  </a:outerShdw>
-                </a:effectLst>
-              </a:rPr>
-              <a:t>Una empresa le solicita a sus empleados su horario de salida en formato de 24 horas. Desafortunadamente cometen un error en el tipo de formato. Para una mayor facilidad se realiza un programa que lea la hora de un día en notación de 24 horas y dé la respuesta en formato de 12 horas. </a:t>
-            </a:r>
-            <a:endParaRPr lang="es-MX" b="1" dirty="0"/>
-          </a:p>
-        </p:txBody>
-      </p:sp>
-      <p:sp>
-        <p:nvSpPr>
-          <p:cNvPr id="5" name="4 Rectángulo redondeado"/>
-          <p:cNvSpPr/>
-          <p:nvPr/>
-        </p:nvSpPr>
-        <p:spPr>
-          <a:xfrm>
-            <a:off x="404664" y="3611895"/>
-            <a:ext cx="1321952" cy="1344149"/>
+            <a:off x="2280073" y="1037589"/>
+            <a:ext cx="2314523" cy="682491"/>
           </a:xfrm>
           <a:prstGeom prst="roundRect">
             <a:avLst/>
@@ -31883,7 +34907,7 @@
           </a:fontRef>
         </p:style>
         <p:txBody>
-          <a:bodyPr lIns="91435" tIns="45718" rIns="91435" bIns="45718" rtlCol="0" anchor="ctr"/>
+          <a:bodyPr vert="horz" lIns="91435" tIns="45718" rIns="91435" bIns="45718" rtlCol="0" anchor="ctr"/>
           <a:lstStyle/>
           <a:p>
             <a:pPr algn="ctr"/>
@@ -31897,21 +34921,21 @@
                   </a:outerShdw>
                 </a:effectLst>
               </a:rPr>
-              <a:t>Entradas</a:t>
+              <a:t>Procesos</a:t>
             </a:r>
           </a:p>
         </p:txBody>
       </p:sp>
       <p:sp>
         <p:nvSpPr>
-          <p:cNvPr id="6" name="5 Rectángulo redondeado"/>
+          <p:cNvPr id="9" name="8 Rectángulo redondeado"/>
           <p:cNvSpPr/>
           <p:nvPr/>
         </p:nvSpPr>
         <p:spPr>
           <a:xfrm>
-            <a:off x="1988839" y="3611895"/>
-            <a:ext cx="4464497" cy="1344149"/>
+            <a:off x="1322766" y="1834074"/>
+            <a:ext cx="4698522" cy="6373869"/>
           </a:xfrm>
           <a:prstGeom prst="roundRect">
             <a:avLst/>
@@ -31935,179 +34959,366 @@
           <a:bodyPr lIns="91435" tIns="45718" rIns="91435" bIns="45718" rtlCol="0" anchor="ctr"/>
           <a:lstStyle/>
           <a:p>
-            <a:endParaRPr lang="es-MX" dirty="0"/>
-          </a:p>
-        </p:txBody>
-      </p:sp>
-      <p:sp>
-        <p:nvSpPr>
-          <p:cNvPr id="8" name="7 Rectángulo redondeado"/>
-          <p:cNvSpPr/>
-          <p:nvPr/>
-        </p:nvSpPr>
-        <p:spPr>
-          <a:xfrm>
-            <a:off x="404664" y="5159244"/>
-            <a:ext cx="1321952" cy="1344149"/>
-          </a:xfrm>
-          <a:prstGeom prst="roundRect">
-            <a:avLst/>
-          </a:prstGeom>
-        </p:spPr>
-        <p:style>
-          <a:lnRef idx="0">
-            <a:schemeClr val="accent2"/>
-          </a:lnRef>
-          <a:fillRef idx="3">
-            <a:schemeClr val="accent2"/>
-          </a:fillRef>
-          <a:effectRef idx="3">
-            <a:schemeClr val="accent2"/>
-          </a:effectRef>
-          <a:fontRef idx="minor">
-            <a:schemeClr val="lt1"/>
-          </a:fontRef>
-        </p:style>
-        <p:txBody>
-          <a:bodyPr lIns="91435" tIns="45718" rIns="91435" bIns="45718" rtlCol="0" anchor="ctr"/>
-          <a:lstStyle/>
-          <a:p>
-            <a:pPr algn="ctr"/>
-            <a:r>
-              <a:rPr lang="es-MX" dirty="0">
-                <a:effectLst>
-                  <a:outerShdw blurRad="38100" dist="38100" dir="2700000" algn="tl">
-                    <a:srgbClr val="000000">
-                      <a:alpha val="43137"/>
-                    </a:srgbClr>
-                  </a:outerShdw>
-                </a:effectLst>
+            <a:pPr algn="just"/>
+            <a:endParaRPr lang="es-ES" sz="1200" dirty="0">
+              <a:solidFill>
+                <a:schemeClr val="tx1"/>
+              </a:solidFill>
+            </a:endParaRPr>
+          </a:p>
+          <a:p>
+            <a:pPr algn="just"/>
+            <a:endParaRPr lang="es-ES" sz="1200" dirty="0">
+              <a:solidFill>
+                <a:schemeClr val="tx1"/>
+              </a:solidFill>
+            </a:endParaRPr>
+          </a:p>
+          <a:p>
+            <a:pPr algn="just"/>
+            <a:r>
+              <a:rPr lang="es-ES" sz="1200" dirty="0">
+                <a:solidFill>
+                  <a:schemeClr val="tx1"/>
+                </a:solidFill>
               </a:rPr>
-              <a:t>Procesos</a:t>
-            </a:r>
-          </a:p>
-        </p:txBody>
-      </p:sp>
-      <p:sp>
-        <p:nvSpPr>
-          <p:cNvPr id="9" name="8 Rectángulo redondeado"/>
-          <p:cNvSpPr/>
-          <p:nvPr/>
-        </p:nvSpPr>
-        <p:spPr>
-          <a:xfrm>
-            <a:off x="1988839" y="5159244"/>
-            <a:ext cx="4464498" cy="1344149"/>
-          </a:xfrm>
-          <a:prstGeom prst="roundRect">
-            <a:avLst/>
-          </a:prstGeom>
-        </p:spPr>
-        <p:style>
-          <a:lnRef idx="0">
-            <a:schemeClr val="accent5"/>
-          </a:lnRef>
-          <a:fillRef idx="3">
-            <a:schemeClr val="accent5"/>
-          </a:fillRef>
-          <a:effectRef idx="3">
-            <a:schemeClr val="accent5"/>
-          </a:effectRef>
-          <a:fontRef idx="minor">
-            <a:schemeClr val="lt1"/>
-          </a:fontRef>
-        </p:style>
-        <p:txBody>
-          <a:bodyPr lIns="91435" tIns="45718" rIns="91435" bIns="45718" rtlCol="0" anchor="ctr"/>
-          <a:lstStyle/>
-          <a:p>
-            <a:endParaRPr lang="es-MX" dirty="0"/>
-          </a:p>
-        </p:txBody>
-      </p:sp>
-      <p:sp>
-        <p:nvSpPr>
-          <p:cNvPr id="10" name="9 Rectángulo redondeado"/>
-          <p:cNvSpPr/>
-          <p:nvPr/>
-        </p:nvSpPr>
-        <p:spPr>
-          <a:xfrm>
-            <a:off x="430472" y="6706592"/>
-            <a:ext cx="1296144" cy="1344149"/>
-          </a:xfrm>
-          <a:prstGeom prst="roundRect">
-            <a:avLst/>
-          </a:prstGeom>
-        </p:spPr>
-        <p:style>
-          <a:lnRef idx="0">
-            <a:schemeClr val="accent2"/>
-          </a:lnRef>
-          <a:fillRef idx="3">
-            <a:schemeClr val="accent2"/>
-          </a:fillRef>
-          <a:effectRef idx="3">
-            <a:schemeClr val="accent2"/>
-          </a:effectRef>
-          <a:fontRef idx="minor">
-            <a:schemeClr val="lt1"/>
-          </a:fontRef>
-        </p:style>
-        <p:txBody>
-          <a:bodyPr lIns="91435" tIns="45718" rIns="91435" bIns="45718" rtlCol="0" anchor="ctr"/>
-          <a:lstStyle/>
-          <a:p>
-            <a:pPr algn="ctr"/>
-            <a:r>
-              <a:rPr lang="es-MX" dirty="0">
-                <a:effectLst>
-                  <a:outerShdw blurRad="38100" dist="38100" dir="2700000" algn="tl">
-                    <a:srgbClr val="000000">
-                      <a:alpha val="43137"/>
-                    </a:srgbClr>
-                  </a:outerShdw>
-                </a:effectLst>
+              <a:t>Si `hora24` es igual a 13:</a:t>
+            </a:r>
+          </a:p>
+          <a:p>
+            <a:pPr algn="just"/>
+            <a:r>
+              <a:rPr lang="es-ES" sz="1200" dirty="0">
+                <a:solidFill>
+                  <a:schemeClr val="tx1"/>
+                </a:solidFill>
               </a:rPr>
-              <a:t>Salidas</a:t>
-            </a:r>
-          </a:p>
-        </p:txBody>
-      </p:sp>
-      <p:sp>
-        <p:nvSpPr>
-          <p:cNvPr id="11" name="10 Rectángulo redondeado"/>
-          <p:cNvSpPr/>
-          <p:nvPr/>
-        </p:nvSpPr>
-        <p:spPr>
-          <a:xfrm>
-            <a:off x="1988838" y="6706592"/>
-            <a:ext cx="4490305" cy="1344149"/>
-          </a:xfrm>
-          <a:prstGeom prst="roundRect">
-            <a:avLst/>
-          </a:prstGeom>
-        </p:spPr>
-        <p:style>
-          <a:lnRef idx="0">
-            <a:schemeClr val="accent5"/>
-          </a:lnRef>
-          <a:fillRef idx="3">
-            <a:schemeClr val="accent5"/>
-          </a:fillRef>
-          <a:effectRef idx="3">
-            <a:schemeClr val="accent5"/>
-          </a:effectRef>
-          <a:fontRef idx="minor">
-            <a:schemeClr val="lt1"/>
-          </a:fontRef>
-        </p:style>
-        <p:txBody>
-          <a:bodyPr lIns="91435" tIns="45718" rIns="91435" bIns="45718" rtlCol="0" anchor="ctr"/>
-          <a:lstStyle/>
-          <a:p>
-            <a:endParaRPr lang="es-MX" dirty="0"/>
+              <a:t>    Imprime "Trabajaste hasta la 1 pm", `min`.</a:t>
+            </a:r>
+          </a:p>
+          <a:p>
+            <a:pPr algn="just"/>
+            <a:r>
+              <a:rPr lang="es-ES" sz="1200" dirty="0">
+                <a:solidFill>
+                  <a:schemeClr val="tx1"/>
+                </a:solidFill>
+              </a:rPr>
+              <a:t>Si `hora24` es igual a 14:</a:t>
+            </a:r>
+          </a:p>
+          <a:p>
+            <a:pPr algn="just"/>
+            <a:r>
+              <a:rPr lang="es-ES" sz="1200" dirty="0">
+                <a:solidFill>
+                  <a:schemeClr val="tx1"/>
+                </a:solidFill>
+              </a:rPr>
+              <a:t>    Imprime "Trabajaste hasta la 2 pm", `min`.</a:t>
+            </a:r>
+          </a:p>
+          <a:p>
+            <a:pPr algn="just"/>
+            <a:r>
+              <a:rPr lang="es-ES" sz="1200" dirty="0">
+                <a:solidFill>
+                  <a:schemeClr val="tx1"/>
+                </a:solidFill>
+              </a:rPr>
+              <a:t>Si `hora24` es igual a 15:</a:t>
+            </a:r>
+          </a:p>
+          <a:p>
+            <a:pPr algn="just"/>
+            <a:r>
+              <a:rPr lang="es-ES" sz="1200" dirty="0">
+                <a:solidFill>
+                  <a:schemeClr val="tx1"/>
+                </a:solidFill>
+              </a:rPr>
+              <a:t>    Imprime "Trabajaste hasta la 3 pm", `min`.</a:t>
+            </a:r>
+          </a:p>
+          <a:p>
+            <a:pPr algn="just"/>
+            <a:r>
+              <a:rPr lang="es-ES" sz="1200" dirty="0">
+                <a:solidFill>
+                  <a:schemeClr val="tx1"/>
+                </a:solidFill>
+              </a:rPr>
+              <a:t>Si `hora24` es igual a 16:</a:t>
+            </a:r>
+          </a:p>
+          <a:p>
+            <a:pPr algn="just"/>
+            <a:r>
+              <a:rPr lang="es-ES" sz="1200" dirty="0">
+                <a:solidFill>
+                  <a:schemeClr val="tx1"/>
+                </a:solidFill>
+              </a:rPr>
+              <a:t>    Imprime "Trabajaste hasta la 4 pm", `min`.</a:t>
+            </a:r>
+          </a:p>
+          <a:p>
+            <a:pPr algn="just"/>
+            <a:r>
+              <a:rPr lang="es-ES" sz="1200" dirty="0">
+                <a:solidFill>
+                  <a:schemeClr val="tx1"/>
+                </a:solidFill>
+              </a:rPr>
+              <a:t>Si `hora24` es igual a 17:</a:t>
+            </a:r>
+          </a:p>
+          <a:p>
+            <a:pPr algn="just"/>
+            <a:r>
+              <a:rPr lang="es-ES" sz="1200" dirty="0">
+                <a:solidFill>
+                  <a:schemeClr val="tx1"/>
+                </a:solidFill>
+              </a:rPr>
+              <a:t>    Imprime "Trabajaste hasta la 5 pm", `min`.</a:t>
+            </a:r>
+          </a:p>
+          <a:p>
+            <a:pPr algn="just"/>
+            <a:r>
+              <a:rPr lang="es-ES" sz="1200" dirty="0">
+                <a:solidFill>
+                  <a:schemeClr val="tx1"/>
+                </a:solidFill>
+              </a:rPr>
+              <a:t>Si `hora24` es igual a 18:</a:t>
+            </a:r>
+          </a:p>
+          <a:p>
+            <a:pPr algn="just"/>
+            <a:r>
+              <a:rPr lang="es-ES" sz="1200" dirty="0">
+                <a:solidFill>
+                  <a:schemeClr val="tx1"/>
+                </a:solidFill>
+              </a:rPr>
+              <a:t>    Imprime "Trabajaste hasta la 6 pm", `min`.</a:t>
+            </a:r>
+          </a:p>
+          <a:p>
+            <a:pPr algn="just"/>
+            <a:r>
+              <a:rPr lang="es-ES" sz="1200" dirty="0">
+                <a:solidFill>
+                  <a:schemeClr val="tx1"/>
+                </a:solidFill>
+              </a:rPr>
+              <a:t>Si `hora24` es igual a 19:</a:t>
+            </a:r>
+          </a:p>
+          <a:p>
+            <a:pPr algn="just"/>
+            <a:r>
+              <a:rPr lang="es-ES" sz="1200" dirty="0">
+                <a:solidFill>
+                  <a:schemeClr val="tx1"/>
+                </a:solidFill>
+              </a:rPr>
+              <a:t>    Imprime "Trabajaste hasta la 7 pm", `min`.</a:t>
+            </a:r>
+          </a:p>
+          <a:p>
+            <a:pPr algn="just"/>
+            <a:r>
+              <a:rPr lang="es-ES" sz="1200" dirty="0">
+                <a:solidFill>
+                  <a:schemeClr val="tx1"/>
+                </a:solidFill>
+              </a:rPr>
+              <a:t>Si `hora24` es igual a 20:</a:t>
+            </a:r>
+          </a:p>
+          <a:p>
+            <a:pPr algn="just"/>
+            <a:r>
+              <a:rPr lang="es-ES" sz="1200" dirty="0">
+                <a:solidFill>
+                  <a:schemeClr val="tx1"/>
+                </a:solidFill>
+              </a:rPr>
+              <a:t>    Imprime "Trabajaste hasta la 8 pm", `min`.</a:t>
+            </a:r>
+          </a:p>
+          <a:p>
+            <a:pPr algn="just"/>
+            <a:r>
+              <a:rPr lang="es-ES" sz="1200" dirty="0">
+                <a:solidFill>
+                  <a:schemeClr val="tx1"/>
+                </a:solidFill>
+              </a:rPr>
+              <a:t>Si `hora24` es igual a 21:</a:t>
+            </a:r>
+          </a:p>
+          <a:p>
+            <a:pPr algn="just"/>
+            <a:r>
+              <a:rPr lang="es-ES" sz="1200" dirty="0">
+                <a:solidFill>
+                  <a:schemeClr val="tx1"/>
+                </a:solidFill>
+              </a:rPr>
+              <a:t>    Imprime "Trabajaste hasta la 9 pm", `min`.</a:t>
+            </a:r>
+          </a:p>
+          <a:p>
+            <a:pPr algn="just"/>
+            <a:r>
+              <a:rPr lang="es-ES" sz="1200" dirty="0">
+                <a:solidFill>
+                  <a:schemeClr val="tx1"/>
+                </a:solidFill>
+              </a:rPr>
+              <a:t>Si `hora24` es igual a 22:</a:t>
+            </a:r>
+          </a:p>
+          <a:p>
+            <a:pPr algn="just"/>
+            <a:r>
+              <a:rPr lang="es-ES" sz="1200" dirty="0">
+                <a:solidFill>
+                  <a:schemeClr val="tx1"/>
+                </a:solidFill>
+              </a:rPr>
+              <a:t>    Imprime "Trabajaste hasta la 10 pm", `min`.</a:t>
+            </a:r>
+          </a:p>
+          <a:p>
+            <a:pPr algn="just"/>
+            <a:r>
+              <a:rPr lang="es-ES" sz="1200" dirty="0">
+                <a:solidFill>
+                  <a:schemeClr val="tx1"/>
+                </a:solidFill>
+              </a:rPr>
+              <a:t>Si `hora24` es igual a 23:</a:t>
+            </a:r>
+          </a:p>
+          <a:p>
+            <a:pPr algn="just"/>
+            <a:r>
+              <a:rPr lang="es-ES" sz="1200" dirty="0">
+                <a:solidFill>
+                  <a:schemeClr val="tx1"/>
+                </a:solidFill>
+              </a:rPr>
+              <a:t>    Imprime "Trabajaste hasta la 11 pm", `min`.</a:t>
+            </a:r>
+          </a:p>
+          <a:p>
+            <a:pPr algn="just"/>
+            <a:r>
+              <a:rPr lang="es-ES" sz="1200" dirty="0">
+                <a:solidFill>
+                  <a:schemeClr val="tx1"/>
+                </a:solidFill>
+              </a:rPr>
+              <a:t>Si `hora24` es igual a 24:</a:t>
+            </a:r>
+          </a:p>
+          <a:p>
+            <a:pPr algn="just"/>
+            <a:r>
+              <a:rPr lang="es-ES" sz="1200" dirty="0">
+                <a:solidFill>
+                  <a:schemeClr val="tx1"/>
+                </a:solidFill>
+              </a:rPr>
+              <a:t>    Imprime "Trabajaste hasta la 12 pm", `min`.</a:t>
+            </a:r>
+          </a:p>
+          <a:p>
+            <a:pPr algn="just"/>
+            <a:r>
+              <a:rPr lang="es-ES" sz="1200" dirty="0">
+                <a:solidFill>
+                  <a:schemeClr val="tx1"/>
+                </a:solidFill>
+              </a:rPr>
+              <a:t>Si es diferente a `hora24`:</a:t>
+            </a:r>
+          </a:p>
+          <a:p>
+            <a:pPr algn="just"/>
+            <a:r>
+              <a:rPr lang="es-ES" sz="1200" dirty="0">
+                <a:solidFill>
+                  <a:schemeClr val="tx1"/>
+                </a:solidFill>
+              </a:rPr>
+              <a:t>    Si `hora24` es igual a 12:</a:t>
+            </a:r>
+          </a:p>
+          <a:p>
+            <a:pPr algn="just"/>
+            <a:r>
+              <a:rPr lang="es-ES" sz="1200" dirty="0">
+                <a:solidFill>
+                  <a:schemeClr val="tx1"/>
+                </a:solidFill>
+              </a:rPr>
+              <a:t>        Imprime "Trabajaste hasta la 12 pm", `hora24` y `min`.</a:t>
+            </a:r>
+          </a:p>
+          <a:p>
+            <a:pPr algn="just"/>
+            <a:r>
+              <a:rPr lang="es-ES" sz="1200" dirty="0">
+                <a:solidFill>
+                  <a:schemeClr val="tx1"/>
+                </a:solidFill>
+              </a:rPr>
+              <a:t>    Si `hora24` es mayor que 24:</a:t>
+            </a:r>
+          </a:p>
+          <a:p>
+            <a:pPr algn="just"/>
+            <a:r>
+              <a:rPr lang="es-ES" sz="1200" dirty="0">
+                <a:solidFill>
+                  <a:schemeClr val="tx1"/>
+                </a:solidFill>
+              </a:rPr>
+              <a:t>        Imprime "Introduzca horario correctamente".</a:t>
+            </a:r>
+          </a:p>
+          <a:p>
+            <a:pPr algn="just"/>
+            <a:r>
+              <a:rPr lang="es-ES" sz="1200" dirty="0">
+                <a:solidFill>
+                  <a:schemeClr val="tx1"/>
+                </a:solidFill>
+              </a:rPr>
+              <a:t>    Si `hora24` es menor que 12:</a:t>
+            </a:r>
+          </a:p>
+          <a:p>
+            <a:pPr algn="just"/>
+            <a:r>
+              <a:rPr lang="es-ES" sz="1200" dirty="0">
+                <a:solidFill>
+                  <a:schemeClr val="tx1"/>
+                </a:solidFill>
+              </a:rPr>
+              <a:t>        Imprime "Trabajaste hasta la am", `hora24` y `min`.</a:t>
+            </a:r>
+            <a:endParaRPr lang="es-MX" sz="1200" dirty="0">
+              <a:solidFill>
+                <a:schemeClr val="tx1"/>
+              </a:solidFill>
+            </a:endParaRPr>
           </a:p>
         </p:txBody>
       </p:sp>
@@ -32358,7 +35569,7 @@
 </p:sld>
 </file>
 
-<file path=ppt/slides/slide11.xml><?xml version="1.0" encoding="utf-8"?>
+<file path=ppt/slides/slide12.xml><?xml version="1.0" encoding="utf-8"?>
 <p:sld xmlns:a="http://schemas.openxmlformats.org/drawingml/2006/main" xmlns:r="http://schemas.openxmlformats.org/officeDocument/2006/relationships" xmlns:p="http://schemas.openxmlformats.org/presentationml/2006/main">
   <p:cSld>
     <p:spTree>
@@ -32768,6 +35979,126 @@
           </a:p>
         </p:txBody>
       </p:sp>
+      <p:pic>
+        <p:nvPicPr>
+          <p:cNvPr id="4" name="Picture 3">
+            <a:extLst>
+              <a:ext uri="{FF2B5EF4-FFF2-40B4-BE49-F238E27FC236}">
+                <a16:creationId xmlns:a16="http://schemas.microsoft.com/office/drawing/2014/main" id="{53637C09-9616-2921-A964-CA17B3F7F152}"/>
+              </a:ext>
+            </a:extLst>
+          </p:cNvPr>
+          <p:cNvPicPr>
+            <a:picLocks noChangeAspect="1"/>
+          </p:cNvPicPr>
+          <p:nvPr/>
+        </p:nvPicPr>
+        <p:blipFill>
+          <a:blip r:embed="rId7"/>
+          <a:stretch>
+            <a:fillRect/>
+          </a:stretch>
+        </p:blipFill>
+        <p:spPr>
+          <a:xfrm>
+            <a:off x="-99392" y="1595669"/>
+            <a:ext cx="6858000" cy="3876851"/>
+          </a:xfrm>
+          <a:prstGeom prst="rect">
+            <a:avLst/>
+          </a:prstGeom>
+        </p:spPr>
+      </p:pic>
+      <p:pic>
+        <p:nvPicPr>
+          <p:cNvPr id="6" name="Picture 5">
+            <a:extLst>
+              <a:ext uri="{FF2B5EF4-FFF2-40B4-BE49-F238E27FC236}">
+                <a16:creationId xmlns:a16="http://schemas.microsoft.com/office/drawing/2014/main" id="{74347E14-3B96-57DE-D866-251B94C6B530}"/>
+              </a:ext>
+            </a:extLst>
+          </p:cNvPr>
+          <p:cNvPicPr>
+            <a:picLocks noChangeAspect="1"/>
+          </p:cNvPicPr>
+          <p:nvPr/>
+        </p:nvPicPr>
+        <p:blipFill>
+          <a:blip r:embed="rId8"/>
+          <a:stretch>
+            <a:fillRect/>
+          </a:stretch>
+        </p:blipFill>
+        <p:spPr>
+          <a:xfrm>
+            <a:off x="8335" y="5303493"/>
+            <a:ext cx="6858000" cy="2820902"/>
+          </a:xfrm>
+          <a:prstGeom prst="rect">
+            <a:avLst/>
+          </a:prstGeom>
+        </p:spPr>
+      </p:pic>
+      <p:pic>
+        <p:nvPicPr>
+          <p:cNvPr id="9" name="Picture 8">
+            <a:extLst>
+              <a:ext uri="{FF2B5EF4-FFF2-40B4-BE49-F238E27FC236}">
+                <a16:creationId xmlns:a16="http://schemas.microsoft.com/office/drawing/2014/main" id="{9A411912-E07C-94DF-B9C1-90F3E7FF0A9B}"/>
+              </a:ext>
+            </a:extLst>
+          </p:cNvPr>
+          <p:cNvPicPr>
+            <a:picLocks noChangeAspect="1"/>
+          </p:cNvPicPr>
+          <p:nvPr/>
+        </p:nvPicPr>
+        <p:blipFill>
+          <a:blip r:embed="rId9"/>
+          <a:stretch>
+            <a:fillRect/>
+          </a:stretch>
+        </p:blipFill>
+        <p:spPr>
+          <a:xfrm>
+            <a:off x="1379601" y="7953418"/>
+            <a:ext cx="3520745" cy="1226926"/>
+          </a:xfrm>
+          <a:prstGeom prst="rect">
+            <a:avLst/>
+          </a:prstGeom>
+        </p:spPr>
+      </p:pic>
+      <p:pic>
+        <p:nvPicPr>
+          <p:cNvPr id="15" name="Picture 14">
+            <a:extLst>
+              <a:ext uri="{FF2B5EF4-FFF2-40B4-BE49-F238E27FC236}">
+                <a16:creationId xmlns:a16="http://schemas.microsoft.com/office/drawing/2014/main" id="{BD938591-F4F4-E3D3-8050-85F2C141B294}"/>
+              </a:ext>
+            </a:extLst>
+          </p:cNvPr>
+          <p:cNvPicPr>
+            <a:picLocks noChangeAspect="1"/>
+          </p:cNvPicPr>
+          <p:nvPr/>
+        </p:nvPicPr>
+        <p:blipFill>
+          <a:blip r:embed="rId10"/>
+          <a:stretch>
+            <a:fillRect/>
+          </a:stretch>
+        </p:blipFill>
+        <p:spPr>
+          <a:xfrm>
+            <a:off x="3789040" y="1788584"/>
+            <a:ext cx="2513581" cy="1554292"/>
+          </a:xfrm>
+          <a:prstGeom prst="rect">
+            <a:avLst/>
+          </a:prstGeom>
+        </p:spPr>
+      </p:pic>
     </p:spTree>
     <p:extLst>
       <p:ext uri="{BB962C8B-B14F-4D97-AF65-F5344CB8AC3E}">
@@ -32781,7 +36112,7 @@
 </p:sld>
 </file>
 
-<file path=ppt/slides/slide12.xml><?xml version="1.0" encoding="utf-8"?>
+<file path=ppt/slides/slide13.xml><?xml version="1.0" encoding="utf-8"?>
 <p:sld xmlns:a="http://schemas.openxmlformats.org/drawingml/2006/main" xmlns:r="http://schemas.openxmlformats.org/officeDocument/2006/relationships" xmlns:p="http://schemas.openxmlformats.org/presentationml/2006/main">
   <p:cSld>
     <p:spTree>
@@ -32890,8 +36221,8 @@
         </p:nvSpPr>
         <p:spPr>
           <a:xfrm>
-            <a:off x="239510" y="1788584"/>
-            <a:ext cx="6429849" cy="6298386"/>
+            <a:off x="239510" y="983094"/>
+            <a:ext cx="6429849" cy="7909386"/>
           </a:xfrm>
           <a:prstGeom prst="roundRect">
             <a:avLst/>
@@ -32923,7 +36254,235 @@
           <a:bodyPr lIns="91435" tIns="45718" rIns="91435" bIns="45718" rtlCol="0" anchor="t"/>
           <a:lstStyle/>
           <a:p>
-            <a:endParaRPr lang="es-MX" sz="1200" dirty="0"/>
+            <a:r>
+              <a:rPr lang="es-ES" sz="1200" dirty="0"/>
+              <a:t>Inicio</a:t>
+            </a:r>
+          </a:p>
+          <a:p>
+            <a:endParaRPr lang="es-ES" sz="1200" dirty="0"/>
+          </a:p>
+          <a:p>
+            <a:r>
+              <a:rPr lang="es-ES" sz="1200" dirty="0"/>
+              <a:t>    Imprime "Introduce la hora de salida:"</a:t>
+            </a:r>
+          </a:p>
+          <a:p>
+            <a:r>
+              <a:rPr lang="es-ES" sz="1200" dirty="0"/>
+              <a:t>    Lee hora24</a:t>
+            </a:r>
+          </a:p>
+          <a:p>
+            <a:r>
+              <a:rPr lang="es-ES" sz="1200" dirty="0"/>
+              <a:t>    Imprime "Introduce los minutos:"</a:t>
+            </a:r>
+          </a:p>
+          <a:p>
+            <a:r>
+              <a:rPr lang="es-ES" sz="1200" dirty="0"/>
+              <a:t>    Lee min</a:t>
+            </a:r>
+          </a:p>
+          <a:p>
+            <a:endParaRPr lang="es-ES" sz="1200" dirty="0"/>
+          </a:p>
+          <a:p>
+            <a:r>
+              <a:rPr lang="es-ES" sz="1200" dirty="0"/>
+              <a:t>    Si hora24 = 13 Entonces</a:t>
+            </a:r>
+          </a:p>
+          <a:p>
+            <a:r>
+              <a:rPr lang="es-ES" sz="1200" dirty="0"/>
+              <a:t>        Imprime "Trabajaste hasta la 1:", min, "pm"</a:t>
+            </a:r>
+          </a:p>
+          <a:p>
+            <a:r>
+              <a:rPr lang="es-ES" sz="1200" dirty="0"/>
+              <a:t>    Si hora24 = 14 Entonces</a:t>
+            </a:r>
+          </a:p>
+          <a:p>
+            <a:r>
+              <a:rPr lang="es-ES" sz="1200" dirty="0"/>
+              <a:t>        Imprime "Trabajaste hasta la 2:", min, "pm"</a:t>
+            </a:r>
+          </a:p>
+          <a:p>
+            <a:r>
+              <a:rPr lang="es-ES" sz="1200" dirty="0"/>
+              <a:t>    Si hora24 = 15 Entonces</a:t>
+            </a:r>
+          </a:p>
+          <a:p>
+            <a:r>
+              <a:rPr lang="es-ES" sz="1200" dirty="0"/>
+              <a:t>        Imprime "Trabajaste hasta la 3:", min, "pm1"</a:t>
+            </a:r>
+          </a:p>
+          <a:p>
+            <a:r>
+              <a:rPr lang="es-ES" sz="1200" dirty="0"/>
+              <a:t>    Si hora24 = 16 Entonces</a:t>
+            </a:r>
+          </a:p>
+          <a:p>
+            <a:r>
+              <a:rPr lang="es-ES" sz="1200" dirty="0"/>
+              <a:t>        Imprime "Trabajaste hasta la 4:", min, "pm"</a:t>
+            </a:r>
+          </a:p>
+          <a:p>
+            <a:r>
+              <a:rPr lang="es-ES" sz="1200" dirty="0"/>
+              <a:t>    Si hora24 = 17 Entonces</a:t>
+            </a:r>
+          </a:p>
+          <a:p>
+            <a:r>
+              <a:rPr lang="es-ES" sz="1200" dirty="0"/>
+              <a:t>        Imprime "Trabajaste hasta la 5:", min, "pm"</a:t>
+            </a:r>
+          </a:p>
+          <a:p>
+            <a:r>
+              <a:rPr lang="es-ES" sz="1200" dirty="0"/>
+              <a:t>    Si hora24 = 18 Entonces</a:t>
+            </a:r>
+          </a:p>
+          <a:p>
+            <a:r>
+              <a:rPr lang="es-ES" sz="1200" dirty="0"/>
+              <a:t>        Imprime "Trabajaste hasta la 6:", min, "pm"</a:t>
+            </a:r>
+          </a:p>
+          <a:p>
+            <a:r>
+              <a:rPr lang="es-ES" sz="1200" dirty="0"/>
+              <a:t>    Si hora24 = 19 Entonces</a:t>
+            </a:r>
+          </a:p>
+          <a:p>
+            <a:r>
+              <a:rPr lang="es-ES" sz="1200" dirty="0"/>
+              <a:t>        Imprime "Trabajaste hasta la 7:", min, "pm"</a:t>
+            </a:r>
+          </a:p>
+          <a:p>
+            <a:r>
+              <a:rPr lang="es-ES" sz="1200" dirty="0"/>
+              <a:t>    Si hora24 = 20 Entonces</a:t>
+            </a:r>
+          </a:p>
+          <a:p>
+            <a:r>
+              <a:rPr lang="es-ES" sz="1200" dirty="0"/>
+              <a:t>        Imprime "Trabajaste hasta la 8:", min, "pm"</a:t>
+            </a:r>
+          </a:p>
+          <a:p>
+            <a:r>
+              <a:rPr lang="es-ES" sz="1200" dirty="0"/>
+              <a:t>    Si hora24 = 21 Entonces</a:t>
+            </a:r>
+          </a:p>
+          <a:p>
+            <a:r>
+              <a:rPr lang="es-ES" sz="1200" dirty="0"/>
+              <a:t>        Imprime "Trabajaste hasta la 9:", min, "pm"</a:t>
+            </a:r>
+          </a:p>
+          <a:p>
+            <a:r>
+              <a:rPr lang="es-ES" sz="1200" dirty="0"/>
+              <a:t>    Si hora24 = 22 Entonces</a:t>
+            </a:r>
+          </a:p>
+          <a:p>
+            <a:r>
+              <a:rPr lang="es-ES" sz="1200" dirty="0"/>
+              <a:t>        Imprime "Trabajaste hasta la 10:", min, "pm"</a:t>
+            </a:r>
+          </a:p>
+          <a:p>
+            <a:r>
+              <a:rPr lang="es-ES" sz="1200" dirty="0"/>
+              <a:t>    Si hora24 = 23 Entonces</a:t>
+            </a:r>
+          </a:p>
+          <a:p>
+            <a:r>
+              <a:rPr lang="es-ES" sz="1200" dirty="0"/>
+              <a:t>        Imprime "Trabajaste hasta la 11:", min, "pm"</a:t>
+            </a:r>
+          </a:p>
+          <a:p>
+            <a:r>
+              <a:rPr lang="es-ES" sz="1200" dirty="0"/>
+              <a:t>    Si hora24 = 24 Entonces</a:t>
+            </a:r>
+          </a:p>
+          <a:p>
+            <a:r>
+              <a:rPr lang="es-ES" sz="1200" dirty="0"/>
+              <a:t>        Imprime "Trabajaste hasta la 12:", min, "pm"</a:t>
+            </a:r>
+          </a:p>
+          <a:p>
+            <a:r>
+              <a:rPr lang="es-ES" sz="1200" dirty="0"/>
+              <a:t>    Si no</a:t>
+            </a:r>
+          </a:p>
+          <a:p>
+            <a:r>
+              <a:rPr lang="es-ES" sz="1200" dirty="0"/>
+              <a:t>        Si hora24 = 12 Entonces</a:t>
+            </a:r>
+          </a:p>
+          <a:p>
+            <a:r>
+              <a:rPr lang="es-ES" sz="1200" dirty="0"/>
+              <a:t>            Imprime "Trabajaste hasta la", hora24, ":", min, "pm"</a:t>
+            </a:r>
+          </a:p>
+          <a:p>
+            <a:r>
+              <a:rPr lang="es-ES" sz="1200" dirty="0"/>
+              <a:t>        Si hora24 &gt; 24 Entonces</a:t>
+            </a:r>
+          </a:p>
+          <a:p>
+            <a:r>
+              <a:rPr lang="es-ES" sz="1200" dirty="0"/>
+              <a:t>            Imprime "Introduzca horario correctamente"</a:t>
+            </a:r>
+          </a:p>
+          <a:p>
+            <a:r>
+              <a:rPr lang="es-ES" sz="1200" dirty="0"/>
+              <a:t>        Si hora24 &lt; 12 Entonces</a:t>
+            </a:r>
+          </a:p>
+          <a:p>
+            <a:r>
+              <a:rPr lang="es-ES" sz="1200" dirty="0"/>
+              <a:t>            Imprime "Trabajaste hasta la", hora24, ":", min, "am"</a:t>
+            </a:r>
+          </a:p>
+          <a:p>
+            <a:endParaRPr lang="es-ES" sz="1200" dirty="0"/>
+          </a:p>
+          <a:p>
+            <a:r>
+              <a:rPr lang="es-ES" sz="1200" dirty="0"/>
+              <a:t>Fin</a:t>
+            </a:r>
           </a:p>
         </p:txBody>
       </p:sp>
@@ -32941,7 +36500,7 @@
         </p:nvSpPr>
         <p:spPr>
           <a:xfrm>
-            <a:off x="1813320" y="1060810"/>
+            <a:off x="1988838" y="878582"/>
             <a:ext cx="2795374" cy="576064"/>
           </a:xfrm>
           <a:prstGeom prst="roundRect">
@@ -33241,7 +36800,7 @@
 </p:sld>
 </file>
 
-<file path=ppt/slides/slide13.xml><?xml version="1.0" encoding="utf-8"?>
+<file path=ppt/slides/slide14.xml><?xml version="1.0" encoding="utf-8"?>
 <p:sld xmlns:a="http://schemas.openxmlformats.org/drawingml/2006/main" xmlns:r="http://schemas.openxmlformats.org/officeDocument/2006/relationships" xmlns:p="http://schemas.openxmlformats.org/presentationml/2006/main">
   <p:cSld>
     <p:spTree>
@@ -33331,8 +36890,8 @@
         </p:nvSpPr>
         <p:spPr>
           <a:xfrm>
-            <a:off x="255585" y="1231952"/>
-            <a:ext cx="6485783" cy="6796432"/>
+            <a:off x="32608" y="899592"/>
+            <a:ext cx="3819280" cy="7488832"/>
           </a:xfrm>
           <a:prstGeom prst="roundRect">
             <a:avLst/>
@@ -33363,6 +36922,380 @@
         <p:txBody>
           <a:bodyPr lIns="91435" tIns="45718" rIns="91435" bIns="45718" rtlCol="0" anchor="t"/>
           <a:lstStyle/>
+          <a:p>
+            <a:r>
+              <a:rPr lang="es-MX" sz="1200" dirty="0"/>
+              <a:t>#include &lt;</a:t>
+            </a:r>
+            <a:r>
+              <a:rPr lang="es-MX" sz="1200" dirty="0" err="1"/>
+              <a:t>stdio.h</a:t>
+            </a:r>
+            <a:r>
+              <a:rPr lang="es-MX" sz="1200" dirty="0"/>
+              <a:t>&gt;</a:t>
+            </a:r>
+          </a:p>
+          <a:p>
+            <a:endParaRPr lang="es-MX" sz="1200" dirty="0"/>
+          </a:p>
+          <a:p>
+            <a:r>
+              <a:rPr lang="es-MX" sz="1200" dirty="0" err="1"/>
+              <a:t>void</a:t>
+            </a:r>
+            <a:r>
+              <a:rPr lang="es-MX" sz="1200" dirty="0"/>
+              <a:t> </a:t>
+            </a:r>
+            <a:r>
+              <a:rPr lang="es-MX" sz="1200" dirty="0" err="1"/>
+              <a:t>main</a:t>
+            </a:r>
+            <a:r>
+              <a:rPr lang="es-MX" sz="1200" dirty="0"/>
+              <a:t>() {</a:t>
+            </a:r>
+          </a:p>
+          <a:p>
+            <a:r>
+              <a:rPr lang="es-MX" sz="1200" dirty="0"/>
+              <a:t>    </a:t>
+            </a:r>
+            <a:r>
+              <a:rPr lang="es-MX" sz="1200" dirty="0" err="1"/>
+              <a:t>int</a:t>
+            </a:r>
+            <a:r>
+              <a:rPr lang="es-MX" sz="1200" dirty="0"/>
+              <a:t> hora24;</a:t>
+            </a:r>
+          </a:p>
+          <a:p>
+            <a:r>
+              <a:rPr lang="es-MX" sz="1200" dirty="0"/>
+              <a:t>    </a:t>
+            </a:r>
+            <a:r>
+              <a:rPr lang="es-MX" sz="1200" dirty="0" err="1"/>
+              <a:t>float</a:t>
+            </a:r>
+            <a:r>
+              <a:rPr lang="es-MX" sz="1200" dirty="0"/>
+              <a:t> min;</a:t>
+            </a:r>
+          </a:p>
+          <a:p>
+            <a:endParaRPr lang="es-MX" sz="1200" dirty="0"/>
+          </a:p>
+          <a:p>
+            <a:r>
+              <a:rPr lang="es-MX" sz="1200" dirty="0"/>
+              <a:t>    </a:t>
+            </a:r>
+            <a:r>
+              <a:rPr lang="es-MX" sz="1200" dirty="0" err="1"/>
+              <a:t>printf</a:t>
+            </a:r>
+            <a:r>
+              <a:rPr lang="es-MX" sz="1200" dirty="0"/>
+              <a:t>("Introduce la hora de salida:");</a:t>
+            </a:r>
+          </a:p>
+          <a:p>
+            <a:r>
+              <a:rPr lang="es-MX" sz="1200" dirty="0"/>
+              <a:t>    </a:t>
+            </a:r>
+            <a:r>
+              <a:rPr lang="es-MX" sz="1200" dirty="0" err="1"/>
+              <a:t>scanf</a:t>
+            </a:r>
+            <a:r>
+              <a:rPr lang="es-MX" sz="1200" dirty="0"/>
+              <a:t>("%i",&amp;hora24);</a:t>
+            </a:r>
+          </a:p>
+          <a:p>
+            <a:r>
+              <a:rPr lang="es-MX" sz="1200" dirty="0"/>
+              <a:t>    </a:t>
+            </a:r>
+            <a:r>
+              <a:rPr lang="es-MX" sz="1200" dirty="0" err="1"/>
+              <a:t>printf</a:t>
+            </a:r>
+            <a:r>
+              <a:rPr lang="es-MX" sz="1200" dirty="0"/>
+              <a:t>("Introduce los minutos:");</a:t>
+            </a:r>
+          </a:p>
+          <a:p>
+            <a:r>
+              <a:rPr lang="es-MX" sz="1200" dirty="0"/>
+              <a:t>    </a:t>
+            </a:r>
+            <a:r>
+              <a:rPr lang="es-MX" sz="1200" dirty="0" err="1"/>
+              <a:t>scanf</a:t>
+            </a:r>
+            <a:r>
+              <a:rPr lang="es-MX" sz="1200" dirty="0"/>
+              <a:t>("%</a:t>
+            </a:r>
+            <a:r>
+              <a:rPr lang="es-MX" sz="1200" dirty="0" err="1"/>
+              <a:t>f",&amp;min</a:t>
+            </a:r>
+            <a:r>
+              <a:rPr lang="es-MX" sz="1200" dirty="0"/>
+              <a:t>);</a:t>
+            </a:r>
+          </a:p>
+          <a:p>
+            <a:r>
+              <a:rPr lang="es-MX" sz="1200" dirty="0"/>
+              <a:t>    switch (hora24) {</a:t>
+            </a:r>
+          </a:p>
+          <a:p>
+            <a:r>
+              <a:rPr lang="es-MX" sz="1200" dirty="0"/>
+              <a:t>        case 13:</a:t>
+            </a:r>
+          </a:p>
+          <a:p>
+            <a:r>
+              <a:rPr lang="es-MX" sz="1200" dirty="0"/>
+              <a:t>            </a:t>
+            </a:r>
+            <a:r>
+              <a:rPr lang="es-MX" sz="1200" dirty="0" err="1"/>
+              <a:t>printf</a:t>
+            </a:r>
+            <a:r>
+              <a:rPr lang="es-MX" sz="1200" dirty="0"/>
+              <a:t>("</a:t>
+            </a:r>
+            <a:r>
+              <a:rPr lang="es-MX" sz="1200" dirty="0" err="1"/>
+              <a:t>Trabjaste</a:t>
+            </a:r>
+            <a:r>
+              <a:rPr lang="es-MX" sz="1200" dirty="0"/>
+              <a:t> hasta la 1:%.0fpm",min);</a:t>
+            </a:r>
+          </a:p>
+          <a:p>
+            <a:r>
+              <a:rPr lang="es-MX" sz="1200" dirty="0"/>
+              <a:t>            break;</a:t>
+            </a:r>
+          </a:p>
+          <a:p>
+            <a:r>
+              <a:rPr lang="es-MX" sz="1200" dirty="0"/>
+              <a:t>        case 14:</a:t>
+            </a:r>
+          </a:p>
+          <a:p>
+            <a:r>
+              <a:rPr lang="es-MX" sz="1200" dirty="0"/>
+              <a:t>            </a:t>
+            </a:r>
+            <a:r>
+              <a:rPr lang="es-MX" sz="1200" dirty="0" err="1"/>
+              <a:t>printf</a:t>
+            </a:r>
+            <a:r>
+              <a:rPr lang="es-MX" sz="1200" dirty="0"/>
+              <a:t>("</a:t>
+            </a:r>
+            <a:r>
+              <a:rPr lang="es-MX" sz="1200" dirty="0" err="1"/>
+              <a:t>Trabjaste</a:t>
+            </a:r>
+            <a:r>
+              <a:rPr lang="es-MX" sz="1200" dirty="0"/>
+              <a:t> hasta la 2:%.0fpm",min);</a:t>
+            </a:r>
+          </a:p>
+          <a:p>
+            <a:r>
+              <a:rPr lang="es-MX" sz="1200" dirty="0"/>
+              <a:t>            break;</a:t>
+            </a:r>
+          </a:p>
+          <a:p>
+            <a:r>
+              <a:rPr lang="es-MX" sz="1200" dirty="0"/>
+              <a:t>        case 15:</a:t>
+            </a:r>
+          </a:p>
+          <a:p>
+            <a:r>
+              <a:rPr lang="es-MX" sz="1200" dirty="0"/>
+              <a:t>            </a:t>
+            </a:r>
+            <a:r>
+              <a:rPr lang="es-MX" sz="1200" dirty="0" err="1"/>
+              <a:t>printf</a:t>
+            </a:r>
+            <a:r>
+              <a:rPr lang="es-MX" sz="1200" dirty="0"/>
+              <a:t>("</a:t>
+            </a:r>
+            <a:r>
+              <a:rPr lang="es-MX" sz="1200" dirty="0" err="1"/>
+              <a:t>Trabjaste</a:t>
+            </a:r>
+            <a:r>
+              <a:rPr lang="es-MX" sz="1200" dirty="0"/>
+              <a:t> hasta la 3:%.0fpm1",min);</a:t>
+            </a:r>
+          </a:p>
+          <a:p>
+            <a:r>
+              <a:rPr lang="es-MX" sz="1200" dirty="0"/>
+              <a:t>            break;</a:t>
+            </a:r>
+          </a:p>
+          <a:p>
+            <a:r>
+              <a:rPr lang="es-MX" sz="1200" dirty="0"/>
+              <a:t>        case 16:</a:t>
+            </a:r>
+          </a:p>
+          <a:p>
+            <a:r>
+              <a:rPr lang="es-MX" sz="1200" dirty="0"/>
+              <a:t>            </a:t>
+            </a:r>
+            <a:r>
+              <a:rPr lang="es-MX" sz="1200" dirty="0" err="1"/>
+              <a:t>printf</a:t>
+            </a:r>
+            <a:r>
+              <a:rPr lang="es-MX" sz="1200" dirty="0"/>
+              <a:t>("</a:t>
+            </a:r>
+            <a:r>
+              <a:rPr lang="es-MX" sz="1200" dirty="0" err="1"/>
+              <a:t>Trabjaste</a:t>
+            </a:r>
+            <a:r>
+              <a:rPr lang="es-MX" sz="1200" dirty="0"/>
+              <a:t> hasta la 4:%.0fpm",min);</a:t>
+            </a:r>
+          </a:p>
+          <a:p>
+            <a:r>
+              <a:rPr lang="es-MX" sz="1200" dirty="0"/>
+              <a:t>            break;</a:t>
+            </a:r>
+          </a:p>
+          <a:p>
+            <a:r>
+              <a:rPr lang="es-MX" sz="1200" dirty="0"/>
+              <a:t>        case 17:</a:t>
+            </a:r>
+          </a:p>
+          <a:p>
+            <a:r>
+              <a:rPr lang="es-MX" sz="1200" dirty="0"/>
+              <a:t>            </a:t>
+            </a:r>
+            <a:r>
+              <a:rPr lang="es-MX" sz="1200" dirty="0" err="1"/>
+              <a:t>printf</a:t>
+            </a:r>
+            <a:r>
+              <a:rPr lang="es-MX" sz="1200" dirty="0"/>
+              <a:t>("</a:t>
+            </a:r>
+            <a:r>
+              <a:rPr lang="es-MX" sz="1200" dirty="0" err="1"/>
+              <a:t>Trabjaste</a:t>
+            </a:r>
+            <a:r>
+              <a:rPr lang="es-MX" sz="1200" dirty="0"/>
+              <a:t> hasta la 5:%.0fpm",min);</a:t>
+            </a:r>
+          </a:p>
+          <a:p>
+            <a:r>
+              <a:rPr lang="es-MX" sz="1200" dirty="0"/>
+              <a:t>            break;</a:t>
+            </a:r>
+          </a:p>
+          <a:p>
+            <a:r>
+              <a:rPr lang="es-MX" sz="1200" dirty="0"/>
+              <a:t>        case 18:</a:t>
+            </a:r>
+          </a:p>
+          <a:p>
+            <a:r>
+              <a:rPr lang="es-MX" sz="1200" dirty="0"/>
+              <a:t>            </a:t>
+            </a:r>
+            <a:r>
+              <a:rPr lang="es-MX" sz="1200" dirty="0" err="1"/>
+              <a:t>printf</a:t>
+            </a:r>
+            <a:r>
+              <a:rPr lang="es-MX" sz="1200" dirty="0"/>
+              <a:t>("</a:t>
+            </a:r>
+            <a:r>
+              <a:rPr lang="es-MX" sz="1200" dirty="0" err="1"/>
+              <a:t>Trabjaste</a:t>
+            </a:r>
+            <a:r>
+              <a:rPr lang="es-MX" sz="1200" dirty="0"/>
+              <a:t> hasta la 6:%.0fpm",min);</a:t>
+            </a:r>
+          </a:p>
+          <a:p>
+            <a:r>
+              <a:rPr lang="es-MX" sz="1200" dirty="0"/>
+              <a:t>            break;</a:t>
+            </a:r>
+          </a:p>
+          <a:p>
+            <a:r>
+              <a:rPr lang="es-MX" sz="1200" dirty="0"/>
+              <a:t>        case 19:</a:t>
+            </a:r>
+          </a:p>
+          <a:p>
+            <a:r>
+              <a:rPr lang="es-MX" sz="1200" dirty="0"/>
+              <a:t>            </a:t>
+            </a:r>
+            <a:r>
+              <a:rPr lang="es-MX" sz="1200" dirty="0" err="1"/>
+              <a:t>printf</a:t>
+            </a:r>
+            <a:r>
+              <a:rPr lang="es-MX" sz="1200" dirty="0"/>
+              <a:t>("</a:t>
+            </a:r>
+            <a:r>
+              <a:rPr lang="es-MX" sz="1200" dirty="0" err="1"/>
+              <a:t>Trabjaste</a:t>
+            </a:r>
+            <a:r>
+              <a:rPr lang="es-MX" sz="1200" dirty="0"/>
+              <a:t> hasta la 7:%.0fpm",min);</a:t>
+            </a:r>
+          </a:p>
+          <a:p>
+            <a:r>
+              <a:rPr lang="es-MX" sz="1200" dirty="0"/>
+              <a:t>            break;</a:t>
+            </a:r>
+          </a:p>
           <a:p>
             <a:endParaRPr lang="es-MX" sz="1200" dirty="0"/>
           </a:p>
@@ -33602,6 +37535,380 @@
           </a:p>
         </p:txBody>
       </p:sp>
+      <p:sp>
+        <p:nvSpPr>
+          <p:cNvPr id="4" name="2 Rectángulo redondeado">
+            <a:extLst>
+              <a:ext uri="{FF2B5EF4-FFF2-40B4-BE49-F238E27FC236}">
+                <a16:creationId xmlns:a16="http://schemas.microsoft.com/office/drawing/2014/main" id="{513DED18-0E0D-AA2E-20AB-86B1297ED0B9}"/>
+              </a:ext>
+            </a:extLst>
+          </p:cNvPr>
+          <p:cNvSpPr/>
+          <p:nvPr/>
+        </p:nvSpPr>
+        <p:spPr>
+          <a:xfrm>
+            <a:off x="4016882" y="781932"/>
+            <a:ext cx="2841118" cy="7606492"/>
+          </a:xfrm>
+          <a:prstGeom prst="roundRect">
+            <a:avLst/>
+          </a:prstGeom>
+          <a:effectLst>
+            <a:glow rad="228600">
+              <a:schemeClr val="accent4">
+                <a:satMod val="175000"/>
+                <a:alpha val="40000"/>
+              </a:schemeClr>
+            </a:glow>
+          </a:effectLst>
+        </p:spPr>
+        <p:style>
+          <a:lnRef idx="2">
+            <a:schemeClr val="accent4"/>
+          </a:lnRef>
+          <a:fillRef idx="1">
+            <a:schemeClr val="lt1"/>
+          </a:fillRef>
+          <a:effectRef idx="0">
+            <a:schemeClr val="accent4"/>
+          </a:effectRef>
+          <a:fontRef idx="minor">
+            <a:schemeClr val="dk1"/>
+          </a:fontRef>
+        </p:style>
+        <p:txBody>
+          <a:bodyPr lIns="91435" tIns="45718" rIns="91435" bIns="45718" rtlCol="0" anchor="t"/>
+          <a:lstStyle/>
+          <a:p>
+            <a:r>
+              <a:rPr lang="es-MX" sz="1200" dirty="0"/>
+              <a:t>case 20:</a:t>
+            </a:r>
+          </a:p>
+          <a:p>
+            <a:r>
+              <a:rPr lang="es-MX" sz="1200" dirty="0"/>
+              <a:t>            </a:t>
+            </a:r>
+            <a:r>
+              <a:rPr lang="es-MX" sz="1200" dirty="0" err="1"/>
+              <a:t>printf</a:t>
+            </a:r>
+            <a:r>
+              <a:rPr lang="es-MX" sz="1200" dirty="0"/>
+              <a:t>("</a:t>
+            </a:r>
+            <a:r>
+              <a:rPr lang="es-MX" sz="1200" dirty="0" err="1"/>
+              <a:t>Trabjaste</a:t>
+            </a:r>
+            <a:r>
+              <a:rPr lang="es-MX" sz="1200" dirty="0"/>
+              <a:t> hasta la 8:%.0fpm",min);</a:t>
+            </a:r>
+          </a:p>
+          <a:p>
+            <a:r>
+              <a:rPr lang="es-MX" sz="1200" dirty="0"/>
+              <a:t>            break;</a:t>
+            </a:r>
+          </a:p>
+          <a:p>
+            <a:r>
+              <a:rPr lang="es-MX" sz="1200" dirty="0"/>
+              <a:t>        case 21:</a:t>
+            </a:r>
+          </a:p>
+          <a:p>
+            <a:r>
+              <a:rPr lang="es-MX" sz="1200" dirty="0"/>
+              <a:t>            </a:t>
+            </a:r>
+            <a:r>
+              <a:rPr lang="es-MX" sz="1200" dirty="0" err="1"/>
+              <a:t>printf</a:t>
+            </a:r>
+            <a:r>
+              <a:rPr lang="es-MX" sz="1200" dirty="0"/>
+              <a:t>("</a:t>
+            </a:r>
+            <a:r>
+              <a:rPr lang="es-MX" sz="1200" dirty="0" err="1"/>
+              <a:t>Trabjaste</a:t>
+            </a:r>
+            <a:r>
+              <a:rPr lang="es-MX" sz="1200" dirty="0"/>
+              <a:t> hasta la 9:%.0fpm",min);</a:t>
+            </a:r>
+          </a:p>
+          <a:p>
+            <a:r>
+              <a:rPr lang="es-MX" sz="1200" dirty="0"/>
+              <a:t>            break;</a:t>
+            </a:r>
+          </a:p>
+          <a:p>
+            <a:r>
+              <a:rPr lang="es-MX" sz="1200" dirty="0"/>
+              <a:t>        case 22:</a:t>
+            </a:r>
+          </a:p>
+          <a:p>
+            <a:r>
+              <a:rPr lang="es-MX" sz="1200" dirty="0"/>
+              <a:t>            </a:t>
+            </a:r>
+            <a:r>
+              <a:rPr lang="es-MX" sz="1200" dirty="0" err="1"/>
+              <a:t>printf</a:t>
+            </a:r>
+            <a:r>
+              <a:rPr lang="es-MX" sz="1200" dirty="0"/>
+              <a:t>("</a:t>
+            </a:r>
+            <a:r>
+              <a:rPr lang="es-MX" sz="1200" dirty="0" err="1"/>
+              <a:t>Trabjaste</a:t>
+            </a:r>
+            <a:r>
+              <a:rPr lang="es-MX" sz="1200" dirty="0"/>
+              <a:t> hasta la 10:%.0fpm",min);</a:t>
+            </a:r>
+          </a:p>
+          <a:p>
+            <a:r>
+              <a:rPr lang="es-MX" sz="1200" dirty="0"/>
+              <a:t>            break;</a:t>
+            </a:r>
+          </a:p>
+          <a:p>
+            <a:r>
+              <a:rPr lang="es-MX" sz="1200" dirty="0"/>
+              <a:t>        case 23:</a:t>
+            </a:r>
+          </a:p>
+          <a:p>
+            <a:r>
+              <a:rPr lang="es-MX" sz="1200" dirty="0"/>
+              <a:t>            </a:t>
+            </a:r>
+            <a:r>
+              <a:rPr lang="es-MX" sz="1200" dirty="0" err="1"/>
+              <a:t>printf</a:t>
+            </a:r>
+            <a:r>
+              <a:rPr lang="es-MX" sz="1200" dirty="0"/>
+              <a:t>("</a:t>
+            </a:r>
+            <a:r>
+              <a:rPr lang="es-MX" sz="1200" dirty="0" err="1"/>
+              <a:t>Trabjaste</a:t>
+            </a:r>
+            <a:r>
+              <a:rPr lang="es-MX" sz="1200" dirty="0"/>
+              <a:t> hasta la 11:%.0fpm",min);</a:t>
+            </a:r>
+          </a:p>
+          <a:p>
+            <a:r>
+              <a:rPr lang="es-MX" sz="1200" dirty="0"/>
+              <a:t>            break;</a:t>
+            </a:r>
+          </a:p>
+          <a:p>
+            <a:r>
+              <a:rPr lang="es-MX" sz="1200" dirty="0"/>
+              <a:t>        case 24:</a:t>
+            </a:r>
+          </a:p>
+          <a:p>
+            <a:r>
+              <a:rPr lang="es-MX" sz="1200" dirty="0"/>
+              <a:t>            </a:t>
+            </a:r>
+            <a:r>
+              <a:rPr lang="es-MX" sz="1200" dirty="0" err="1"/>
+              <a:t>printf</a:t>
+            </a:r>
+            <a:r>
+              <a:rPr lang="es-MX" sz="1200" dirty="0"/>
+              <a:t>("</a:t>
+            </a:r>
+            <a:r>
+              <a:rPr lang="es-MX" sz="1200" dirty="0" err="1"/>
+              <a:t>Trabjaste</a:t>
+            </a:r>
+            <a:r>
+              <a:rPr lang="es-MX" sz="1200" dirty="0"/>
+              <a:t> hasta la 12:%.0fpm",min);</a:t>
+            </a:r>
+          </a:p>
+          <a:p>
+            <a:r>
+              <a:rPr lang="es-MX" sz="1200" dirty="0"/>
+              <a:t>            break;</a:t>
+            </a:r>
+          </a:p>
+          <a:p>
+            <a:r>
+              <a:rPr lang="es-MX" sz="1200" dirty="0"/>
+              <a:t>        default:</a:t>
+            </a:r>
+          </a:p>
+          <a:p>
+            <a:r>
+              <a:rPr lang="es-MX" sz="1200" dirty="0"/>
+              <a:t>            </a:t>
+            </a:r>
+            <a:r>
+              <a:rPr lang="es-MX" sz="1200" dirty="0" err="1"/>
+              <a:t>if</a:t>
+            </a:r>
+            <a:r>
+              <a:rPr lang="es-MX" sz="1200" dirty="0"/>
+              <a:t>(hora24==12){</a:t>
+            </a:r>
+          </a:p>
+          <a:p>
+            <a:r>
+              <a:rPr lang="es-MX" sz="1200" dirty="0"/>
+              <a:t>                </a:t>
+            </a:r>
+            <a:r>
+              <a:rPr lang="es-MX" sz="1200" dirty="0" err="1"/>
+              <a:t>printf</a:t>
+            </a:r>
+            <a:r>
+              <a:rPr lang="es-MX" sz="1200" dirty="0"/>
+              <a:t>("Trabajaste hasta la %i:%.0fpm",hora24,min);</a:t>
+            </a:r>
+          </a:p>
+          <a:p>
+            <a:r>
+              <a:rPr lang="es-MX" sz="1200" dirty="0"/>
+              <a:t>            }</a:t>
+            </a:r>
+          </a:p>
+          <a:p>
+            <a:r>
+              <a:rPr lang="es-MX" sz="1200" dirty="0"/>
+              <a:t>            </a:t>
+            </a:r>
+            <a:r>
+              <a:rPr lang="es-MX" sz="1200" dirty="0" err="1"/>
+              <a:t>if</a:t>
+            </a:r>
+            <a:r>
+              <a:rPr lang="es-MX" sz="1200" dirty="0"/>
+              <a:t>(hora24&gt;24){</a:t>
+            </a:r>
+          </a:p>
+          <a:p>
+            <a:r>
+              <a:rPr lang="es-MX" sz="1200" dirty="0"/>
+              <a:t>                </a:t>
+            </a:r>
+            <a:r>
+              <a:rPr lang="es-MX" sz="1200" dirty="0" err="1"/>
+              <a:t>printf</a:t>
+            </a:r>
+            <a:r>
+              <a:rPr lang="es-MX" sz="1200" dirty="0"/>
+              <a:t>("Introduzca horario correctamente");</a:t>
+            </a:r>
+          </a:p>
+          <a:p>
+            <a:r>
+              <a:rPr lang="es-MX" sz="1200" dirty="0"/>
+              <a:t>            }</a:t>
+            </a:r>
+          </a:p>
+          <a:p>
+            <a:r>
+              <a:rPr lang="es-MX" sz="1200" dirty="0"/>
+              <a:t>            </a:t>
+            </a:r>
+            <a:r>
+              <a:rPr lang="es-MX" sz="1200" dirty="0" err="1"/>
+              <a:t>if</a:t>
+            </a:r>
+            <a:r>
+              <a:rPr lang="es-MX" sz="1200" dirty="0"/>
+              <a:t>(hora24&lt;12){</a:t>
+            </a:r>
+          </a:p>
+          <a:p>
+            <a:r>
+              <a:rPr lang="es-MX" sz="1200" dirty="0"/>
+              <a:t>                </a:t>
+            </a:r>
+            <a:r>
+              <a:rPr lang="es-MX" sz="1200" dirty="0" err="1"/>
+              <a:t>printf</a:t>
+            </a:r>
+            <a:r>
+              <a:rPr lang="es-MX" sz="1200" dirty="0"/>
+              <a:t>("Trabajaste hasta la %i:%.0fam",hora24,min);</a:t>
+            </a:r>
+          </a:p>
+          <a:p>
+            <a:endParaRPr lang="es-MX" sz="1200" dirty="0"/>
+          </a:p>
+          <a:p>
+            <a:r>
+              <a:rPr lang="es-MX" sz="1200" dirty="0"/>
+              <a:t>            }</a:t>
+            </a:r>
+          </a:p>
+          <a:p>
+            <a:r>
+              <a:rPr lang="es-MX" sz="1200" dirty="0"/>
+              <a:t>    }</a:t>
+            </a:r>
+          </a:p>
+          <a:p>
+            <a:endParaRPr lang="es-MX" sz="1200" dirty="0"/>
+          </a:p>
+          <a:p>
+            <a:r>
+              <a:rPr lang="es-MX" sz="1200" dirty="0"/>
+              <a:t>}</a:t>
+            </a:r>
+          </a:p>
+        </p:txBody>
+      </p:sp>
+      <p:pic>
+        <p:nvPicPr>
+          <p:cNvPr id="6" name="Picture 5">
+            <a:extLst>
+              <a:ext uri="{FF2B5EF4-FFF2-40B4-BE49-F238E27FC236}">
+                <a16:creationId xmlns:a16="http://schemas.microsoft.com/office/drawing/2014/main" id="{7DD2FDD1-75D2-650B-3DF8-FB7EED6B20E4}"/>
+              </a:ext>
+            </a:extLst>
+          </p:cNvPr>
+          <p:cNvPicPr>
+            <a:picLocks noChangeAspect="1"/>
+          </p:cNvPicPr>
+          <p:nvPr/>
+        </p:nvPicPr>
+        <p:blipFill>
+          <a:blip r:embed="rId7"/>
+          <a:stretch>
+            <a:fillRect/>
+          </a:stretch>
+        </p:blipFill>
+        <p:spPr>
+          <a:xfrm>
+            <a:off x="2616769" y="7975750"/>
+            <a:ext cx="3033023" cy="1287892"/>
+          </a:xfrm>
+          <a:prstGeom prst="rect">
+            <a:avLst/>
+          </a:prstGeom>
+        </p:spPr>
+      </p:pic>
     </p:spTree>
     <p:extLst>
       <p:ext uri="{BB962C8B-B14F-4D97-AF65-F5344CB8AC3E}">
@@ -34255,12 +38562,20 @@
           </a:p>
           <a:p>
             <a:r>
+              <a:rPr lang="es-MX" sz="1400">
+                <a:solidFill>
+                  <a:schemeClr val="tx1"/>
+                </a:solidFill>
+              </a:rPr>
+              <a:t>division </a:t>
+            </a:r>
+            <a:r>
               <a:rPr lang="es-MX" sz="1400" dirty="0">
                 <a:solidFill>
                   <a:schemeClr val="tx1"/>
                 </a:solidFill>
               </a:rPr>
-              <a:t>suma = x/y</a:t>
+              <a:t>= x/y</a:t>
             </a:r>
           </a:p>
           <a:p>
@@ -34902,7 +39217,420 @@
           <a:bodyPr lIns="91435" tIns="45718" rIns="91435" bIns="45718" rtlCol="0" anchor="t"/>
           <a:lstStyle/>
           <a:p>
+            <a:r>
+              <a:rPr lang="es-MX" sz="1200" dirty="0"/>
+              <a:t>Inicio </a:t>
+            </a:r>
+          </a:p>
+          <a:p>
+            <a:r>
+              <a:rPr lang="es-MX" sz="1200" dirty="0"/>
+              <a:t>     Imprime “Las opciones son 1-Suma 2-Resta 3-Multiplicacion 4-Division”</a:t>
+            </a:r>
+          </a:p>
+          <a:p>
+            <a:r>
+              <a:rPr lang="es-MX" sz="1200" dirty="0"/>
+              <a:t>     Imprime “Introduzca el valor de x”</a:t>
+            </a:r>
+          </a:p>
+          <a:p>
+            <a:r>
+              <a:rPr lang="es-MX" sz="1200" dirty="0"/>
+              <a:t>     Lee x</a:t>
+            </a:r>
+          </a:p>
+          <a:p>
+            <a:r>
+              <a:rPr lang="es-MX" sz="1200" dirty="0"/>
+              <a:t>     Imprime “Introduzca el valor de y”</a:t>
+            </a:r>
+          </a:p>
+          <a:p>
+            <a:r>
+              <a:rPr lang="es-MX" sz="1200" dirty="0"/>
+              <a:t>     Lee y</a:t>
+            </a:r>
+          </a:p>
+          <a:p>
+            <a:r>
+              <a:rPr lang="es-MX" sz="1200" dirty="0"/>
+              <a:t>     Imprime “Introduzca la operación a realizar”</a:t>
+            </a:r>
+          </a:p>
+          <a:p>
+            <a:r>
+              <a:rPr lang="es-MX" sz="1200" dirty="0"/>
+              <a:t>     Lee </a:t>
+            </a:r>
+            <a:r>
+              <a:rPr lang="es-MX" sz="1200" dirty="0" err="1"/>
+              <a:t>opt</a:t>
+            </a:r>
             <a:endParaRPr lang="es-MX" sz="1200" dirty="0"/>
+          </a:p>
+          <a:p>
+            <a:r>
+              <a:rPr lang="es-MX" sz="1200" dirty="0"/>
+              <a:t>     </a:t>
+            </a:r>
+            <a:r>
+              <a:rPr lang="es-MX" sz="1200" dirty="0">
+                <a:solidFill>
+                  <a:schemeClr val="tx1"/>
+                </a:solidFill>
+              </a:rPr>
+              <a:t>Si </a:t>
+            </a:r>
+            <a:r>
+              <a:rPr lang="es-MX" sz="1200" dirty="0" err="1">
+                <a:solidFill>
+                  <a:schemeClr val="tx1"/>
+                </a:solidFill>
+              </a:rPr>
+              <a:t>opt</a:t>
+            </a:r>
+            <a:r>
+              <a:rPr lang="es-MX" sz="1200" dirty="0">
+                <a:solidFill>
+                  <a:schemeClr val="tx1"/>
+                </a:solidFill>
+              </a:rPr>
+              <a:t>= 1:</a:t>
+            </a:r>
+          </a:p>
+          <a:p>
+            <a:r>
+              <a:rPr lang="es-MX" sz="1200" dirty="0">
+                <a:solidFill>
+                  <a:schemeClr val="tx1"/>
+                </a:solidFill>
+              </a:rPr>
+              <a:t>     suma = </a:t>
+            </a:r>
+            <a:r>
+              <a:rPr lang="es-MX" sz="1200" dirty="0" err="1">
+                <a:solidFill>
+                  <a:schemeClr val="tx1"/>
+                </a:solidFill>
+              </a:rPr>
+              <a:t>x+y</a:t>
+            </a:r>
+            <a:endParaRPr lang="es-MX" sz="1200" dirty="0">
+              <a:solidFill>
+                <a:schemeClr val="tx1"/>
+              </a:solidFill>
+            </a:endParaRPr>
+          </a:p>
+          <a:p>
+            <a:r>
+              <a:rPr lang="es-MX" sz="1200" dirty="0">
+                <a:solidFill>
+                  <a:schemeClr val="tx1"/>
+                </a:solidFill>
+              </a:rPr>
+              <a:t>      Imprime "La suma de  y  es ",</a:t>
+            </a:r>
+            <a:r>
+              <a:rPr lang="es-MX" sz="1200" dirty="0" err="1">
+                <a:solidFill>
+                  <a:schemeClr val="tx1"/>
+                </a:solidFill>
+              </a:rPr>
+              <a:t>x,y,suma</a:t>
+            </a:r>
+            <a:endParaRPr lang="es-MX" sz="1200" dirty="0">
+              <a:solidFill>
+                <a:schemeClr val="tx1"/>
+              </a:solidFill>
+            </a:endParaRPr>
+          </a:p>
+          <a:p>
+            <a:r>
+              <a:rPr lang="es-MX" sz="1200" dirty="0">
+                <a:solidFill>
+                  <a:schemeClr val="tx1"/>
+                </a:solidFill>
+              </a:rPr>
+              <a:t>      Si </a:t>
+            </a:r>
+            <a:r>
+              <a:rPr lang="es-MX" sz="1200" dirty="0" err="1">
+                <a:solidFill>
+                  <a:schemeClr val="tx1"/>
+                </a:solidFill>
+              </a:rPr>
+              <a:t>opt</a:t>
+            </a:r>
+            <a:r>
+              <a:rPr lang="es-MX" sz="1200" dirty="0">
+                <a:solidFill>
+                  <a:schemeClr val="tx1"/>
+                </a:solidFill>
+              </a:rPr>
+              <a:t>= 2:</a:t>
+            </a:r>
+          </a:p>
+          <a:p>
+            <a:r>
+              <a:rPr lang="es-MX" sz="1200" dirty="0">
+                <a:solidFill>
+                  <a:schemeClr val="tx1"/>
+                </a:solidFill>
+              </a:rPr>
+              <a:t>      resta = x-y</a:t>
+            </a:r>
+          </a:p>
+          <a:p>
+            <a:r>
+              <a:rPr lang="es-MX" sz="1200" dirty="0">
+                <a:solidFill>
+                  <a:schemeClr val="tx1"/>
+                </a:solidFill>
+              </a:rPr>
+              <a:t>      Imprime "La resta de y es ",</a:t>
+            </a:r>
+            <a:r>
+              <a:rPr lang="es-MX" sz="1200" dirty="0" err="1">
+                <a:solidFill>
+                  <a:schemeClr val="tx1"/>
+                </a:solidFill>
+              </a:rPr>
+              <a:t>x,y,resta</a:t>
+            </a:r>
+            <a:endParaRPr lang="es-MX" sz="1200" dirty="0">
+              <a:solidFill>
+                <a:schemeClr val="tx1"/>
+              </a:solidFill>
+            </a:endParaRPr>
+          </a:p>
+          <a:p>
+            <a:r>
+              <a:rPr lang="es-MX" sz="1200" dirty="0">
+                <a:solidFill>
+                  <a:schemeClr val="tx1"/>
+                </a:solidFill>
+              </a:rPr>
+              <a:t>      Si </a:t>
+            </a:r>
+            <a:r>
+              <a:rPr lang="es-MX" sz="1200" dirty="0" err="1">
+                <a:solidFill>
+                  <a:schemeClr val="tx1"/>
+                </a:solidFill>
+              </a:rPr>
+              <a:t>opt</a:t>
+            </a:r>
+            <a:r>
+              <a:rPr lang="es-MX" sz="1200" dirty="0">
+                <a:solidFill>
+                  <a:schemeClr val="tx1"/>
+                </a:solidFill>
+              </a:rPr>
+              <a:t>= 3: </a:t>
+            </a:r>
+          </a:p>
+          <a:p>
+            <a:r>
+              <a:rPr lang="es-MX" sz="1200" dirty="0">
+                <a:solidFill>
+                  <a:schemeClr val="tx1"/>
+                </a:solidFill>
+              </a:rPr>
+              <a:t>      </a:t>
+            </a:r>
+            <a:r>
+              <a:rPr lang="es-MX" sz="1200" dirty="0" err="1">
+                <a:solidFill>
+                  <a:schemeClr val="tx1"/>
+                </a:solidFill>
+              </a:rPr>
+              <a:t>mul</a:t>
+            </a:r>
+            <a:r>
+              <a:rPr lang="es-MX" sz="1200" dirty="0">
+                <a:solidFill>
+                  <a:schemeClr val="tx1"/>
+                </a:solidFill>
+              </a:rPr>
+              <a:t> = x*y</a:t>
+            </a:r>
+          </a:p>
+          <a:p>
+            <a:r>
+              <a:rPr lang="es-MX" sz="1200" dirty="0">
+                <a:solidFill>
+                  <a:schemeClr val="tx1"/>
+                </a:solidFill>
+              </a:rPr>
+              <a:t>      Imprime "La </a:t>
+            </a:r>
+            <a:r>
+              <a:rPr lang="es-MX" sz="1200" dirty="0" err="1">
+                <a:solidFill>
+                  <a:schemeClr val="tx1"/>
+                </a:solidFill>
+              </a:rPr>
+              <a:t>multiplicacion</a:t>
+            </a:r>
+            <a:r>
+              <a:rPr lang="es-MX" sz="1200" dirty="0">
+                <a:solidFill>
+                  <a:schemeClr val="tx1"/>
+                </a:solidFill>
+              </a:rPr>
+              <a:t> de y es ",</a:t>
+            </a:r>
+            <a:r>
+              <a:rPr lang="es-MX" sz="1200" dirty="0" err="1">
+                <a:solidFill>
+                  <a:schemeClr val="tx1"/>
+                </a:solidFill>
+              </a:rPr>
+              <a:t>x,y,mul</a:t>
+            </a:r>
+            <a:endParaRPr lang="es-MX" sz="1200" dirty="0">
+              <a:solidFill>
+                <a:schemeClr val="tx1"/>
+              </a:solidFill>
+            </a:endParaRPr>
+          </a:p>
+          <a:p>
+            <a:r>
+              <a:rPr lang="es-MX" sz="1200" dirty="0">
+                <a:solidFill>
+                  <a:schemeClr val="tx1"/>
+                </a:solidFill>
+              </a:rPr>
+              <a:t>      Si </a:t>
+            </a:r>
+            <a:r>
+              <a:rPr lang="es-MX" sz="1200" dirty="0" err="1">
+                <a:solidFill>
+                  <a:schemeClr val="tx1"/>
+                </a:solidFill>
+              </a:rPr>
+              <a:t>opt</a:t>
+            </a:r>
+            <a:r>
+              <a:rPr lang="es-MX" sz="1200" dirty="0">
+                <a:solidFill>
+                  <a:schemeClr val="tx1"/>
+                </a:solidFill>
+              </a:rPr>
+              <a:t>= 4:</a:t>
+            </a:r>
+          </a:p>
+          <a:p>
+            <a:r>
+              <a:rPr lang="es-MX" sz="1200" dirty="0">
+                <a:solidFill>
+                  <a:schemeClr val="tx1"/>
+                </a:solidFill>
+              </a:rPr>
+              <a:t>     </a:t>
+            </a:r>
+            <a:r>
+              <a:rPr lang="es-MX" sz="1200" dirty="0" err="1">
+                <a:solidFill>
+                  <a:schemeClr val="tx1"/>
+                </a:solidFill>
+              </a:rPr>
+              <a:t>division</a:t>
+            </a:r>
+            <a:r>
+              <a:rPr lang="es-MX" sz="1200" dirty="0">
+                <a:solidFill>
+                  <a:schemeClr val="tx1"/>
+                </a:solidFill>
+              </a:rPr>
+              <a:t>= x/y</a:t>
+            </a:r>
+          </a:p>
+          <a:p>
+            <a:r>
+              <a:rPr lang="es-MX" sz="1200" dirty="0">
+                <a:solidFill>
+                  <a:schemeClr val="tx1"/>
+                </a:solidFill>
+              </a:rPr>
+              <a:t>      Imprime "La </a:t>
+            </a:r>
+            <a:r>
+              <a:rPr lang="es-MX" sz="1200" dirty="0" err="1">
+                <a:solidFill>
+                  <a:schemeClr val="tx1"/>
+                </a:solidFill>
+              </a:rPr>
+              <a:t>division</a:t>
+            </a:r>
+            <a:r>
+              <a:rPr lang="es-MX" sz="1200" dirty="0">
+                <a:solidFill>
+                  <a:schemeClr val="tx1"/>
+                </a:solidFill>
+              </a:rPr>
+              <a:t> de y es ",</a:t>
+            </a:r>
+            <a:r>
+              <a:rPr lang="es-MX" sz="1200" dirty="0" err="1">
+                <a:solidFill>
+                  <a:schemeClr val="tx1"/>
+                </a:solidFill>
+              </a:rPr>
+              <a:t>x,y,division</a:t>
+            </a:r>
+            <a:endParaRPr lang="es-MX" sz="1200" dirty="0">
+              <a:solidFill>
+                <a:schemeClr val="tx1"/>
+              </a:solidFill>
+            </a:endParaRPr>
+          </a:p>
+          <a:p>
+            <a:r>
+              <a:rPr lang="es-MX" sz="1200" dirty="0">
+                <a:solidFill>
+                  <a:schemeClr val="tx1"/>
+                </a:solidFill>
+              </a:rPr>
+              <a:t>      Si no es ninguna </a:t>
+            </a:r>
+            <a:r>
+              <a:rPr lang="es-MX" sz="1200" dirty="0" err="1">
+                <a:solidFill>
+                  <a:schemeClr val="tx1"/>
+                </a:solidFill>
+              </a:rPr>
+              <a:t>opcion</a:t>
+            </a:r>
+            <a:r>
+              <a:rPr lang="es-MX" sz="1200" dirty="0">
+                <a:solidFill>
+                  <a:schemeClr val="tx1"/>
+                </a:solidFill>
+              </a:rPr>
+              <a:t>:</a:t>
+            </a:r>
+          </a:p>
+          <a:p>
+            <a:r>
+              <a:rPr lang="es-MX" sz="1200" dirty="0">
+                <a:solidFill>
+                  <a:schemeClr val="tx1"/>
+                </a:solidFill>
+              </a:rPr>
+              <a:t>      Imprime "Introduzca un valor valido”</a:t>
+            </a:r>
+            <a:endParaRPr lang="es-MX" sz="1200" dirty="0"/>
+          </a:p>
+          <a:p>
+            <a:endParaRPr lang="es-MX" sz="1200" dirty="0"/>
+          </a:p>
+          <a:p>
+            <a:r>
+              <a:rPr lang="es-MX" sz="1200" dirty="0"/>
+              <a:t>Fin</a:t>
+            </a:r>
           </a:p>
         </p:txBody>
       </p:sp>
@@ -35630,6 +40358,96 @@
           </a:p>
         </p:txBody>
       </p:sp>
+      <p:pic>
+        <p:nvPicPr>
+          <p:cNvPr id="4" name="Picture 3">
+            <a:extLst>
+              <a:ext uri="{FF2B5EF4-FFF2-40B4-BE49-F238E27FC236}">
+                <a16:creationId xmlns:a16="http://schemas.microsoft.com/office/drawing/2014/main" id="{D1FFEECD-60ED-1C25-46F7-9FADA32D35C6}"/>
+              </a:ext>
+            </a:extLst>
+          </p:cNvPr>
+          <p:cNvPicPr>
+            <a:picLocks noChangeAspect="1"/>
+          </p:cNvPicPr>
+          <p:nvPr/>
+        </p:nvPicPr>
+        <p:blipFill>
+          <a:blip r:embed="rId7"/>
+          <a:stretch>
+            <a:fillRect/>
+          </a:stretch>
+        </p:blipFill>
+        <p:spPr>
+          <a:xfrm>
+            <a:off x="-37696" y="1691588"/>
+            <a:ext cx="6858000" cy="4673924"/>
+          </a:xfrm>
+          <a:prstGeom prst="rect">
+            <a:avLst/>
+          </a:prstGeom>
+        </p:spPr>
+      </p:pic>
+      <p:pic>
+        <p:nvPicPr>
+          <p:cNvPr id="6" name="Picture 5">
+            <a:extLst>
+              <a:ext uri="{FF2B5EF4-FFF2-40B4-BE49-F238E27FC236}">
+                <a16:creationId xmlns:a16="http://schemas.microsoft.com/office/drawing/2014/main" id="{38F74A1F-0F37-ACA2-E3DF-8F86B610355C}"/>
+              </a:ext>
+            </a:extLst>
+          </p:cNvPr>
+          <p:cNvPicPr>
+            <a:picLocks noChangeAspect="1"/>
+          </p:cNvPicPr>
+          <p:nvPr/>
+        </p:nvPicPr>
+        <p:blipFill>
+          <a:blip r:embed="rId8"/>
+          <a:stretch>
+            <a:fillRect/>
+          </a:stretch>
+        </p:blipFill>
+        <p:spPr>
+          <a:xfrm>
+            <a:off x="529844" y="6281444"/>
+            <a:ext cx="3596952" cy="868755"/>
+          </a:xfrm>
+          <a:prstGeom prst="rect">
+            <a:avLst/>
+          </a:prstGeom>
+        </p:spPr>
+      </p:pic>
+      <p:pic>
+        <p:nvPicPr>
+          <p:cNvPr id="9" name="Picture 8">
+            <a:extLst>
+              <a:ext uri="{FF2B5EF4-FFF2-40B4-BE49-F238E27FC236}">
+                <a16:creationId xmlns:a16="http://schemas.microsoft.com/office/drawing/2014/main" id="{F7E9B6A9-571E-C712-09D6-7BCC3B93E068}"/>
+              </a:ext>
+            </a:extLst>
+          </p:cNvPr>
+          <p:cNvPicPr>
+            <a:picLocks noChangeAspect="1"/>
+          </p:cNvPicPr>
+          <p:nvPr/>
+        </p:nvPicPr>
+        <p:blipFill>
+          <a:blip r:embed="rId9"/>
+          <a:stretch>
+            <a:fillRect/>
+          </a:stretch>
+        </p:blipFill>
+        <p:spPr>
+          <a:xfrm>
+            <a:off x="4361076" y="1712398"/>
+            <a:ext cx="2470879" cy="2717967"/>
+          </a:xfrm>
+          <a:prstGeom prst="rect">
+            <a:avLst/>
+          </a:prstGeom>
+        </p:spPr>
+      </p:pic>
     </p:spTree>
     <p:extLst>
       <p:ext uri="{BB962C8B-B14F-4D97-AF65-F5344CB8AC3E}">
@@ -37854,7 +42672,128 @@
           <a:bodyPr lIns="91435" tIns="45718" rIns="91435" bIns="45718" rtlCol="0" anchor="t"/>
           <a:lstStyle/>
           <a:p>
-            <a:endParaRPr lang="es-MX" sz="1200" dirty="0"/>
+            <a:r>
+              <a:rPr lang="es-ES" sz="1200"/>
+              <a:t>Inicio</a:t>
+            </a:r>
+          </a:p>
+          <a:p>
+            <a:endParaRPr lang="es-ES" sz="1200"/>
+          </a:p>
+          <a:p>
+            <a:r>
+              <a:rPr lang="es-ES" sz="1200"/>
+              <a:t>    Entero opt</a:t>
+            </a:r>
+          </a:p>
+          <a:p>
+            <a:r>
+              <a:rPr lang="es-ES" sz="1200"/>
+              <a:t>    Imprime "Introduzca un numero que represente un dia de la semana:"</a:t>
+            </a:r>
+          </a:p>
+          <a:p>
+            <a:r>
+              <a:rPr lang="es-ES" sz="1200"/>
+              <a:t>    Lee opt</a:t>
+            </a:r>
+          </a:p>
+          <a:p>
+            <a:endParaRPr lang="es-ES" sz="1200"/>
+          </a:p>
+          <a:p>
+            <a:r>
+              <a:rPr lang="es-ES" sz="1200"/>
+              <a:t>    Si opt = 1 </a:t>
+            </a:r>
+          </a:p>
+          <a:p>
+            <a:r>
+              <a:rPr lang="es-ES" sz="1200"/>
+              <a:t>        Imprime "El dia de la semana es Lunes"</a:t>
+            </a:r>
+          </a:p>
+          <a:p>
+            <a:r>
+              <a:rPr lang="es-ES" sz="1200"/>
+              <a:t>    Si opt = 2 </a:t>
+            </a:r>
+          </a:p>
+          <a:p>
+            <a:r>
+              <a:rPr lang="es-ES" sz="1200"/>
+              <a:t>        Imprime "El dia de la semana es Martes"</a:t>
+            </a:r>
+          </a:p>
+          <a:p>
+            <a:r>
+              <a:rPr lang="es-ES" sz="1200"/>
+              <a:t>    Si opt = 3 </a:t>
+            </a:r>
+          </a:p>
+          <a:p>
+            <a:r>
+              <a:rPr lang="es-ES" sz="1200"/>
+              <a:t>        Imprime "El dia de la semana es Miercoles"</a:t>
+            </a:r>
+          </a:p>
+          <a:p>
+            <a:r>
+              <a:rPr lang="es-ES" sz="1200"/>
+              <a:t>    Si opt = 4 </a:t>
+            </a:r>
+          </a:p>
+          <a:p>
+            <a:r>
+              <a:rPr lang="es-ES" sz="1200"/>
+              <a:t>        Imprime "El dia de la semana es Jueves"</a:t>
+            </a:r>
+          </a:p>
+          <a:p>
+            <a:r>
+              <a:rPr lang="es-ES" sz="1200"/>
+              <a:t>    Si opt = 5 </a:t>
+            </a:r>
+          </a:p>
+          <a:p>
+            <a:r>
+              <a:rPr lang="es-ES" sz="1200"/>
+              <a:t>        Imprime "El dia de la semana es Viernes"</a:t>
+            </a:r>
+          </a:p>
+          <a:p>
+            <a:r>
+              <a:rPr lang="es-ES" sz="1200"/>
+              <a:t>    Si opt = 6 </a:t>
+            </a:r>
+          </a:p>
+          <a:p>
+            <a:r>
+              <a:rPr lang="es-ES" sz="1200"/>
+              <a:t>        Imprime "El dia de la semana es Sabado"</a:t>
+            </a:r>
+          </a:p>
+          <a:p>
+            <a:r>
+              <a:rPr lang="es-ES" sz="1200"/>
+              <a:t>    Si opt = 7 </a:t>
+            </a:r>
+          </a:p>
+          <a:p>
+            <a:r>
+              <a:rPr lang="es-ES" sz="1200"/>
+              <a:t>        Imprime "El dia de la semana es Domingo"</a:t>
+            </a:r>
+          </a:p>
+          <a:p>
+            <a:endParaRPr lang="es-ES" sz="1200"/>
+          </a:p>
+          <a:p>
+            <a:r>
+              <a:rPr lang="es-ES" sz="1200"/>
+              <a:t>Fin</a:t>
+            </a:r>
+            <a:endParaRPr lang="es-ES" sz="1200" dirty="0"/>
           </a:p>
         </p:txBody>
       </p:sp>
@@ -38601,6 +43540,66 @@
           </a:p>
         </p:txBody>
       </p:sp>
+      <p:pic>
+        <p:nvPicPr>
+          <p:cNvPr id="6" name="Picture 5">
+            <a:extLst>
+              <a:ext uri="{FF2B5EF4-FFF2-40B4-BE49-F238E27FC236}">
+                <a16:creationId xmlns:a16="http://schemas.microsoft.com/office/drawing/2014/main" id="{B2553DF6-9593-0809-1103-67D356FFCE27}"/>
+              </a:ext>
+            </a:extLst>
+          </p:cNvPr>
+          <p:cNvPicPr>
+            <a:picLocks noChangeAspect="1"/>
+          </p:cNvPicPr>
+          <p:nvPr/>
+        </p:nvPicPr>
+        <p:blipFill>
+          <a:blip r:embed="rId7"/>
+          <a:stretch>
+            <a:fillRect/>
+          </a:stretch>
+        </p:blipFill>
+        <p:spPr>
+          <a:xfrm>
+            <a:off x="-57955" y="1691680"/>
+            <a:ext cx="6858000" cy="3323036"/>
+          </a:xfrm>
+          <a:prstGeom prst="rect">
+            <a:avLst/>
+          </a:prstGeom>
+        </p:spPr>
+      </p:pic>
+      <p:pic>
+        <p:nvPicPr>
+          <p:cNvPr id="9" name="Picture 8">
+            <a:extLst>
+              <a:ext uri="{FF2B5EF4-FFF2-40B4-BE49-F238E27FC236}">
+                <a16:creationId xmlns:a16="http://schemas.microsoft.com/office/drawing/2014/main" id="{BBCFFE9E-9642-069E-596D-9CCFCDB78D2B}"/>
+              </a:ext>
+            </a:extLst>
+          </p:cNvPr>
+          <p:cNvPicPr>
+            <a:picLocks noChangeAspect="1"/>
+          </p:cNvPicPr>
+          <p:nvPr/>
+        </p:nvPicPr>
+        <p:blipFill>
+          <a:blip r:embed="rId8"/>
+          <a:stretch>
+            <a:fillRect/>
+          </a:stretch>
+        </p:blipFill>
+        <p:spPr>
+          <a:xfrm>
+            <a:off x="2168860" y="5014716"/>
+            <a:ext cx="2520280" cy="2803734"/>
+          </a:xfrm>
+          <a:prstGeom prst="rect">
+            <a:avLst/>
+          </a:prstGeom>
+        </p:spPr>
+      </p:pic>
     </p:spTree>
     <p:extLst>
       <p:ext uri="{BB962C8B-B14F-4D97-AF65-F5344CB8AC3E}">
@@ -38738,205 +43737,416 @@
           <a:lstStyle/>
           <a:p>
             <a:r>
-              <a:rPr lang="es-MX" sz="1200"/>
-              <a:t>#include &lt;stdio.h&gt;</a:t>
-            </a:r>
-          </a:p>
-          <a:p>
-            <a:endParaRPr lang="es-MX" sz="1200"/>
-          </a:p>
-          <a:p>
-            <a:r>
-              <a:rPr lang="es-MX" sz="1200"/>
-              <a:t>void main() {</a:t>
-            </a:r>
-          </a:p>
-          <a:p>
-            <a:r>
-              <a:rPr lang="es-MX" sz="1200"/>
-              <a:t>    int opt;</a:t>
-            </a:r>
-          </a:p>
-          <a:p>
-            <a:r>
-              <a:rPr lang="es-MX" sz="1200"/>
-              <a:t>    printf("Introduzaca un numero que represente un numero de la semana:");</a:t>
-            </a:r>
-          </a:p>
-          <a:p>
-            <a:r>
-              <a:rPr lang="es-MX" sz="1200"/>
-              <a:t>    scanf("%i",&amp;opt);</a:t>
-            </a:r>
-          </a:p>
-          <a:p>
-            <a:endParaRPr lang="es-MX" sz="1200"/>
-          </a:p>
-          <a:p>
-            <a:r>
-              <a:rPr lang="es-MX" sz="1200"/>
-              <a:t>    switch (opt) {</a:t>
-            </a:r>
-          </a:p>
-          <a:p>
-            <a:r>
-              <a:rPr lang="es-MX" sz="1200"/>
+              <a:rPr lang="es-MX" sz="1200" dirty="0"/>
+              <a:t>#include &lt;</a:t>
+            </a:r>
+            <a:r>
+              <a:rPr lang="es-MX" sz="1200" dirty="0" err="1"/>
+              <a:t>stdio.h</a:t>
+            </a:r>
+            <a:r>
+              <a:rPr lang="es-MX" sz="1200" dirty="0"/>
+              <a:t>&gt;</a:t>
+            </a:r>
+          </a:p>
+          <a:p>
+            <a:endParaRPr lang="es-MX" sz="1200" dirty="0"/>
+          </a:p>
+          <a:p>
+            <a:r>
+              <a:rPr lang="es-MX" sz="1200" dirty="0" err="1"/>
+              <a:t>void</a:t>
+            </a:r>
+            <a:r>
+              <a:rPr lang="es-MX" sz="1200" dirty="0"/>
+              <a:t> </a:t>
+            </a:r>
+            <a:r>
+              <a:rPr lang="es-MX" sz="1200" dirty="0" err="1"/>
+              <a:t>main</a:t>
+            </a:r>
+            <a:r>
+              <a:rPr lang="es-MX" sz="1200" dirty="0"/>
+              <a:t>() {</a:t>
+            </a:r>
+          </a:p>
+          <a:p>
+            <a:r>
+              <a:rPr lang="es-MX" sz="1200" dirty="0"/>
+              <a:t>    </a:t>
+            </a:r>
+            <a:r>
+              <a:rPr lang="es-MX" sz="1200" dirty="0" err="1"/>
+              <a:t>int</a:t>
+            </a:r>
+            <a:r>
+              <a:rPr lang="es-MX" sz="1200" dirty="0"/>
+              <a:t> </a:t>
+            </a:r>
+            <a:r>
+              <a:rPr lang="es-MX" sz="1200" dirty="0" err="1"/>
+              <a:t>opt</a:t>
+            </a:r>
+            <a:r>
+              <a:rPr lang="es-MX" sz="1200" dirty="0"/>
+              <a:t>;</a:t>
+            </a:r>
+          </a:p>
+          <a:p>
+            <a:r>
+              <a:rPr lang="es-MX" sz="1200" dirty="0"/>
+              <a:t>    </a:t>
+            </a:r>
+            <a:r>
+              <a:rPr lang="es-MX" sz="1200" dirty="0" err="1"/>
+              <a:t>printf</a:t>
+            </a:r>
+            <a:r>
+              <a:rPr lang="es-MX" sz="1200" dirty="0"/>
+              <a:t>("</a:t>
+            </a:r>
+            <a:r>
+              <a:rPr lang="es-MX" sz="1200" dirty="0" err="1"/>
+              <a:t>Introduzaca</a:t>
+            </a:r>
+            <a:r>
+              <a:rPr lang="es-MX" sz="1200" dirty="0"/>
+              <a:t> un numero que represente un numero de la semana:");</a:t>
+            </a:r>
+          </a:p>
+          <a:p>
+            <a:r>
+              <a:rPr lang="es-MX" sz="1200" dirty="0"/>
+              <a:t>    </a:t>
+            </a:r>
+            <a:r>
+              <a:rPr lang="es-MX" sz="1200" dirty="0" err="1"/>
+              <a:t>scanf</a:t>
+            </a:r>
+            <a:r>
+              <a:rPr lang="es-MX" sz="1200" dirty="0"/>
+              <a:t>("%i",&amp;</a:t>
+            </a:r>
+            <a:r>
+              <a:rPr lang="es-MX" sz="1200" dirty="0" err="1"/>
+              <a:t>opt</a:t>
+            </a:r>
+            <a:r>
+              <a:rPr lang="es-MX" sz="1200" dirty="0"/>
+              <a:t>);</a:t>
+            </a:r>
+          </a:p>
+          <a:p>
+            <a:endParaRPr lang="es-MX" sz="1200" dirty="0"/>
+          </a:p>
+          <a:p>
+            <a:r>
+              <a:rPr lang="es-MX" sz="1200" dirty="0"/>
+              <a:t>    switch (</a:t>
+            </a:r>
+            <a:r>
+              <a:rPr lang="es-MX" sz="1200" dirty="0" err="1"/>
+              <a:t>opt</a:t>
+            </a:r>
+            <a:r>
+              <a:rPr lang="es-MX" sz="1200" dirty="0"/>
+              <a:t>) {</a:t>
+            </a:r>
+          </a:p>
+          <a:p>
+            <a:r>
+              <a:rPr lang="es-MX" sz="1200" dirty="0"/>
               <a:t>        case 1:</a:t>
             </a:r>
           </a:p>
           <a:p>
             <a:r>
-              <a:rPr lang="es-MX" sz="1200"/>
-              <a:t>            printf("El dia de la semana es Lunes");</a:t>
-            </a:r>
-          </a:p>
-          <a:p>
-            <a:r>
-              <a:rPr lang="es-MX" sz="1200"/>
+              <a:rPr lang="es-MX" sz="1200" dirty="0"/>
+              <a:t>            </a:t>
+            </a:r>
+            <a:r>
+              <a:rPr lang="es-MX" sz="1200" dirty="0" err="1"/>
+              <a:t>printf</a:t>
+            </a:r>
+            <a:r>
+              <a:rPr lang="es-MX" sz="1200" dirty="0"/>
+              <a:t>("El </a:t>
+            </a:r>
+            <a:r>
+              <a:rPr lang="es-MX" sz="1200" dirty="0" err="1"/>
+              <a:t>dia</a:t>
+            </a:r>
+            <a:r>
+              <a:rPr lang="es-MX" sz="1200" dirty="0"/>
+              <a:t> de la semana es Lunes");</a:t>
+            </a:r>
+          </a:p>
+          <a:p>
+            <a:r>
+              <a:rPr lang="es-MX" sz="1200" dirty="0"/>
               <a:t>            break;</a:t>
             </a:r>
           </a:p>
           <a:p>
             <a:r>
-              <a:rPr lang="es-MX" sz="1200"/>
+              <a:rPr lang="es-MX" sz="1200" dirty="0"/>
               <a:t>        case 2:</a:t>
             </a:r>
           </a:p>
           <a:p>
             <a:r>
-              <a:rPr lang="es-MX" sz="1200"/>
-              <a:t>            printf("El dia de la semana es Martes");</a:t>
-            </a:r>
-          </a:p>
-          <a:p>
-            <a:r>
-              <a:rPr lang="es-MX" sz="1200"/>
+              <a:rPr lang="es-MX" sz="1200" dirty="0"/>
+              <a:t>            </a:t>
+            </a:r>
+            <a:r>
+              <a:rPr lang="es-MX" sz="1200" dirty="0" err="1"/>
+              <a:t>printf</a:t>
+            </a:r>
+            <a:r>
+              <a:rPr lang="es-MX" sz="1200" dirty="0"/>
+              <a:t>("El </a:t>
+            </a:r>
+            <a:r>
+              <a:rPr lang="es-MX" sz="1200" dirty="0" err="1"/>
+              <a:t>dia</a:t>
+            </a:r>
+            <a:r>
+              <a:rPr lang="es-MX" sz="1200" dirty="0"/>
+              <a:t> de la semana es Martes");</a:t>
+            </a:r>
+          </a:p>
+          <a:p>
+            <a:r>
+              <a:rPr lang="es-MX" sz="1200" dirty="0"/>
               <a:t>            break;</a:t>
             </a:r>
           </a:p>
           <a:p>
             <a:r>
-              <a:rPr lang="es-MX" sz="1200"/>
+              <a:rPr lang="es-MX" sz="1200" dirty="0"/>
               <a:t>        case 3:</a:t>
             </a:r>
           </a:p>
           <a:p>
             <a:r>
-              <a:rPr lang="es-MX" sz="1200"/>
-              <a:t>            printf("El dia de la semana es Miercoles");</a:t>
-            </a:r>
-          </a:p>
-          <a:p>
-            <a:r>
-              <a:rPr lang="es-MX" sz="1200"/>
+              <a:rPr lang="es-MX" sz="1200" dirty="0"/>
+              <a:t>            </a:t>
+            </a:r>
+            <a:r>
+              <a:rPr lang="es-MX" sz="1200" dirty="0" err="1"/>
+              <a:t>printf</a:t>
+            </a:r>
+            <a:r>
+              <a:rPr lang="es-MX" sz="1200" dirty="0"/>
+              <a:t>("El </a:t>
+            </a:r>
+            <a:r>
+              <a:rPr lang="es-MX" sz="1200" dirty="0" err="1"/>
+              <a:t>dia</a:t>
+            </a:r>
+            <a:r>
+              <a:rPr lang="es-MX" sz="1200" dirty="0"/>
+              <a:t> de la semana es </a:t>
+            </a:r>
+            <a:r>
+              <a:rPr lang="es-MX" sz="1200" dirty="0" err="1"/>
+              <a:t>Miercoles</a:t>
+            </a:r>
+            <a:r>
+              <a:rPr lang="es-MX" sz="1200" dirty="0"/>
+              <a:t>");</a:t>
+            </a:r>
+          </a:p>
+          <a:p>
+            <a:r>
+              <a:rPr lang="es-MX" sz="1200" dirty="0"/>
               <a:t>            break;</a:t>
             </a:r>
           </a:p>
           <a:p>
             <a:r>
-              <a:rPr lang="es-MX" sz="1200"/>
+              <a:rPr lang="es-MX" sz="1200" dirty="0"/>
               <a:t>        case 4:</a:t>
             </a:r>
           </a:p>
           <a:p>
             <a:r>
-              <a:rPr lang="es-MX" sz="1200"/>
-              <a:t>            printf("El dia de la semana es Jueves");</a:t>
-            </a:r>
-          </a:p>
-          <a:p>
-            <a:r>
-              <a:rPr lang="es-MX" sz="1200"/>
+              <a:rPr lang="es-MX" sz="1200" dirty="0"/>
+              <a:t>            </a:t>
+            </a:r>
+            <a:r>
+              <a:rPr lang="es-MX" sz="1200" dirty="0" err="1"/>
+              <a:t>printf</a:t>
+            </a:r>
+            <a:r>
+              <a:rPr lang="es-MX" sz="1200" dirty="0"/>
+              <a:t>("El </a:t>
+            </a:r>
+            <a:r>
+              <a:rPr lang="es-MX" sz="1200" dirty="0" err="1"/>
+              <a:t>dia</a:t>
+            </a:r>
+            <a:r>
+              <a:rPr lang="es-MX" sz="1200" dirty="0"/>
+              <a:t> de la semana es Jueves");</a:t>
+            </a:r>
+          </a:p>
+          <a:p>
+            <a:r>
+              <a:rPr lang="es-MX" sz="1200" dirty="0"/>
               <a:t>            break;</a:t>
             </a:r>
           </a:p>
           <a:p>
             <a:r>
-              <a:rPr lang="es-MX" sz="1200"/>
+              <a:rPr lang="es-MX" sz="1200" dirty="0"/>
               <a:t>        case 5:</a:t>
             </a:r>
           </a:p>
           <a:p>
             <a:r>
-              <a:rPr lang="es-MX" sz="1200"/>
-              <a:t>            printf("El dia de la semana es Viernes");</a:t>
-            </a:r>
-          </a:p>
-          <a:p>
-            <a:r>
-              <a:rPr lang="es-MX" sz="1200"/>
+              <a:rPr lang="es-MX" sz="1200" dirty="0"/>
+              <a:t>            </a:t>
+            </a:r>
+            <a:r>
+              <a:rPr lang="es-MX" sz="1200" dirty="0" err="1"/>
+              <a:t>printf</a:t>
+            </a:r>
+            <a:r>
+              <a:rPr lang="es-MX" sz="1200" dirty="0"/>
+              <a:t>("El </a:t>
+            </a:r>
+            <a:r>
+              <a:rPr lang="es-MX" sz="1200" dirty="0" err="1"/>
+              <a:t>dia</a:t>
+            </a:r>
+            <a:r>
+              <a:rPr lang="es-MX" sz="1200" dirty="0"/>
+              <a:t> de la semana es Viernes");</a:t>
+            </a:r>
+          </a:p>
+          <a:p>
+            <a:r>
+              <a:rPr lang="es-MX" sz="1200" dirty="0"/>
               <a:t>            break;</a:t>
             </a:r>
           </a:p>
           <a:p>
             <a:r>
-              <a:rPr lang="es-MX" sz="1200"/>
+              <a:rPr lang="es-MX" sz="1200" dirty="0"/>
               <a:t>        case 6:</a:t>
             </a:r>
           </a:p>
           <a:p>
             <a:r>
-              <a:rPr lang="es-MX" sz="1200"/>
-              <a:t>            printf("El dia de la semana es Sabado");</a:t>
-            </a:r>
-          </a:p>
-          <a:p>
-            <a:r>
-              <a:rPr lang="es-MX" sz="1200"/>
+              <a:rPr lang="es-MX" sz="1200" dirty="0"/>
+              <a:t>            </a:t>
+            </a:r>
+            <a:r>
+              <a:rPr lang="es-MX" sz="1200" dirty="0" err="1"/>
+              <a:t>printf</a:t>
+            </a:r>
+            <a:r>
+              <a:rPr lang="es-MX" sz="1200" dirty="0"/>
+              <a:t>("El </a:t>
+            </a:r>
+            <a:r>
+              <a:rPr lang="es-MX" sz="1200" dirty="0" err="1"/>
+              <a:t>dia</a:t>
+            </a:r>
+            <a:r>
+              <a:rPr lang="es-MX" sz="1200" dirty="0"/>
+              <a:t> de la semana es </a:t>
+            </a:r>
+            <a:r>
+              <a:rPr lang="es-MX" sz="1200" dirty="0" err="1"/>
+              <a:t>Sabado</a:t>
+            </a:r>
+            <a:r>
+              <a:rPr lang="es-MX" sz="1200" dirty="0"/>
+              <a:t>");</a:t>
+            </a:r>
+          </a:p>
+          <a:p>
+            <a:r>
+              <a:rPr lang="es-MX" sz="1200" dirty="0"/>
               <a:t>            break;</a:t>
             </a:r>
           </a:p>
           <a:p>
             <a:r>
-              <a:rPr lang="es-MX" sz="1200"/>
+              <a:rPr lang="es-MX" sz="1200" dirty="0"/>
               <a:t>        case 7:</a:t>
             </a:r>
           </a:p>
           <a:p>
             <a:r>
-              <a:rPr lang="es-MX" sz="1200"/>
-              <a:t>            printf("El dia de la semana es Domingo");</a:t>
-            </a:r>
-          </a:p>
-          <a:p>
-            <a:r>
-              <a:rPr lang="es-MX" sz="1200"/>
+              <a:rPr lang="es-MX" sz="1200" dirty="0"/>
+              <a:t>            </a:t>
+            </a:r>
+            <a:r>
+              <a:rPr lang="es-MX" sz="1200" dirty="0" err="1"/>
+              <a:t>printf</a:t>
+            </a:r>
+            <a:r>
+              <a:rPr lang="es-MX" sz="1200" dirty="0"/>
+              <a:t>("El </a:t>
+            </a:r>
+            <a:r>
+              <a:rPr lang="es-MX" sz="1200" dirty="0" err="1"/>
+              <a:t>dia</a:t>
+            </a:r>
+            <a:r>
+              <a:rPr lang="es-MX" sz="1200" dirty="0"/>
+              <a:t> de la semana es Domingo");</a:t>
+            </a:r>
+          </a:p>
+          <a:p>
+            <a:r>
+              <a:rPr lang="es-MX" sz="1200" dirty="0"/>
               <a:t>            break;</a:t>
             </a:r>
           </a:p>
           <a:p>
             <a:r>
-              <a:rPr lang="es-MX" sz="1200"/>
+              <a:rPr lang="es-MX" sz="1200" dirty="0"/>
               <a:t>        default:</a:t>
             </a:r>
           </a:p>
           <a:p>
             <a:r>
-              <a:rPr lang="es-MX" sz="1200"/>
-              <a:t>            printf("Numero no valido");</a:t>
-            </a:r>
-          </a:p>
-          <a:p>
-            <a:r>
-              <a:rPr lang="es-MX" sz="1200"/>
+              <a:rPr lang="es-MX" sz="1200" dirty="0"/>
+              <a:t>            </a:t>
+            </a:r>
+            <a:r>
+              <a:rPr lang="es-MX" sz="1200" dirty="0" err="1"/>
+              <a:t>printf</a:t>
+            </a:r>
+            <a:r>
+              <a:rPr lang="es-MX" sz="1200" dirty="0"/>
+              <a:t>("Numero no valido");</a:t>
+            </a:r>
+          </a:p>
+          <a:p>
+            <a:r>
+              <a:rPr lang="es-MX" sz="1200" dirty="0"/>
               <a:t>            break;</a:t>
             </a:r>
           </a:p>
           <a:p>
             <a:r>
-              <a:rPr lang="es-MX" sz="1200"/>
+              <a:rPr lang="es-MX" sz="1200" dirty="0"/>
               <a:t>    }</a:t>
             </a:r>
           </a:p>
           <a:p>
-            <a:endParaRPr lang="es-MX" sz="1200"/>
-          </a:p>
-          <a:p>
-            <a:r>
-              <a:rPr lang="es-MX" sz="1200"/>
+            <a:endParaRPr lang="es-MX" sz="1200" dirty="0"/>
+          </a:p>
+          <a:p>
+            <a:r>
+              <a:rPr lang="es-MX" sz="1200" dirty="0"/>
               <a:t>}</a:t>
             </a:r>
-            <a:endParaRPr lang="es-MX" sz="1200" dirty="0"/>
           </a:p>
         </p:txBody>
       </p:sp>
